--- a/Student_Dropout.pptx
+++ b/Student_Dropout.pptx
@@ -17,6 +17,7 @@
     <p:sldId id="263" r:id="rId12"/>
     <p:sldId id="264" r:id="rId13"/>
     <p:sldId id="265" r:id="rId14"/>
+    <p:sldId id="266" r:id="rId15"/>
   </p:sldIdLst>
   <p:sldSz cx="12192000" cy="6858000"/>
   <p:notesSz cx="7559675" cy="10691813"/>
@@ -74,7 +75,7 @@
         <p:txBody>
           <a:bodyPr/>
           <a:p>
-            <a:fld id="{B27A40B1-1B0D-4BED-94A0-0F402F116B12}" type="slidenum">
+            <a:fld id="{6E131F4A-9CB1-4F0C-AAC2-2DF65D19BDB6}" type="slidenum">
               <a:t>&lt;#&gt;</a:t>
             </a:fld>
           </a:p>
@@ -262,7 +263,7 @@
         <p:txBody>
           <a:bodyPr/>
           <a:p>
-            <a:fld id="{92FF1725-DA5C-4519-928F-B4EFD9F1E8C0}" type="slidenum">
+            <a:fld id="{831DD528-FB43-4B19-8115-8D6B5122F5D7}" type="slidenum">
               <a:t>&lt;#&gt;</a:t>
             </a:fld>
           </a:p>
@@ -518,7 +519,7 @@
         <p:txBody>
           <a:bodyPr/>
           <a:p>
-            <a:fld id="{0C1993BD-C5EF-4541-90E8-0BA90A2D821B}" type="slidenum">
+            <a:fld id="{4891F5C6-A399-4494-B80C-D1AAAFEDE0D8}" type="slidenum">
               <a:t>&lt;#&gt;</a:t>
             </a:fld>
           </a:p>
@@ -842,7 +843,7 @@
         <p:txBody>
           <a:bodyPr/>
           <a:p>
-            <a:fld id="{71FAE1E2-2F34-4260-8EC6-0319918C97B7}" type="slidenum">
+            <a:fld id="{6E3104A2-6BB2-4ADF-B85A-08704DE08A06}" type="slidenum">
               <a:t>&lt;#&gt;</a:t>
             </a:fld>
           </a:p>
@@ -925,7 +926,7 @@
         <p:txBody>
           <a:bodyPr/>
           <a:p>
-            <a:fld id="{741CEA02-BB02-4BE5-AF0F-DA61803D2FA7}" type="slidenum">
+            <a:fld id="{A2CB1EB0-A4B7-4568-AB2E-024BBB4F426C}" type="slidenum">
               <a:t>&lt;#&gt;</a:t>
             </a:fld>
           </a:p>
@@ -1082,7 +1083,7 @@
         <p:txBody>
           <a:bodyPr/>
           <a:p>
-            <a:fld id="{62DF6AD1-5771-4CDC-BD60-F5359B5A7187}" type="slidenum">
+            <a:fld id="{90FC4A91-295E-4CAA-9353-86B777E4C122}" type="slidenum">
               <a:t>&lt;#&gt;</a:t>
             </a:fld>
           </a:p>
@@ -1236,7 +1237,7 @@
         <p:txBody>
           <a:bodyPr/>
           <a:p>
-            <a:fld id="{3EA4CE29-080D-4207-9D4B-F1964040E227}" type="slidenum">
+            <a:fld id="{8C8C0ADF-0FBE-4473-8055-787961806063}" type="slidenum">
               <a:t>&lt;#&gt;</a:t>
             </a:fld>
           </a:p>
@@ -1424,7 +1425,7 @@
         <p:txBody>
           <a:bodyPr/>
           <a:p>
-            <a:fld id="{ACA8206D-68D3-4DB8-AF45-64160316D2E9}" type="slidenum">
+            <a:fld id="{C5224960-B21F-4AA1-A53D-9A15DE8D2D8E}" type="slidenum">
               <a:t>&lt;#&gt;</a:t>
             </a:fld>
           </a:p>
@@ -1544,7 +1545,7 @@
         <p:txBody>
           <a:bodyPr/>
           <a:p>
-            <a:fld id="{D20DD370-2B01-49F4-AA14-CDC97C729B00}" type="slidenum">
+            <a:fld id="{CBF9656A-81C4-4A05-86BF-3517874DD071}" type="slidenum">
               <a:t>&lt;#&gt;</a:t>
             </a:fld>
           </a:p>
@@ -1664,7 +1665,7 @@
         <p:txBody>
           <a:bodyPr/>
           <a:p>
-            <a:fld id="{474B3DC5-D7A6-40C5-B8C4-EEB21F0B8E52}" type="slidenum">
+            <a:fld id="{AEBB2566-3956-4482-AB78-EABAA6FA32EC}" type="slidenum">
               <a:t>&lt;#&gt;</a:t>
             </a:fld>
           </a:p>
@@ -1886,7 +1887,7 @@
         <p:txBody>
           <a:bodyPr/>
           <a:p>
-            <a:fld id="{5ED36B5C-797E-451F-8E8B-3FF623FC0EA1}" type="slidenum">
+            <a:fld id="{4F42B833-136A-401C-B0D2-16DC029BFD97}" type="slidenum">
               <a:t>&lt;#&gt;</a:t>
             </a:fld>
           </a:p>
@@ -2043,7 +2044,7 @@
         <p:txBody>
           <a:bodyPr/>
           <a:p>
-            <a:fld id="{30329FE0-7E0A-4674-8EF1-DC34C386B4E2}" type="slidenum">
+            <a:fld id="{C1AE0FAD-1AFC-49C3-B86D-52E8BA1DF6E6}" type="slidenum">
               <a:t>&lt;#&gt;</a:t>
             </a:fld>
           </a:p>
@@ -2265,7 +2266,7 @@
         <p:txBody>
           <a:bodyPr/>
           <a:p>
-            <a:fld id="{63871A56-E850-45F4-926D-6580B351B6F1}" type="slidenum">
+            <a:fld id="{B36628F9-5C76-4A9A-A077-EE1B6185F2CB}" type="slidenum">
               <a:t>&lt;#&gt;</a:t>
             </a:fld>
           </a:p>
@@ -2487,7 +2488,7 @@
         <p:txBody>
           <a:bodyPr/>
           <a:p>
-            <a:fld id="{47C551CC-02EA-45C2-A668-81F00D84B4F9}" type="slidenum">
+            <a:fld id="{D48C63DE-91A6-46AD-97F7-C207FA25E951}" type="slidenum">
               <a:t>&lt;#&gt;</a:t>
             </a:fld>
           </a:p>
@@ -2675,7 +2676,7 @@
         <p:txBody>
           <a:bodyPr/>
           <a:p>
-            <a:fld id="{B8CB4674-1C70-4DED-818A-577D5D50E3CC}" type="slidenum">
+            <a:fld id="{064D8CEF-92BE-4CB9-AB78-81CCB7DA7EE2}" type="slidenum">
               <a:t>&lt;#&gt;</a:t>
             </a:fld>
           </a:p>
@@ -2931,7 +2932,7 @@
         <p:txBody>
           <a:bodyPr/>
           <a:p>
-            <a:fld id="{C402DF0A-C291-4D71-9C4A-DE62CCFF8F9C}" type="slidenum">
+            <a:fld id="{132DF38E-B9BF-41B2-82B5-03B65B0847F3}" type="slidenum">
               <a:t>&lt;#&gt;</a:t>
             </a:fld>
           </a:p>
@@ -3255,7 +3256,7 @@
         <p:txBody>
           <a:bodyPr/>
           <a:p>
-            <a:fld id="{F1461958-3349-4377-8118-04E8F41F9F74}" type="slidenum">
+            <a:fld id="{8BCACB27-698D-4EAD-AE98-565641E65CB1}" type="slidenum">
               <a:t>&lt;#&gt;</a:t>
             </a:fld>
           </a:p>
@@ -3338,7 +3339,7 @@
         <p:txBody>
           <a:bodyPr/>
           <a:p>
-            <a:fld id="{054F77C5-4092-4387-A39C-8CBD74E45EDB}" type="slidenum">
+            <a:fld id="{D8131FDB-3107-4E9A-AE07-D395EBE4E803}" type="slidenum">
               <a:t>&lt;#&gt;</a:t>
             </a:fld>
           </a:p>
@@ -3495,7 +3496,7 @@
         <p:txBody>
           <a:bodyPr/>
           <a:p>
-            <a:fld id="{7A2E7417-E84C-411B-8956-27B25E8A1D19}" type="slidenum">
+            <a:fld id="{83103077-168B-4501-BBA7-05C1BA77438E}" type="slidenum">
               <a:t>&lt;#&gt;</a:t>
             </a:fld>
           </a:p>
@@ -3649,7 +3650,7 @@
         <p:txBody>
           <a:bodyPr/>
           <a:p>
-            <a:fld id="{DBA8D53B-3713-4390-BF8E-64267BAD86FF}" type="slidenum">
+            <a:fld id="{D6A0E245-0C2D-4AAD-8454-864248821A00}" type="slidenum">
               <a:t>&lt;#&gt;</a:t>
             </a:fld>
           </a:p>
@@ -3837,7 +3838,7 @@
         <p:txBody>
           <a:bodyPr/>
           <a:p>
-            <a:fld id="{C6BC944C-9566-4EDB-A1E5-393B7F68086B}" type="slidenum">
+            <a:fld id="{B7F6C8FB-9288-41F5-9C5F-604B0FA4765F}" type="slidenum">
               <a:t>&lt;#&gt;</a:t>
             </a:fld>
           </a:p>
@@ -3957,7 +3958,7 @@
         <p:txBody>
           <a:bodyPr/>
           <a:p>
-            <a:fld id="{2D4938F8-ADE4-4F90-9E79-35AD0B6BC06B}" type="slidenum">
+            <a:fld id="{7ED841A7-418D-47E9-9371-F3104A40F248}" type="slidenum">
               <a:t>&lt;#&gt;</a:t>
             </a:fld>
           </a:p>
@@ -4111,7 +4112,7 @@
         <p:txBody>
           <a:bodyPr/>
           <a:p>
-            <a:fld id="{687FA7D7-FCA4-4AE6-8E09-1E43137643C6}" type="slidenum">
+            <a:fld id="{2CFCB510-486B-4B6A-99F0-A6FC80DA50AD}" type="slidenum">
               <a:t>&lt;#&gt;</a:t>
             </a:fld>
           </a:p>
@@ -4231,7 +4232,7 @@
         <p:txBody>
           <a:bodyPr/>
           <a:p>
-            <a:fld id="{E64F7796-2E9B-49EC-A588-6CF6E3F14D10}" type="slidenum">
+            <a:fld id="{B910DC7B-F431-4336-93D1-647F9900233D}" type="slidenum">
               <a:t>&lt;#&gt;</a:t>
             </a:fld>
           </a:p>
@@ -4453,7 +4454,7 @@
         <p:txBody>
           <a:bodyPr/>
           <a:p>
-            <a:fld id="{CA297104-01A0-43DE-95E4-5042DC548D90}" type="slidenum">
+            <a:fld id="{6BFF4CCB-AC8F-4C41-9CEB-F839F1C5A3AA}" type="slidenum">
               <a:t>&lt;#&gt;</a:t>
             </a:fld>
           </a:p>
@@ -4675,7 +4676,7 @@
         <p:txBody>
           <a:bodyPr/>
           <a:p>
-            <a:fld id="{1A07EBCB-4A1E-4E6E-8DA6-07BF6C63F355}" type="slidenum">
+            <a:fld id="{8D195F8B-50BD-42EA-84DB-BBF80B9091C3}" type="slidenum">
               <a:t>&lt;#&gt;</a:t>
             </a:fld>
           </a:p>
@@ -4897,7 +4898,7 @@
         <p:txBody>
           <a:bodyPr/>
           <a:p>
-            <a:fld id="{BA245EDB-16FB-4BEB-8C16-36B91E71BFB5}" type="slidenum">
+            <a:fld id="{9F1549E0-22DF-4D6D-980C-E5825286411F}" type="slidenum">
               <a:t>&lt;#&gt;</a:t>
             </a:fld>
           </a:p>
@@ -5085,7 +5086,7 @@
         <p:txBody>
           <a:bodyPr/>
           <a:p>
-            <a:fld id="{5AD51562-6671-4263-9E5F-EC49215D6B51}" type="slidenum">
+            <a:fld id="{A9D9309A-595E-413F-86B1-F2C0DFDD8F60}" type="slidenum">
               <a:t>&lt;#&gt;</a:t>
             </a:fld>
           </a:p>
@@ -5341,7 +5342,7 @@
         <p:txBody>
           <a:bodyPr/>
           <a:p>
-            <a:fld id="{9C1BA9B3-507B-440A-8995-AA657F2A8343}" type="slidenum">
+            <a:fld id="{F5CC820D-05F7-41AE-8111-B97656439D6A}" type="slidenum">
               <a:t>&lt;#&gt;</a:t>
             </a:fld>
           </a:p>
@@ -5665,7 +5666,7 @@
         <p:txBody>
           <a:bodyPr/>
           <a:p>
-            <a:fld id="{587DB43B-8579-463E-BE58-7AC100FE1547}" type="slidenum">
+            <a:fld id="{F97B58E1-C882-478D-A326-47A7AC9F3577}" type="slidenum">
               <a:t>&lt;#&gt;</a:t>
             </a:fld>
           </a:p>
@@ -5853,7 +5854,7 @@
         <p:txBody>
           <a:bodyPr/>
           <a:p>
-            <a:fld id="{A290CDD8-5BD9-4E18-AB5E-3450D8241CDE}" type="slidenum">
+            <a:fld id="{D3FB035B-BF3A-46FD-8F41-B1273770507F}" type="slidenum">
               <a:t>&lt;#&gt;</a:t>
             </a:fld>
           </a:p>
@@ -5973,7 +5974,7 @@
         <p:txBody>
           <a:bodyPr/>
           <a:p>
-            <a:fld id="{2203565C-5B2F-4EB8-8725-DF4AB140DDD8}" type="slidenum">
+            <a:fld id="{ED7C2DB4-05D6-4AAC-9DBB-48BC79573AB2}" type="slidenum">
               <a:t>&lt;#&gt;</a:t>
             </a:fld>
           </a:p>
@@ -6093,7 +6094,7 @@
         <p:txBody>
           <a:bodyPr/>
           <a:p>
-            <a:fld id="{E35961E8-D771-4E64-BA74-9B6AA41F9442}" type="slidenum">
+            <a:fld id="{67EC3626-84D8-46A6-B361-BFF4785B1928}" type="slidenum">
               <a:t>&lt;#&gt;</a:t>
             </a:fld>
           </a:p>
@@ -6315,7 +6316,7 @@
         <p:txBody>
           <a:bodyPr/>
           <a:p>
-            <a:fld id="{1E6614CF-DF51-421F-B993-F1DCE8FB601D}" type="slidenum">
+            <a:fld id="{8E84A8FF-7298-463C-8346-B525642C7614}" type="slidenum">
               <a:t>&lt;#&gt;</a:t>
             </a:fld>
           </a:p>
@@ -6537,7 +6538,7 @@
         <p:txBody>
           <a:bodyPr/>
           <a:p>
-            <a:fld id="{9F4C7E57-6686-425A-A23C-B54A3618579B}" type="slidenum">
+            <a:fld id="{33A86283-99E5-4BF5-ACC7-1AD1431A0840}" type="slidenum">
               <a:t>&lt;#&gt;</a:t>
             </a:fld>
           </a:p>
@@ -6759,7 +6760,7 @@
         <p:txBody>
           <a:bodyPr/>
           <a:p>
-            <a:fld id="{D2217D32-1BD9-4FA8-AA60-6C194531EFE7}" type="slidenum">
+            <a:fld id="{31EA19DA-5FB0-4915-8571-23D1E252063C}" type="slidenum">
               <a:t>&lt;#&gt;</a:t>
             </a:fld>
           </a:p>
@@ -6862,13 +6863,196 @@
             <a:spLocks noGrp="1"/>
           </p:cNvSpPr>
           <p:nvPr>
+            <p:ph type="body"/>
+          </p:nvPr>
+        </p:nvSpPr>
+        <p:spPr>
+          <a:xfrm>
+            <a:off x="609480" y="1604520"/>
+            <a:ext cx="10972080" cy="3976920"/>
+          </a:xfrm>
+          <a:prstGeom prst="rect">
+            <a:avLst/>
+          </a:prstGeom>
+          <a:noFill/>
+          <a:ln w="0">
+            <a:noFill/>
+          </a:ln>
+        </p:spPr>
+        <p:txBody>
+          <a:bodyPr lIns="0" rIns="0" tIns="0" bIns="0" anchor="t">
+            <a:normAutofit/>
+          </a:bodyPr>
+          <a:p>
+            <a:pPr marL="432000" indent="-324000">
+              <a:spcBef>
+                <a:spcPts val="1417"/>
+              </a:spcBef>
+              <a:buClr>
+                <a:srgbClr val="000000"/>
+              </a:buClr>
+              <a:buSzPct val="45000"/>
+              <a:buFont typeface="Wingdings" charset="2"/>
+              <a:buChar char=""/>
+            </a:pPr>
+            <a:r>
+              <a:rPr b="0" lang="en-US" sz="1800" spc="-1" strike="noStrike">
+                <a:latin typeface="Arial"/>
+              </a:rPr>
+              <a:t>Click to edit the outline text format</a:t>
+            </a:r>
+            <a:endParaRPr b="0" lang="en-US" sz="1800" spc="-1" strike="noStrike">
+              <a:latin typeface="Arial"/>
+            </a:endParaRPr>
+          </a:p>
+          <a:p>
+            <a:pPr lvl="1" marL="864000" indent="-324000">
+              <a:spcBef>
+                <a:spcPts val="1134"/>
+              </a:spcBef>
+              <a:buClr>
+                <a:srgbClr val="000000"/>
+              </a:buClr>
+              <a:buSzPct val="75000"/>
+              <a:buFont typeface="Symbol" charset="2"/>
+              <a:buChar char=""/>
+            </a:pPr>
+            <a:r>
+              <a:rPr b="0" lang="en-US" sz="1800" spc="-1" strike="noStrike">
+                <a:latin typeface="Arial"/>
+              </a:rPr>
+              <a:t>Second Outline Level</a:t>
+            </a:r>
+            <a:endParaRPr b="0" lang="en-US" sz="1800" spc="-1" strike="noStrike">
+              <a:latin typeface="Arial"/>
+            </a:endParaRPr>
+          </a:p>
+          <a:p>
+            <a:pPr lvl="2" marL="1296000" indent="-288000">
+              <a:spcBef>
+                <a:spcPts val="850"/>
+              </a:spcBef>
+              <a:buClr>
+                <a:srgbClr val="000000"/>
+              </a:buClr>
+              <a:buSzPct val="45000"/>
+              <a:buFont typeface="Wingdings" charset="2"/>
+              <a:buChar char=""/>
+            </a:pPr>
+            <a:r>
+              <a:rPr b="0" lang="en-US" sz="1800" spc="-1" strike="noStrike">
+                <a:latin typeface="Arial"/>
+              </a:rPr>
+              <a:t>Third Outline Level</a:t>
+            </a:r>
+            <a:endParaRPr b="0" lang="en-US" sz="1800" spc="-1" strike="noStrike">
+              <a:latin typeface="Arial"/>
+            </a:endParaRPr>
+          </a:p>
+          <a:p>
+            <a:pPr lvl="3" marL="1728000" indent="-216000">
+              <a:spcBef>
+                <a:spcPts val="567"/>
+              </a:spcBef>
+              <a:buClr>
+                <a:srgbClr val="000000"/>
+              </a:buClr>
+              <a:buSzPct val="75000"/>
+              <a:buFont typeface="Symbol" charset="2"/>
+              <a:buChar char=""/>
+            </a:pPr>
+            <a:r>
+              <a:rPr b="0" lang="en-US" sz="1800" spc="-1" strike="noStrike">
+                <a:latin typeface="Arial"/>
+              </a:rPr>
+              <a:t>Fourth Outline Level</a:t>
+            </a:r>
+            <a:endParaRPr b="0" lang="en-US" sz="1800" spc="-1" strike="noStrike">
+              <a:latin typeface="Arial"/>
+            </a:endParaRPr>
+          </a:p>
+          <a:p>
+            <a:pPr lvl="4" marL="2160000" indent="-216000">
+              <a:spcBef>
+                <a:spcPts val="283"/>
+              </a:spcBef>
+              <a:buClr>
+                <a:srgbClr val="000000"/>
+              </a:buClr>
+              <a:buSzPct val="45000"/>
+              <a:buFont typeface="Wingdings" charset="2"/>
+              <a:buChar char=""/>
+            </a:pPr>
+            <a:r>
+              <a:rPr b="0" lang="en-US" sz="1800" spc="-1" strike="noStrike">
+                <a:latin typeface="Arial"/>
+              </a:rPr>
+              <a:t>Fifth Outline Level</a:t>
+            </a:r>
+            <a:endParaRPr b="0" lang="en-US" sz="1800" spc="-1" strike="noStrike">
+              <a:latin typeface="Arial"/>
+            </a:endParaRPr>
+          </a:p>
+          <a:p>
+            <a:pPr lvl="5" marL="2592000" indent="-216000">
+              <a:spcBef>
+                <a:spcPts val="283"/>
+              </a:spcBef>
+              <a:buClr>
+                <a:srgbClr val="000000"/>
+              </a:buClr>
+              <a:buSzPct val="45000"/>
+              <a:buFont typeface="Wingdings" charset="2"/>
+              <a:buChar char=""/>
+            </a:pPr>
+            <a:r>
+              <a:rPr b="0" lang="en-US" sz="1800" spc="-1" strike="noStrike">
+                <a:latin typeface="Arial"/>
+              </a:rPr>
+              <a:t>Sixth Outline Level</a:t>
+            </a:r>
+            <a:endParaRPr b="0" lang="en-US" sz="1800" spc="-1" strike="noStrike">
+              <a:latin typeface="Arial"/>
+            </a:endParaRPr>
+          </a:p>
+          <a:p>
+            <a:pPr lvl="6" marL="3024000" indent="-216000">
+              <a:spcBef>
+                <a:spcPts val="283"/>
+              </a:spcBef>
+              <a:buClr>
+                <a:srgbClr val="000000"/>
+              </a:buClr>
+              <a:buSzPct val="45000"/>
+              <a:buFont typeface="Wingdings" charset="2"/>
+              <a:buChar char=""/>
+            </a:pPr>
+            <a:r>
+              <a:rPr b="0" lang="en-US" sz="1800" spc="-1" strike="noStrike">
+                <a:latin typeface="Arial"/>
+              </a:rPr>
+              <a:t>Seventh Outline Level</a:t>
+            </a:r>
+            <a:endParaRPr b="0" lang="en-US" sz="1800" spc="-1" strike="noStrike">
+              <a:latin typeface="Arial"/>
+            </a:endParaRPr>
+          </a:p>
+        </p:txBody>
+      </p:sp>
+      <p:sp>
+        <p:nvSpPr>
+          <p:cNvPr id="2" name="PlaceHolder 3"/>
+          <p:cNvSpPr>
+            <a:spLocks noGrp="1"/>
+          </p:cNvSpPr>
+          <p:nvPr>
             <p:ph type="ftr" idx="1"/>
           </p:nvPr>
         </p:nvSpPr>
         <p:spPr>
           <a:xfrm>
             <a:off x="4038480" y="6356520"/>
-            <a:ext cx="4114080" cy="364320"/>
+            <a:ext cx="4113720" cy="363960"/>
           </a:xfrm>
           <a:prstGeom prst="rect">
             <a:avLst/>
@@ -6914,7 +7098,7 @@
       </p:sp>
       <p:sp>
         <p:nvSpPr>
-          <p:cNvPr id="2" name="PlaceHolder 3"/>
+          <p:cNvPr id="3" name="PlaceHolder 4"/>
           <p:cNvSpPr>
             <a:spLocks noGrp="1"/>
           </p:cNvSpPr>
@@ -6925,7 +7109,7 @@
         <p:spPr>
           <a:xfrm>
             <a:off x="8610480" y="6356520"/>
-            <a:ext cx="2742480" cy="364320"/>
+            <a:ext cx="2742120" cy="363960"/>
           </a:xfrm>
           <a:prstGeom prst="rect">
             <a:avLst/>
@@ -6957,7 +7141,7 @@
               </a:lnSpc>
               <a:buNone/>
             </a:pPr>
-            <a:fld id="{7C94FBEC-7C71-4AE0-9F1B-E58F884DF520}" type="slidenum">
+            <a:fld id="{934392AB-DC1C-4E3E-93FB-C51F1565DE30}" type="slidenum">
               <a:rPr b="0" lang="en-US" sz="2400" spc="-1" strike="noStrike">
                 <a:latin typeface="Times New Roman"/>
               </a:rPr>
@@ -6971,7 +7155,7 @@
       </p:sp>
       <p:sp>
         <p:nvSpPr>
-          <p:cNvPr id="3" name="PlaceHolder 4"/>
+          <p:cNvPr id="4" name="PlaceHolder 5"/>
           <p:cNvSpPr>
             <a:spLocks noGrp="1"/>
           </p:cNvSpPr>
@@ -6982,7 +7166,7 @@
         <p:spPr>
           <a:xfrm>
             <a:off x="838080" y="6356520"/>
-            <a:ext cx="2742480" cy="364320"/>
+            <a:ext cx="2742120" cy="363960"/>
           </a:xfrm>
           <a:prstGeom prst="rect">
             <a:avLst/>
@@ -7012,189 +7196,6 @@
             </a:r>
             <a:endParaRPr b="0" lang="en-US" sz="1400" spc="-1" strike="noStrike">
               <a:latin typeface="Times New Roman"/>
-            </a:endParaRPr>
-          </a:p>
-        </p:txBody>
-      </p:sp>
-      <p:sp>
-        <p:nvSpPr>
-          <p:cNvPr id="4" name="PlaceHolder 5"/>
-          <p:cNvSpPr>
-            <a:spLocks noGrp="1"/>
-          </p:cNvSpPr>
-          <p:nvPr>
-            <p:ph type="body"/>
-          </p:nvPr>
-        </p:nvSpPr>
-        <p:spPr>
-          <a:xfrm>
-            <a:off x="609480" y="1604520"/>
-            <a:ext cx="10972440" cy="3977280"/>
-          </a:xfrm>
-          <a:prstGeom prst="rect">
-            <a:avLst/>
-          </a:prstGeom>
-          <a:noFill/>
-          <a:ln w="0">
-            <a:noFill/>
-          </a:ln>
-        </p:spPr>
-        <p:txBody>
-          <a:bodyPr lIns="0" rIns="0" tIns="0" bIns="0" anchor="t">
-            <a:normAutofit/>
-          </a:bodyPr>
-          <a:p>
-            <a:pPr marL="432000" indent="-324000">
-              <a:spcBef>
-                <a:spcPts val="1417"/>
-              </a:spcBef>
-              <a:buClr>
-                <a:srgbClr val="000000"/>
-              </a:buClr>
-              <a:buSzPct val="45000"/>
-              <a:buFont typeface="Wingdings" charset="2"/>
-              <a:buChar char=""/>
-            </a:pPr>
-            <a:r>
-              <a:rPr b="0" lang="en-US" sz="3200" spc="-1" strike="noStrike">
-                <a:latin typeface="Arial"/>
-              </a:rPr>
-              <a:t>Click to edit the outline text format</a:t>
-            </a:r>
-            <a:endParaRPr b="0" lang="en-US" sz="3200" spc="-1" strike="noStrike">
-              <a:latin typeface="Arial"/>
-            </a:endParaRPr>
-          </a:p>
-          <a:p>
-            <a:pPr lvl="1" marL="864000" indent="-324000">
-              <a:spcBef>
-                <a:spcPts val="1134"/>
-              </a:spcBef>
-              <a:buClr>
-                <a:srgbClr val="000000"/>
-              </a:buClr>
-              <a:buSzPct val="75000"/>
-              <a:buFont typeface="Symbol" charset="2"/>
-              <a:buChar char=""/>
-            </a:pPr>
-            <a:r>
-              <a:rPr b="0" lang="en-US" sz="2800" spc="-1" strike="noStrike">
-                <a:latin typeface="Arial"/>
-              </a:rPr>
-              <a:t>Second Outline Level</a:t>
-            </a:r>
-            <a:endParaRPr b="0" lang="en-US" sz="2800" spc="-1" strike="noStrike">
-              <a:latin typeface="Arial"/>
-            </a:endParaRPr>
-          </a:p>
-          <a:p>
-            <a:pPr lvl="2" marL="1296000" indent="-288000">
-              <a:spcBef>
-                <a:spcPts val="850"/>
-              </a:spcBef>
-              <a:buClr>
-                <a:srgbClr val="000000"/>
-              </a:buClr>
-              <a:buSzPct val="45000"/>
-              <a:buFont typeface="Wingdings" charset="2"/>
-              <a:buChar char=""/>
-            </a:pPr>
-            <a:r>
-              <a:rPr b="0" lang="en-US" sz="2400" spc="-1" strike="noStrike">
-                <a:latin typeface="Arial"/>
-              </a:rPr>
-              <a:t>Third Outline Level</a:t>
-            </a:r>
-            <a:endParaRPr b="0" lang="en-US" sz="2400" spc="-1" strike="noStrike">
-              <a:latin typeface="Arial"/>
-            </a:endParaRPr>
-          </a:p>
-          <a:p>
-            <a:pPr lvl="3" marL="1728000" indent="-216000">
-              <a:spcBef>
-                <a:spcPts val="567"/>
-              </a:spcBef>
-              <a:buClr>
-                <a:srgbClr val="000000"/>
-              </a:buClr>
-              <a:buSzPct val="75000"/>
-              <a:buFont typeface="Symbol" charset="2"/>
-              <a:buChar char=""/>
-            </a:pPr>
-            <a:r>
-              <a:rPr b="0" lang="en-US" sz="2000" spc="-1" strike="noStrike">
-                <a:latin typeface="Arial"/>
-              </a:rPr>
-              <a:t>Fourth Outline Level</a:t>
-            </a:r>
-            <a:endParaRPr b="0" lang="en-US" sz="2000" spc="-1" strike="noStrike">
-              <a:latin typeface="Arial"/>
-            </a:endParaRPr>
-          </a:p>
-          <a:p>
-            <a:pPr lvl="4" marL="2160000" indent="-216000">
-              <a:spcBef>
-                <a:spcPts val="283"/>
-              </a:spcBef>
-              <a:buClr>
-                <a:srgbClr val="000000"/>
-              </a:buClr>
-              <a:buSzPct val="45000"/>
-              <a:buFont typeface="Wingdings" charset="2"/>
-              <a:buChar char=""/>
-            </a:pPr>
-            <a:r>
-              <a:rPr b="0" lang="en-US" sz="2000" spc="-1" strike="noStrike">
-                <a:latin typeface="Arial"/>
-              </a:rPr>
-              <a:t>Fifth Outline Level</a:t>
-            </a:r>
-            <a:endParaRPr b="0" lang="en-US" sz="2000" spc="-1" strike="noStrike">
-              <a:latin typeface="Arial"/>
-            </a:endParaRPr>
-          </a:p>
-          <a:p>
-            <a:pPr lvl="5" marL="2592000" indent="-216000">
-              <a:spcBef>
-                <a:spcPts val="283"/>
-              </a:spcBef>
-              <a:buClr>
-                <a:srgbClr val="000000"/>
-              </a:buClr>
-              <a:buSzPct val="45000"/>
-              <a:buFont typeface="Wingdings" charset="2"/>
-              <a:buChar char=""/>
-            </a:pPr>
-            <a:r>
-              <a:rPr b="0" lang="en-US" sz="2000" spc="-1" strike="noStrike">
-                <a:latin typeface="Arial"/>
-              </a:rPr>
-              <a:t>Sixth Outline Level</a:t>
-            </a:r>
-            <a:endParaRPr b="0" lang="en-US" sz="2000" spc="-1" strike="noStrike">
-              <a:latin typeface="Arial"/>
-            </a:endParaRPr>
-          </a:p>
-          <a:p>
-            <a:pPr lvl="6" marL="3024000" indent="-216000">
-              <a:spcBef>
-                <a:spcPts val="283"/>
-              </a:spcBef>
-              <a:buClr>
-                <a:srgbClr val="000000"/>
-              </a:buClr>
-              <a:buSzPct val="45000"/>
-              <a:buFont typeface="Wingdings" charset="2"/>
-              <a:buChar char=""/>
-            </a:pPr>
-            <a:r>
-              <a:rPr b="0" lang="en-US" sz="2000" spc="-1" strike="noStrike">
-                <a:latin typeface="Arial"/>
-              </a:rPr>
-              <a:t>Seventh Outline Level</a:t>
-            </a:r>
-            <a:endParaRPr b="0" lang="en-US" sz="2000" spc="-1" strike="noStrike">
-              <a:latin typeface="Arial"/>
             </a:endParaRPr>
           </a:p>
         </p:txBody>
@@ -7296,7 +7297,7 @@
         <p:spPr>
           <a:xfrm>
             <a:off x="4038480" y="6356520"/>
-            <a:ext cx="4114080" cy="364320"/>
+            <a:ext cx="4113720" cy="363960"/>
           </a:xfrm>
           <a:prstGeom prst="rect">
             <a:avLst/>
@@ -7353,7 +7354,7 @@
         <p:spPr>
           <a:xfrm>
             <a:off x="8610480" y="6356520"/>
-            <a:ext cx="2742480" cy="364320"/>
+            <a:ext cx="2742120" cy="363960"/>
           </a:xfrm>
           <a:prstGeom prst="rect">
             <a:avLst/>
@@ -7385,7 +7386,7 @@
               </a:lnSpc>
               <a:buNone/>
             </a:pPr>
-            <a:fld id="{AD5BEDD7-C399-4347-8615-4E0E6AD0F53D}" type="slidenum">
+            <a:fld id="{CCEE4AD7-434A-4EB7-B26D-8FFC15164E6C}" type="slidenum">
               <a:rPr b="0" lang="en-US" sz="2400" spc="-1" strike="noStrike">
                 <a:latin typeface="Times New Roman"/>
               </a:rPr>
@@ -7410,7 +7411,7 @@
         <p:spPr>
           <a:xfrm>
             <a:off x="838080" y="6356520"/>
-            <a:ext cx="2742480" cy="364320"/>
+            <a:ext cx="2742120" cy="363960"/>
           </a:xfrm>
           <a:prstGeom prst="rect">
             <a:avLst/>
@@ -7684,7 +7685,7 @@
         <p:spPr>
           <a:xfrm>
             <a:off x="4038480" y="6356520"/>
-            <a:ext cx="4114080" cy="364320"/>
+            <a:ext cx="4113720" cy="363960"/>
           </a:xfrm>
           <a:prstGeom prst="rect">
             <a:avLst/>
@@ -7741,7 +7742,7 @@
         <p:spPr>
           <a:xfrm>
             <a:off x="8610480" y="6356520"/>
-            <a:ext cx="2742480" cy="364320"/>
+            <a:ext cx="2742120" cy="363960"/>
           </a:xfrm>
           <a:prstGeom prst="rect">
             <a:avLst/>
@@ -7773,7 +7774,7 @@
               </a:lnSpc>
               <a:buNone/>
             </a:pPr>
-            <a:fld id="{1FA84F65-7AB5-4040-A4C0-457761FBA5F3}" type="slidenum">
+            <a:fld id="{CB4EF108-77C1-4F6B-8FED-F16898574357}" type="slidenum">
               <a:rPr b="0" lang="en-US" sz="2400" spc="-1" strike="noStrike">
                 <a:latin typeface="Times New Roman"/>
               </a:rPr>
@@ -7798,7 +7799,7 @@
         <p:spPr>
           <a:xfrm>
             <a:off x="838080" y="6356520"/>
-            <a:ext cx="2742480" cy="364320"/>
+            <a:ext cx="2742120" cy="363960"/>
           </a:xfrm>
           <a:prstGeom prst="rect">
             <a:avLst/>
@@ -7867,13 +7868,19 @@
               <a:rPr b="0" lang="en-US" sz="4400" spc="-1" strike="noStrike">
                 <a:latin typeface="Arial"/>
               </a:rPr>
-              <a:t>Click to edit the </a:t>
+              <a:t>Click to edit </a:t>
             </a:r>
             <a:r>
               <a:rPr b="0" lang="en-US" sz="4400" spc="-1" strike="noStrike">
                 <a:latin typeface="Arial"/>
               </a:rPr>
-              <a:t>title text format</a:t>
+              <a:t>the title text </a:t>
+            </a:r>
+            <a:r>
+              <a:rPr b="0" lang="en-US" sz="4400" spc="-1" strike="noStrike">
+                <a:latin typeface="Arial"/>
+              </a:rPr>
+              <a:t>format</a:t>
             </a:r>
             <a:endParaRPr b="0" lang="en-US" sz="4400" spc="-1" strike="noStrike">
               <a:latin typeface="Arial"/>
@@ -8114,7 +8121,7 @@
         <p:spPr>
           <a:xfrm>
             <a:off x="3171960" y="821160"/>
-            <a:ext cx="8437680" cy="1710720"/>
+            <a:ext cx="8437320" cy="1710360"/>
           </a:xfrm>
           <a:prstGeom prst="rect">
             <a:avLst/>
@@ -8184,7 +8191,7 @@
         <p:spPr>
           <a:xfrm>
             <a:off x="581760" y="5360760"/>
-            <a:ext cx="11027160" cy="885240"/>
+            <a:ext cx="11026800" cy="884880"/>
           </a:xfrm>
           <a:prstGeom prst="rect">
             <a:avLst/>
@@ -8257,7 +8264,7 @@
         <p:spPr>
           <a:xfrm>
             <a:off x="8610480" y="6356520"/>
-            <a:ext cx="2742480" cy="364320"/>
+            <a:ext cx="2742120" cy="363960"/>
           </a:xfrm>
           <a:prstGeom prst="rect">
             <a:avLst/>
@@ -8314,7 +8321,7 @@
         <p:spPr>
           <a:xfrm>
             <a:off x="19080" y="457200"/>
-            <a:ext cx="3357000" cy="3357000"/>
+            <a:ext cx="3356640" cy="3356640"/>
           </a:xfrm>
           <a:prstGeom prst="rect">
             <a:avLst/>
@@ -8356,14 +8363,738 @@
       </p:grpSpPr>
       <p:sp>
         <p:nvSpPr>
-          <p:cNvPr id="163" name="Titre 1"/>
+          <p:cNvPr id="163" name="Titre 2"/>
           <p:cNvSpPr/>
           <p:nvPr/>
         </p:nvSpPr>
         <p:spPr>
           <a:xfrm>
             <a:off x="838080" y="365040"/>
-            <a:ext cx="10514880" cy="761760"/>
+            <a:ext cx="10514520" cy="761400"/>
+          </a:xfrm>
+          <a:prstGeom prst="rect">
+            <a:avLst/>
+          </a:prstGeom>
+          <a:noFill/>
+          <a:ln w="0">
+            <a:noFill/>
+          </a:ln>
+        </p:spPr>
+        <p:style>
+          <a:lnRef idx="0"/>
+          <a:fillRef idx="0"/>
+          <a:effectRef idx="0"/>
+          <a:fontRef idx="minor"/>
+        </p:style>
+        <p:txBody>
+          <a:bodyPr lIns="90000" rIns="90000" tIns="45000" bIns="45000" anchor="t">
+            <a:normAutofit/>
+          </a:bodyPr>
+          <a:p>
+            <a:pPr>
+              <a:lnSpc>
+                <a:spcPct val="90000"/>
+              </a:lnSpc>
+              <a:buNone/>
+            </a:pPr>
+            <a:r>
+              <a:rPr b="1" lang="en-US" sz="3600" spc="-1" strike="noStrike">
+                <a:solidFill>
+                  <a:srgbClr val="000000"/>
+                </a:solidFill>
+                <a:latin typeface="Verdana Pro Black"/>
+                <a:ea typeface="Verdana"/>
+              </a:rPr>
+              <a:t>Step 5: Avoid Overfitting</a:t>
+            </a:r>
+            <a:endParaRPr b="0" lang="en-US" sz="3600" spc="-1" strike="noStrike">
+              <a:latin typeface="Arial"/>
+            </a:endParaRPr>
+          </a:p>
+          <a:p>
+            <a:pPr>
+              <a:lnSpc>
+                <a:spcPct val="90000"/>
+              </a:lnSpc>
+              <a:buNone/>
+            </a:pPr>
+            <a:endParaRPr b="0" lang="en-US" sz="3600" spc="-1" strike="noStrike">
+              <a:latin typeface="Arial"/>
+            </a:endParaRPr>
+          </a:p>
+          <a:p>
+            <a:pPr>
+              <a:lnSpc>
+                <a:spcPct val="90000"/>
+              </a:lnSpc>
+              <a:buNone/>
+            </a:pPr>
+            <a:endParaRPr b="0" lang="en-US" sz="3600" spc="-1" strike="noStrike">
+              <a:latin typeface="Arial"/>
+            </a:endParaRPr>
+          </a:p>
+        </p:txBody>
+      </p:sp>
+      <p:graphicFrame>
+        <p:nvGraphicFramePr>
+          <p:cNvPr id="164" name=""/>
+          <p:cNvGraphicFramePr/>
+          <p:nvPr/>
+        </p:nvGraphicFramePr>
+        <p:xfrm>
+          <a:off x="1767600" y="2048760"/>
+          <a:ext cx="8457840" cy="4319280"/>
+        </p:xfrm>
+        <a:graphic>
+          <a:graphicData uri="http://schemas.openxmlformats.org/drawingml/2006/table">
+            <a:tbl>
+              <a:tblPr/>
+              <a:tblGrid>
+                <a:gridCol w="4228200"/>
+                <a:gridCol w="4230000"/>
+              </a:tblGrid>
+              <a:tr h="719640">
+                <a:tc>
+                  <a:tcPr anchor="t" marL="91440" marR="91440">
+                    <a:lnL w="12240">
+                      <a:solidFill>
+                        <a:srgbClr val="ffffff"/>
+                      </a:solidFill>
+                    </a:lnL>
+                    <a:lnR w="12240">
+                      <a:solidFill>
+                        <a:srgbClr val="ffffff"/>
+                      </a:solidFill>
+                    </a:lnR>
+                    <a:lnT w="12240">
+                      <a:solidFill>
+                        <a:srgbClr val="ffffff"/>
+                      </a:solidFill>
+                    </a:lnT>
+                    <a:lnB w="38160">
+                      <a:solidFill>
+                        <a:srgbClr val="ffffff"/>
+                      </a:solidFill>
+                    </a:lnB>
+                    <a:solidFill>
+                      <a:srgbClr val="4472c4"/>
+                    </a:solidFill>
+                  </a:tcPr>
+                </a:tc>
+                <a:tc>
+                  <a:txBody>
+                    <a:bodyPr anchor="t">
+                      <a:noAutofit/>
+                    </a:bodyPr>
+                    <a:p>
+                      <a:pPr algn="ctr">
+                        <a:lnSpc>
+                          <a:spcPct val="100000"/>
+                        </a:lnSpc>
+                        <a:buNone/>
+                      </a:pPr>
+                      <a:r>
+                        <a:rPr b="1" lang="fr-BE" sz="2000" spc="-1" strike="noStrike">
+                          <a:solidFill>
+                            <a:srgbClr val="ffffff"/>
+                          </a:solidFill>
+                          <a:latin typeface="Verdana"/>
+                          <a:ea typeface="Verdana"/>
+                        </a:rPr>
+                        <a:t>ROC_AUC</a:t>
+                      </a:r>
+                      <a:endParaRPr b="0" lang="en-US" sz="2000" spc="-1" strike="noStrike">
+                        <a:latin typeface="Times New Roman"/>
+                      </a:endParaRPr>
+                    </a:p>
+                  </a:txBody>
+                  <a:tcPr anchor="t" marL="91440" marR="91440">
+                    <a:lnL w="12240">
+                      <a:solidFill>
+                        <a:srgbClr val="ffffff"/>
+                      </a:solidFill>
+                    </a:lnL>
+                    <a:lnR w="12240">
+                      <a:solidFill>
+                        <a:srgbClr val="ffffff"/>
+                      </a:solidFill>
+                    </a:lnR>
+                    <a:lnT w="12240">
+                      <a:solidFill>
+                        <a:srgbClr val="ffffff"/>
+                      </a:solidFill>
+                    </a:lnT>
+                    <a:lnB w="38160">
+                      <a:solidFill>
+                        <a:srgbClr val="ffffff"/>
+                      </a:solidFill>
+                    </a:lnB>
+                    <a:solidFill>
+                      <a:srgbClr val="4472c4"/>
+                    </a:solidFill>
+                  </a:tcPr>
+                </a:tc>
+              </a:tr>
+              <a:tr h="719640">
+                <a:tc>
+                  <a:txBody>
+                    <a:bodyPr anchor="t">
+                      <a:noAutofit/>
+                    </a:bodyPr>
+                    <a:p>
+                      <a:pPr algn="ctr">
+                        <a:buNone/>
+                      </a:pPr>
+                      <a:r>
+                        <a:rPr b="0" lang="en-US" sz="2400" spc="-1" strike="noStrike">
+                          <a:latin typeface="Times New Roman"/>
+                        </a:rPr>
+                        <a:t>Train set</a:t>
+                      </a:r>
+                      <a:endParaRPr b="0" lang="en-US" sz="2400" spc="-1" strike="noStrike">
+                        <a:latin typeface="Times New Roman"/>
+                      </a:endParaRPr>
+                    </a:p>
+                  </a:txBody>
+                  <a:tcPr anchor="t" marL="91440" marR="91440">
+                    <a:lnL w="12240">
+                      <a:solidFill>
+                        <a:srgbClr val="ffffff"/>
+                      </a:solidFill>
+                    </a:lnL>
+                    <a:lnR w="12240">
+                      <a:solidFill>
+                        <a:srgbClr val="ffffff"/>
+                      </a:solidFill>
+                    </a:lnR>
+                    <a:lnT w="12240">
+                      <a:solidFill>
+                        <a:srgbClr val="ffffff"/>
+                      </a:solidFill>
+                    </a:lnT>
+                    <a:lnB w="12240">
+                      <a:solidFill>
+                        <a:srgbClr val="ffffff"/>
+                      </a:solidFill>
+                    </a:lnB>
+                    <a:solidFill>
+                      <a:srgbClr val="cfd5e9"/>
+                    </a:solidFill>
+                  </a:tcPr>
+                </a:tc>
+                <a:tc>
+                  <a:txBody>
+                    <a:bodyPr anchor="t">
+                      <a:noAutofit/>
+                    </a:bodyPr>
+                    <a:p>
+                      <a:pPr algn="ctr">
+                        <a:buNone/>
+                      </a:pPr>
+                      <a:r>
+                        <a:rPr b="0" lang="en-US" sz="2400" spc="-1" strike="noStrike">
+                          <a:latin typeface="Times New Roman"/>
+                        </a:rPr>
+                        <a:t>0.9211</a:t>
+                      </a:r>
+                      <a:endParaRPr b="0" lang="en-US" sz="2400" spc="-1" strike="noStrike">
+                        <a:latin typeface="Times New Roman"/>
+                      </a:endParaRPr>
+                    </a:p>
+                  </a:txBody>
+                  <a:tcPr anchor="t" marL="91440" marR="91440">
+                    <a:lnL w="12240">
+                      <a:solidFill>
+                        <a:srgbClr val="ffffff"/>
+                      </a:solidFill>
+                    </a:lnL>
+                    <a:lnR w="12240">
+                      <a:solidFill>
+                        <a:srgbClr val="ffffff"/>
+                      </a:solidFill>
+                    </a:lnR>
+                    <a:lnT w="12240">
+                      <a:solidFill>
+                        <a:srgbClr val="ffffff"/>
+                      </a:solidFill>
+                    </a:lnT>
+                    <a:lnB w="12240">
+                      <a:solidFill>
+                        <a:srgbClr val="ffffff"/>
+                      </a:solidFill>
+                    </a:lnB>
+                    <a:solidFill>
+                      <a:srgbClr val="cfd5e9"/>
+                    </a:solidFill>
+                  </a:tcPr>
+                </a:tc>
+              </a:tr>
+              <a:tr h="719640">
+                <a:tc>
+                  <a:txBody>
+                    <a:bodyPr anchor="t">
+                      <a:noAutofit/>
+                    </a:bodyPr>
+                    <a:p>
+                      <a:pPr algn="ctr">
+                        <a:buNone/>
+                      </a:pPr>
+                      <a:r>
+                        <a:rPr b="0" lang="en-US" sz="2400" spc="-1" strike="noStrike">
+                          <a:latin typeface="Times New Roman"/>
+                        </a:rPr>
+                        <a:t>Validation set</a:t>
+                      </a:r>
+                      <a:endParaRPr b="0" lang="en-US" sz="2400" spc="-1" strike="noStrike">
+                        <a:latin typeface="Times New Roman"/>
+                      </a:endParaRPr>
+                    </a:p>
+                  </a:txBody>
+                  <a:tcPr anchor="t" marL="91440" marR="91440">
+                    <a:lnL w="12240">
+                      <a:solidFill>
+                        <a:srgbClr val="ffffff"/>
+                      </a:solidFill>
+                    </a:lnL>
+                    <a:lnR w="12240">
+                      <a:solidFill>
+                        <a:srgbClr val="ffffff"/>
+                      </a:solidFill>
+                    </a:lnR>
+                    <a:lnT w="12240">
+                      <a:solidFill>
+                        <a:srgbClr val="ffffff"/>
+                      </a:solidFill>
+                    </a:lnT>
+                    <a:lnB w="12240">
+                      <a:solidFill>
+                        <a:srgbClr val="ffffff"/>
+                      </a:solidFill>
+                    </a:lnB>
+                    <a:solidFill>
+                      <a:srgbClr val="cfd5e9"/>
+                    </a:solidFill>
+                  </a:tcPr>
+                </a:tc>
+                <a:tc>
+                  <a:txBody>
+                    <a:bodyPr anchor="t">
+                      <a:noAutofit/>
+                    </a:bodyPr>
+                    <a:p>
+                      <a:pPr algn="ctr">
+                        <a:buNone/>
+                      </a:pPr>
+                      <a:r>
+                        <a:rPr b="0" lang="en-US" sz="2400" spc="-1" strike="noStrike">
+                          <a:latin typeface="Times New Roman"/>
+                        </a:rPr>
+                        <a:t>0.8364</a:t>
+                      </a:r>
+                      <a:endParaRPr b="0" lang="en-US" sz="2400" spc="-1" strike="noStrike">
+                        <a:latin typeface="Times New Roman"/>
+                      </a:endParaRPr>
+                    </a:p>
+                  </a:txBody>
+                  <a:tcPr anchor="t" marL="91440" marR="91440">
+                    <a:lnL w="12240">
+                      <a:solidFill>
+                        <a:srgbClr val="ffffff"/>
+                      </a:solidFill>
+                    </a:lnL>
+                    <a:lnR w="12240">
+                      <a:solidFill>
+                        <a:srgbClr val="ffffff"/>
+                      </a:solidFill>
+                    </a:lnR>
+                    <a:lnT w="12240">
+                      <a:solidFill>
+                        <a:srgbClr val="ffffff"/>
+                      </a:solidFill>
+                    </a:lnT>
+                    <a:lnB w="12240">
+                      <a:solidFill>
+                        <a:srgbClr val="ffffff"/>
+                      </a:solidFill>
+                    </a:lnB>
+                    <a:solidFill>
+                      <a:srgbClr val="cfd5e9"/>
+                    </a:solidFill>
+                  </a:tcPr>
+                </a:tc>
+              </a:tr>
+              <a:tr h="719640">
+                <a:tc>
+                  <a:tcPr anchor="t" marL="91440" marR="91440">
+                    <a:lnL w="12240">
+                      <a:solidFill>
+                        <a:srgbClr val="ffffff"/>
+                      </a:solidFill>
+                    </a:lnL>
+                    <a:lnR w="12240">
+                      <a:solidFill>
+                        <a:srgbClr val="ffffff"/>
+                      </a:solidFill>
+                    </a:lnR>
+                    <a:lnT w="12240">
+                      <a:solidFill>
+                        <a:srgbClr val="ffffff"/>
+                      </a:solidFill>
+                    </a:lnT>
+                    <a:lnB w="12240">
+                      <a:solidFill>
+                        <a:srgbClr val="ffffff"/>
+                      </a:solidFill>
+                    </a:lnB>
+                    <a:solidFill>
+                      <a:srgbClr val="cfd5e9"/>
+                    </a:solidFill>
+                  </a:tcPr>
+                </a:tc>
+                <a:tc>
+                  <a:tcPr anchor="t" marL="91440" marR="91440">
+                    <a:lnL w="12240">
+                      <a:solidFill>
+                        <a:srgbClr val="ffffff"/>
+                      </a:solidFill>
+                    </a:lnL>
+                    <a:lnR w="12240">
+                      <a:solidFill>
+                        <a:srgbClr val="ffffff"/>
+                      </a:solidFill>
+                    </a:lnR>
+                    <a:lnT w="12240">
+                      <a:solidFill>
+                        <a:srgbClr val="ffffff"/>
+                      </a:solidFill>
+                    </a:lnT>
+                    <a:lnB w="12240">
+                      <a:solidFill>
+                        <a:srgbClr val="ffffff"/>
+                      </a:solidFill>
+                    </a:lnB>
+                    <a:solidFill>
+                      <a:srgbClr val="cfd5e9"/>
+                    </a:solidFill>
+                  </a:tcPr>
+                </a:tc>
+              </a:tr>
+              <a:tr h="719640">
+                <a:tc>
+                  <a:txBody>
+                    <a:bodyPr anchor="t">
+                      <a:noAutofit/>
+                    </a:bodyPr>
+                    <a:p>
+                      <a:pPr algn="ctr">
+                        <a:buNone/>
+                      </a:pPr>
+                      <a:r>
+                        <a:rPr b="0" lang="en-US" sz="2400" spc="-1" strike="noStrike">
+                          <a:latin typeface="Times New Roman"/>
+                        </a:rPr>
+                        <a:t>Train set</a:t>
+                      </a:r>
+                      <a:endParaRPr b="0" lang="en-US" sz="2400" spc="-1" strike="noStrike">
+                        <a:latin typeface="Times New Roman"/>
+                      </a:endParaRPr>
+                    </a:p>
+                  </a:txBody>
+                  <a:tcPr anchor="t" marL="91440" marR="91440">
+                    <a:lnL w="12240">
+                      <a:solidFill>
+                        <a:srgbClr val="ffffff"/>
+                      </a:solidFill>
+                    </a:lnL>
+                    <a:lnR w="12240">
+                      <a:solidFill>
+                        <a:srgbClr val="ffffff"/>
+                      </a:solidFill>
+                    </a:lnR>
+                    <a:lnT w="12240">
+                      <a:solidFill>
+                        <a:srgbClr val="ffffff"/>
+                      </a:solidFill>
+                    </a:lnT>
+                    <a:lnB w="12240">
+                      <a:solidFill>
+                        <a:srgbClr val="ffffff"/>
+                      </a:solidFill>
+                    </a:lnB>
+                    <a:solidFill>
+                      <a:srgbClr val="cfd5e9"/>
+                    </a:solidFill>
+                  </a:tcPr>
+                </a:tc>
+                <a:tc>
+                  <a:txBody>
+                    <a:bodyPr anchor="t">
+                      <a:noAutofit/>
+                    </a:bodyPr>
+                    <a:p>
+                      <a:pPr algn="ctr">
+                        <a:buNone/>
+                      </a:pPr>
+                      <a:r>
+                        <a:rPr b="0" lang="en-US" sz="2400" spc="-1" strike="noStrike">
+                          <a:latin typeface="Times New Roman"/>
+                        </a:rPr>
+                        <a:t>0.8604</a:t>
+                      </a:r>
+                      <a:endParaRPr b="0" lang="en-US" sz="2400" spc="-1" strike="noStrike">
+                        <a:latin typeface="Times New Roman"/>
+                      </a:endParaRPr>
+                    </a:p>
+                  </a:txBody>
+                  <a:tcPr anchor="t" marL="91440" marR="91440">
+                    <a:lnL w="12240">
+                      <a:solidFill>
+                        <a:srgbClr val="ffffff"/>
+                      </a:solidFill>
+                    </a:lnL>
+                    <a:lnR w="12240">
+                      <a:solidFill>
+                        <a:srgbClr val="ffffff"/>
+                      </a:solidFill>
+                    </a:lnR>
+                    <a:lnT w="12240">
+                      <a:solidFill>
+                        <a:srgbClr val="ffffff"/>
+                      </a:solidFill>
+                    </a:lnT>
+                    <a:lnB w="12240">
+                      <a:solidFill>
+                        <a:srgbClr val="ffffff"/>
+                      </a:solidFill>
+                    </a:lnB>
+                    <a:solidFill>
+                      <a:srgbClr val="cfd5e9"/>
+                    </a:solidFill>
+                  </a:tcPr>
+                </a:tc>
+              </a:tr>
+              <a:tr h="721440">
+                <a:tc>
+                  <a:txBody>
+                    <a:bodyPr anchor="t">
+                      <a:noAutofit/>
+                    </a:bodyPr>
+                    <a:p>
+                      <a:pPr algn="ctr">
+                        <a:buNone/>
+                      </a:pPr>
+                      <a:r>
+                        <a:rPr b="0" lang="en-US" sz="2400" spc="-1" strike="noStrike">
+                          <a:latin typeface="Times New Roman"/>
+                        </a:rPr>
+                        <a:t>Validation set</a:t>
+                      </a:r>
+                      <a:endParaRPr b="0" lang="en-US" sz="2400" spc="-1" strike="noStrike">
+                        <a:latin typeface="Times New Roman"/>
+                      </a:endParaRPr>
+                    </a:p>
+                  </a:txBody>
+                  <a:tcPr anchor="t" marL="91440" marR="91440">
+                    <a:lnL w="12240">
+                      <a:solidFill>
+                        <a:srgbClr val="ffffff"/>
+                      </a:solidFill>
+                    </a:lnL>
+                    <a:lnR w="12240">
+                      <a:solidFill>
+                        <a:srgbClr val="ffffff"/>
+                      </a:solidFill>
+                    </a:lnR>
+                    <a:lnT w="12240">
+                      <a:solidFill>
+                        <a:srgbClr val="ffffff"/>
+                      </a:solidFill>
+                    </a:lnT>
+                    <a:lnB w="12240">
+                      <a:solidFill>
+                        <a:srgbClr val="ffffff"/>
+                      </a:solidFill>
+                    </a:lnB>
+                    <a:solidFill>
+                      <a:srgbClr val="cfd5e9"/>
+                    </a:solidFill>
+                  </a:tcPr>
+                </a:tc>
+                <a:tc>
+                  <a:txBody>
+                    <a:bodyPr anchor="t">
+                      <a:noAutofit/>
+                    </a:bodyPr>
+                    <a:p>
+                      <a:pPr algn="ctr">
+                        <a:buNone/>
+                      </a:pPr>
+                      <a:r>
+                        <a:rPr b="0" lang="en-US" sz="2400" spc="-1" strike="noStrike">
+                          <a:latin typeface="Times New Roman"/>
+                        </a:rPr>
+                        <a:t>0.8364</a:t>
+                      </a:r>
+                      <a:endParaRPr b="0" lang="en-US" sz="2400" spc="-1" strike="noStrike">
+                        <a:latin typeface="Times New Roman"/>
+                      </a:endParaRPr>
+                    </a:p>
+                  </a:txBody>
+                  <a:tcPr anchor="t" marL="91440" marR="91440">
+                    <a:lnL w="12240">
+                      <a:solidFill>
+                        <a:srgbClr val="ffffff"/>
+                      </a:solidFill>
+                    </a:lnL>
+                    <a:lnR w="12240">
+                      <a:solidFill>
+                        <a:srgbClr val="ffffff"/>
+                      </a:solidFill>
+                    </a:lnR>
+                    <a:lnT w="12240">
+                      <a:solidFill>
+                        <a:srgbClr val="ffffff"/>
+                      </a:solidFill>
+                    </a:lnT>
+                    <a:lnB w="12240">
+                      <a:solidFill>
+                        <a:srgbClr val="ffffff"/>
+                      </a:solidFill>
+                    </a:lnB>
+                    <a:solidFill>
+                      <a:srgbClr val="cfd5e9"/>
+                    </a:solidFill>
+                  </a:tcPr>
+                </a:tc>
+              </a:tr>
+            </a:tbl>
+          </a:graphicData>
+        </a:graphic>
+      </p:graphicFrame>
+      <p:sp>
+        <p:nvSpPr>
+          <p:cNvPr id="165" name="Rectangle : coins arrondis 2"/>
+          <p:cNvSpPr/>
+          <p:nvPr/>
+        </p:nvSpPr>
+        <p:spPr>
+          <a:xfrm>
+            <a:off x="838080" y="1237680"/>
+            <a:ext cx="10514520" cy="591120"/>
+          </a:xfrm>
+          <a:prstGeom prst="roundRect">
+            <a:avLst>
+              <a:gd name="adj" fmla="val 16667"/>
+            </a:avLst>
+          </a:prstGeom>
+          <a:noFill/>
+          <a:ln>
+            <a:solidFill>
+              <a:srgbClr val="325490"/>
+            </a:solidFill>
+          </a:ln>
+        </p:spPr>
+        <p:style>
+          <a:lnRef idx="2">
+            <a:schemeClr val="accent1">
+              <a:shade val="50000"/>
+            </a:schemeClr>
+          </a:lnRef>
+          <a:fillRef idx="1">
+            <a:schemeClr val="accent1"/>
+          </a:fillRef>
+          <a:effectRef idx="0">
+            <a:schemeClr val="accent1"/>
+          </a:effectRef>
+          <a:fontRef idx="minor"/>
+        </p:style>
+        <p:txBody>
+          <a:bodyPr lIns="90000" rIns="90000" tIns="45000" bIns="45000" anchor="ctr">
+            <a:noAutofit/>
+          </a:bodyPr>
+          <a:p>
+            <a:pPr algn="ctr">
+              <a:lnSpc>
+                <a:spcPct val="100000"/>
+              </a:lnSpc>
+              <a:buNone/>
+            </a:pPr>
+            <a:r>
+              <a:rPr b="0" lang="en-US" sz="3200" spc="-1" strike="noStrike">
+                <a:solidFill>
+                  <a:srgbClr val="000000"/>
+                </a:solidFill>
+                <a:latin typeface="Verdana Pro Black"/>
+                <a:ea typeface="Verdana"/>
+              </a:rPr>
+              <a:t>Check ROC_AUC value to make sure no overfitting</a:t>
+            </a:r>
+            <a:endParaRPr b="0" lang="en-US" sz="3200" spc="-1" strike="noStrike">
+              <a:latin typeface="Arial"/>
+            </a:endParaRPr>
+          </a:p>
+        </p:txBody>
+      </p:sp>
+      <p:sp>
+        <p:nvSpPr>
+          <p:cNvPr id="2" name="PlaceHolder 1"/>
+          <p:cNvSpPr>
+            <a:spLocks noGrp="1"/>
+          </p:cNvSpPr>
+          <p:nvPr>
+            <p:ph type="sldNum" idx="8"/>
+          </p:nvPr>
+        </p:nvSpPr>
+        <p:spPr/>
+        <p:txBody>
+          <a:bodyPr/>
+          <a:p>
+            <a:fld id="{1EAB80A6-305D-48B1-A9AF-8C82E658BABD}" type="slidenum">
+              <a:t>10</a:t>
+            </a:fld>
+          </a:p>
+        </p:txBody>
+      </p:sp>
+    </p:spTree>
+  </p:cSld>
+  <mc:AlternateContent>
+    <mc:Choice Requires="p14">
+      <p:transition spd="slow" p14:dur="2000"/>
+    </mc:Choice>
+    <mc:Fallback>
+      <p:transition spd="slow"/>
+    </mc:Fallback>
+  </mc:AlternateContent>
+</p:sld>
+</file>
+
+<file path=ppt/slides/slide11.xml><?xml version="1.0" encoding="utf-8"?>
+<p:sld xmlns:a="http://schemas.openxmlformats.org/drawingml/2006/main" xmlns:p="http://schemas.openxmlformats.org/presentationml/2006/main" xmlns:r="http://schemas.openxmlformats.org/officeDocument/2006/relationships" xmlns:p14="http://schemas.microsoft.com/office/powerpoint/2010/main" xmlns:p15="http://schemas.microsoft.com/office/powerpoint/2012/main" xmlns:mc="http://schemas.openxmlformats.org/markup-compatibility/2006">
+  <p:cSld>
+    <p:spTree>
+      <p:nvGrpSpPr>
+        <p:cNvPr id="1" name=""/>
+        <p:cNvGrpSpPr/>
+        <p:nvPr/>
+      </p:nvGrpSpPr>
+      <p:grpSpPr>
+        <a:xfrm>
+          <a:off x="0" y="0"/>
+          <a:ext cx="0" cy="0"/>
+          <a:chOff x="0" y="0"/>
+          <a:chExt cx="0" cy="0"/>
+        </a:xfrm>
+      </p:grpSpPr>
+      <p:sp>
+        <p:nvSpPr>
+          <p:cNvPr id="166" name="Titre 1"/>
+          <p:cNvSpPr/>
+          <p:nvPr/>
+        </p:nvSpPr>
+        <p:spPr>
+          <a:xfrm>
+            <a:off x="838080" y="365040"/>
+            <a:ext cx="10514520" cy="761400"/>
           </a:xfrm>
           <a:prstGeom prst="rect">
             <a:avLst/>
@@ -8398,7 +9129,7 @@
                 <a:latin typeface="Verdana Pro Black"/>
                 <a:ea typeface="Verdana"/>
               </a:rPr>
-              <a:t>Step 5: HyperParameters Tuning</a:t>
+              <a:t>Step 6: HyperParameters Tuning</a:t>
             </a:r>
             <a:endParaRPr b="0" lang="en-US" sz="3600" spc="-1" strike="noStrike">
               <a:latin typeface="Arial"/>
@@ -8408,14 +9139,14 @@
       </p:sp>
       <p:sp>
         <p:nvSpPr>
-          <p:cNvPr id="164" name=""/>
+          <p:cNvPr id="167" name=""/>
           <p:cNvSpPr/>
           <p:nvPr/>
         </p:nvSpPr>
         <p:spPr>
           <a:xfrm>
             <a:off x="377640" y="2514960"/>
-            <a:ext cx="11502360" cy="2574720"/>
+            <a:ext cx="11502000" cy="2574360"/>
           </a:xfrm>
           <a:prstGeom prst="rect">
             <a:avLst/>
@@ -8510,7 +9241,7 @@
                 <a:latin typeface="Verdana Pro Black"/>
                 <a:ea typeface="Verdana"/>
               </a:rPr>
-              <a:t>4</a:t>
+              <a:t>3</a:t>
             </a:r>
             <a:endParaRPr b="0" lang="en-US" sz="2400" spc="-1" strike="noStrike">
               <a:latin typeface="Arial"/>
@@ -8602,7 +9333,7 @@
                 <a:latin typeface="Verdana Pro Black"/>
                 <a:ea typeface="Verdana"/>
               </a:rPr>
-              <a:t>0.8</a:t>
+              <a:t>0.6</a:t>
             </a:r>
             <a:endParaRPr b="0" lang="en-US" sz="2400" spc="-1" strike="noStrike">
               <a:latin typeface="Arial"/>
@@ -8694,7 +9425,7 @@
                 <a:latin typeface="Verdana Pro Black"/>
                 <a:ea typeface="Verdana"/>
               </a:rPr>
-              <a:t>200</a:t>
+              <a:t>30</a:t>
             </a:r>
             <a:endParaRPr b="0" lang="en-US" sz="2400" spc="-1" strike="noStrike">
               <a:latin typeface="Arial"/>
@@ -8786,7 +9517,7 @@
                 <a:latin typeface="Verdana Pro Black"/>
                 <a:ea typeface="Verdana"/>
               </a:rPr>
-              <a:t>0.7</a:t>
+              <a:t>0.9</a:t>
             </a:r>
             <a:endParaRPr b="0" lang="en-US" sz="2400" spc="-1" strike="noStrike">
               <a:latin typeface="Arial"/>
@@ -8808,8 +9539,8 @@
         <p:txBody>
           <a:bodyPr/>
           <a:p>
-            <a:fld id="{3CBF7148-B346-412A-B2D0-142FE5BBA8A9}" type="slidenum">
-              <a:t>10</a:t>
+            <a:fld id="{92AA710C-E82B-41AB-AB12-F9B8C4715172}" type="slidenum">
+              <a:t>11</a:t>
             </a:fld>
           </a:p>
         </p:txBody>
@@ -8857,7 +9588,7 @@
         <p:spPr>
           <a:xfrm>
             <a:off x="838080" y="365040"/>
-            <a:ext cx="10514880" cy="761760"/>
+            <a:ext cx="10514520" cy="761400"/>
           </a:xfrm>
           <a:prstGeom prst="rect">
             <a:avLst/>
@@ -8907,7 +9638,7 @@
         <p:spPr>
           <a:xfrm>
             <a:off x="8610480" y="6356520"/>
-            <a:ext cx="2742480" cy="364320"/>
+            <a:ext cx="2742120" cy="363960"/>
           </a:xfrm>
           <a:prstGeom prst="rect">
             <a:avLst/>
@@ -8960,7 +9691,7 @@
         <p:spPr>
           <a:xfrm>
             <a:off x="838080" y="1237680"/>
-            <a:ext cx="10514880" cy="2315520"/>
+            <a:ext cx="10514520" cy="2315160"/>
           </a:xfrm>
           <a:prstGeom prst="roundRect">
             <a:avLst>
@@ -9024,7 +9755,7 @@
         <p:spPr>
           <a:xfrm>
             <a:off x="852120" y="3858120"/>
-            <a:ext cx="10514880" cy="2497320"/>
+            <a:ext cx="10514520" cy="2496960"/>
           </a:xfrm>
           <a:prstGeom prst="roundRect">
             <a:avLst>
@@ -9144,7 +9875,7 @@
         <p:spPr>
           <a:xfrm>
             <a:off x="8323920" y="4835880"/>
-            <a:ext cx="2840760" cy="1272240"/>
+            <a:ext cx="2840400" cy="1271880"/>
           </a:xfrm>
           <a:prstGeom prst="roundRect">
             <a:avLst>
@@ -9294,7 +10025,7 @@
         <p:spPr>
           <a:xfrm>
             <a:off x="8610480" y="6544800"/>
-            <a:ext cx="2742480" cy="364320"/>
+            <a:ext cx="2742120" cy="363960"/>
           </a:xfrm>
           <a:prstGeom prst="rect">
             <a:avLst/>
@@ -9331,7 +10062,7 @@
         <p:spPr>
           <a:xfrm>
             <a:off x="838080" y="365040"/>
-            <a:ext cx="10514880" cy="761760"/>
+            <a:ext cx="10514520" cy="761400"/>
           </a:xfrm>
           <a:prstGeom prst="rect">
             <a:avLst/>
@@ -9383,7 +10114,7 @@
         <p:spPr>
           <a:xfrm>
             <a:off x="388080" y="1108440"/>
-            <a:ext cx="2986920" cy="941400"/>
+            <a:ext cx="2986560" cy="941040"/>
           </a:xfrm>
           <a:prstGeom prst="roundRect">
             <a:avLst>
@@ -9447,7 +10178,7 @@
         <p:spPr>
           <a:xfrm>
             <a:off x="388080" y="5612040"/>
-            <a:ext cx="2986920" cy="941400"/>
+            <a:ext cx="2986560" cy="941040"/>
           </a:xfrm>
           <a:prstGeom prst="roundRect">
             <a:avLst>
@@ -9511,7 +10242,7 @@
         <p:spPr>
           <a:xfrm>
             <a:off x="388080" y="4484520"/>
-            <a:ext cx="2986920" cy="941400"/>
+            <a:ext cx="2986560" cy="941040"/>
           </a:xfrm>
           <a:prstGeom prst="roundRect">
             <a:avLst>
@@ -9575,7 +10306,7 @@
         <p:spPr>
           <a:xfrm>
             <a:off x="388080" y="3357000"/>
-            <a:ext cx="2986920" cy="941400"/>
+            <a:ext cx="2986560" cy="941040"/>
           </a:xfrm>
           <a:prstGeom prst="roundRect">
             <a:avLst>
@@ -9639,7 +10370,7 @@
         <p:spPr>
           <a:xfrm>
             <a:off x="388080" y="2229480"/>
-            <a:ext cx="2986920" cy="941400"/>
+            <a:ext cx="2986560" cy="941040"/>
           </a:xfrm>
           <a:prstGeom prst="roundRect">
             <a:avLst>
@@ -9703,7 +10434,7 @@
         <p:spPr>
           <a:xfrm>
             <a:off x="3502080" y="1108440"/>
-            <a:ext cx="7851240" cy="941400"/>
+            <a:ext cx="7850880" cy="941040"/>
           </a:xfrm>
           <a:prstGeom prst="rect">
             <a:avLst/>
@@ -9762,7 +10493,7 @@
         <p:spPr>
           <a:xfrm>
             <a:off x="3502080" y="2229480"/>
-            <a:ext cx="7851240" cy="941400"/>
+            <a:ext cx="7850880" cy="941040"/>
           </a:xfrm>
           <a:prstGeom prst="rect">
             <a:avLst/>
@@ -9788,7 +10519,7 @@
         <p:spPr>
           <a:xfrm>
             <a:off x="3502080" y="3357000"/>
-            <a:ext cx="7851240" cy="941400"/>
+            <a:ext cx="7850880" cy="941040"/>
           </a:xfrm>
           <a:prstGeom prst="rect">
             <a:avLst/>
@@ -9847,7 +10578,7 @@
         <p:spPr>
           <a:xfrm>
             <a:off x="3502080" y="4484520"/>
-            <a:ext cx="7851240" cy="941400"/>
+            <a:ext cx="7850880" cy="941040"/>
           </a:xfrm>
           <a:prstGeom prst="rect">
             <a:avLst/>
@@ -9906,7 +10637,7 @@
         <p:spPr>
           <a:xfrm>
             <a:off x="3502080" y="5612040"/>
-            <a:ext cx="7851240" cy="941400"/>
+            <a:ext cx="7850880" cy="941040"/>
           </a:xfrm>
           <a:prstGeom prst="rect">
             <a:avLst/>
@@ -9999,7 +10730,7 @@
         <p:spPr>
           <a:xfrm>
             <a:off x="1980000" y="18720"/>
-            <a:ext cx="8297280" cy="6857280"/>
+            <a:ext cx="8296920" cy="6856920"/>
           </a:xfrm>
           <a:prstGeom prst="rect">
             <a:avLst/>
@@ -10052,7 +10783,7 @@
         <p:spPr>
           <a:xfrm>
             <a:off x="1980000" y="360"/>
-            <a:ext cx="8297280" cy="6857280"/>
+            <a:ext cx="8296920" cy="6856920"/>
           </a:xfrm>
           <a:prstGeom prst="rect">
             <a:avLst/>
@@ -11848,7 +12579,7 @@
         <p:spPr>
           <a:xfrm>
             <a:off x="838080" y="365040"/>
-            <a:ext cx="10514880" cy="761760"/>
+            <a:ext cx="10514520" cy="761400"/>
           </a:xfrm>
           <a:prstGeom prst="rect">
             <a:avLst/>
@@ -11900,7 +12631,7 @@
         <p:spPr>
           <a:xfrm>
             <a:off x="838080" y="1357560"/>
-            <a:ext cx="10514880" cy="1997640"/>
+            <a:ext cx="10514520" cy="1997280"/>
           </a:xfrm>
           <a:prstGeom prst="rect">
             <a:avLst/>
@@ -11926,9 +12657,9 @@
         <p:grpSpPr>
           <a:xfrm>
             <a:off x="383400" y="1854000"/>
-            <a:ext cx="11540160" cy="4556520"/>
+            <a:ext cx="11539800" cy="4556160"/>
             <a:chOff x="383400" y="1854000"/>
-            <a:chExt cx="11540160" cy="4556520"/>
+            <a:chExt cx="11539800" cy="4556160"/>
           </a:xfrm>
         </p:grpSpPr>
         <p:sp>
@@ -11940,7 +12671,7 @@
           <p:spPr>
             <a:xfrm>
               <a:off x="383400" y="3327840"/>
-              <a:ext cx="5217840" cy="941400"/>
+              <a:ext cx="5217480" cy="941040"/>
             </a:xfrm>
             <a:prstGeom prst="roundRect">
               <a:avLst>
@@ -12004,7 +12735,7 @@
           <p:spPr>
             <a:xfrm>
               <a:off x="6705720" y="4920120"/>
-              <a:ext cx="5217840" cy="941400"/>
+              <a:ext cx="5217480" cy="941040"/>
             </a:xfrm>
             <a:prstGeom prst="roundRect">
               <a:avLst>
@@ -12068,7 +12799,7 @@
           <p:spPr>
             <a:xfrm>
               <a:off x="5601960" y="3682800"/>
-              <a:ext cx="1103040" cy="1815480"/>
+              <a:ext cx="1102680" cy="1815120"/>
             </a:xfrm>
             <a:prstGeom prst="bentConnector3">
               <a:avLst>
@@ -12105,7 +12836,7 @@
           <p:spPr>
             <a:xfrm>
               <a:off x="6705720" y="1854000"/>
-              <a:ext cx="5217840" cy="941400"/>
+              <a:ext cx="5217480" cy="941040"/>
             </a:xfrm>
             <a:prstGeom prst="roundRect">
               <a:avLst>
@@ -12169,7 +12900,7 @@
           <p:spPr>
             <a:xfrm flipV="1">
               <a:off x="5602320" y="2310480"/>
-              <a:ext cx="1103040" cy="1371240"/>
+              <a:ext cx="1102680" cy="1370880"/>
             </a:xfrm>
             <a:prstGeom prst="bentConnector3">
               <a:avLst>
@@ -12206,7 +12937,7 @@
           <p:spPr>
             <a:xfrm>
               <a:off x="7851960" y="5754240"/>
-              <a:ext cx="2742480" cy="656280"/>
+              <a:ext cx="2742120" cy="655920"/>
             </a:xfrm>
             <a:prstGeom prst="rect">
               <a:avLst/>
@@ -12264,7 +12995,7 @@
           <p:spPr>
             <a:xfrm>
               <a:off x="7851960" y="2668680"/>
-              <a:ext cx="2742480" cy="656280"/>
+              <a:ext cx="2742120" cy="655920"/>
             </a:xfrm>
             <a:prstGeom prst="rect">
               <a:avLst/>
@@ -12322,7 +13053,7 @@
           <p:spPr>
             <a:xfrm>
               <a:off x="6705360" y="3330360"/>
-              <a:ext cx="5217840" cy="941400"/>
+              <a:ext cx="5217480" cy="941040"/>
             </a:xfrm>
             <a:prstGeom prst="roundRect">
               <a:avLst>
@@ -12386,7 +13117,7 @@
           <p:spPr>
             <a:xfrm>
               <a:off x="6858000" y="4180680"/>
-              <a:ext cx="5028840" cy="656280"/>
+              <a:ext cx="5028480" cy="655920"/>
             </a:xfrm>
             <a:prstGeom prst="rect">
               <a:avLst/>
@@ -12450,7 +13181,7 @@
         <p:txBody>
           <a:bodyPr/>
           <a:p>
-            <a:fld id="{FD6A14F5-A478-4B1F-A219-5F00F3F627A4}" type="slidenum">
+            <a:fld id="{AD1C4215-E1F9-428E-B29F-B592412AB5D2}" type="slidenum">
               <a:t>7</a:t>
             </a:fld>
           </a:p>
@@ -12495,7 +13226,7 @@
         <p:spPr>
           <a:xfrm>
             <a:off x="838080" y="365040"/>
-            <a:ext cx="10514880" cy="761760"/>
+            <a:ext cx="10514520" cy="761400"/>
           </a:xfrm>
           <a:prstGeom prst="rect">
             <a:avLst/>
@@ -12547,7 +13278,7 @@
         <p:spPr>
           <a:xfrm>
             <a:off x="838080" y="1886760"/>
-            <a:ext cx="10514880" cy="2668680"/>
+            <a:ext cx="10514520" cy="2668320"/>
           </a:xfrm>
           <a:prstGeom prst="rect">
             <a:avLst/>
@@ -12753,7 +13484,7 @@
         <p:txBody>
           <a:bodyPr/>
           <a:p>
-            <a:fld id="{D00CE21A-A5E5-42EE-A33E-D5ACE724829C}" type="slidenum">
+            <a:fld id="{22EADBF0-A341-4413-A348-233099678C0B}" type="slidenum">
               <a:t>8</a:t>
             </a:fld>
           </a:p>
@@ -12798,7 +13529,7 @@
         <p:spPr>
           <a:xfrm>
             <a:off x="838080" y="365040"/>
-            <a:ext cx="10514880" cy="761760"/>
+            <a:ext cx="10514520" cy="761400"/>
           </a:xfrm>
           <a:prstGeom prst="rect">
             <a:avLst/>
@@ -12849,7 +13580,7 @@
         </p:nvGraphicFramePr>
         <p:xfrm>
           <a:off x="1371600" y="1292760"/>
-          <a:ext cx="8458200" cy="4319280"/>
+          <a:ext cx="8457840" cy="4319280"/>
         </p:xfrm>
         <a:graphic>
           <a:graphicData uri="http://schemas.openxmlformats.org/drawingml/2006/table">
@@ -13538,7 +14269,7 @@
         <p:txBody>
           <a:bodyPr/>
           <a:p>
-            <a:fld id="{C306A73A-3D38-4094-8247-75EA983B9F63}" type="slidenum">
+            <a:fld id="{A85D6469-B9AE-4C16-A995-4D61CD7E1D9A}" type="slidenum">
               <a:t>9</a:t>
             </a:fld>
           </a:p>

--- a/Student_Dropout.pptx
+++ b/Student_Dropout.pptx
@@ -18,6 +18,7 @@
     <p:sldId id="264" r:id="rId13"/>
     <p:sldId id="265" r:id="rId14"/>
     <p:sldId id="266" r:id="rId15"/>
+    <p:sldId id="267" r:id="rId16"/>
   </p:sldIdLst>
   <p:sldSz cx="12192000" cy="6858000"/>
   <p:notesSz cx="7559675" cy="10691813"/>
@@ -75,7 +76,7 @@
         <p:txBody>
           <a:bodyPr/>
           <a:p>
-            <a:fld id="{6E131F4A-9CB1-4F0C-AAC2-2DF65D19BDB6}" type="slidenum">
+            <a:fld id="{4A73F263-4A6E-4A71-87F1-B1C456714333}" type="slidenum">
               <a:t>&lt;#&gt;</a:t>
             </a:fld>
           </a:p>
@@ -263,7 +264,7 @@
         <p:txBody>
           <a:bodyPr/>
           <a:p>
-            <a:fld id="{831DD528-FB43-4B19-8115-8D6B5122F5D7}" type="slidenum">
+            <a:fld id="{67A55899-7070-4900-AFDE-919DAC902FEB}" type="slidenum">
               <a:t>&lt;#&gt;</a:t>
             </a:fld>
           </a:p>
@@ -519,7 +520,7 @@
         <p:txBody>
           <a:bodyPr/>
           <a:p>
-            <a:fld id="{4891F5C6-A399-4494-B80C-D1AAAFEDE0D8}" type="slidenum">
+            <a:fld id="{9CE8F3CF-738B-4DDC-B410-2B5A13D773AC}" type="slidenum">
               <a:t>&lt;#&gt;</a:t>
             </a:fld>
           </a:p>
@@ -843,7 +844,7 @@
         <p:txBody>
           <a:bodyPr/>
           <a:p>
-            <a:fld id="{6E3104A2-6BB2-4ADF-B85A-08704DE08A06}" type="slidenum">
+            <a:fld id="{7F60C1CE-F6F5-4949-B090-DB88CF8FF893}" type="slidenum">
               <a:t>&lt;#&gt;</a:t>
             </a:fld>
           </a:p>
@@ -926,7 +927,7 @@
         <p:txBody>
           <a:bodyPr/>
           <a:p>
-            <a:fld id="{A2CB1EB0-A4B7-4568-AB2E-024BBB4F426C}" type="slidenum">
+            <a:fld id="{FD0828AD-D1CF-441D-A2B0-C454025A44F2}" type="slidenum">
               <a:t>&lt;#&gt;</a:t>
             </a:fld>
           </a:p>
@@ -1083,7 +1084,7 @@
         <p:txBody>
           <a:bodyPr/>
           <a:p>
-            <a:fld id="{90FC4A91-295E-4CAA-9353-86B777E4C122}" type="slidenum">
+            <a:fld id="{3737FCF6-0E66-4EF0-BF28-0874BE17463D}" type="slidenum">
               <a:t>&lt;#&gt;</a:t>
             </a:fld>
           </a:p>
@@ -1237,7 +1238,7 @@
         <p:txBody>
           <a:bodyPr/>
           <a:p>
-            <a:fld id="{8C8C0ADF-0FBE-4473-8055-787961806063}" type="slidenum">
+            <a:fld id="{488103EE-CED2-439D-97A1-82BC8FF5DA68}" type="slidenum">
               <a:t>&lt;#&gt;</a:t>
             </a:fld>
           </a:p>
@@ -1425,7 +1426,7 @@
         <p:txBody>
           <a:bodyPr/>
           <a:p>
-            <a:fld id="{C5224960-B21F-4AA1-A53D-9A15DE8D2D8E}" type="slidenum">
+            <a:fld id="{A911A8A6-89A9-438A-9069-3C2102347954}" type="slidenum">
               <a:t>&lt;#&gt;</a:t>
             </a:fld>
           </a:p>
@@ -1545,7 +1546,7 @@
         <p:txBody>
           <a:bodyPr/>
           <a:p>
-            <a:fld id="{CBF9656A-81C4-4A05-86BF-3517874DD071}" type="slidenum">
+            <a:fld id="{1B542A0F-F9A1-4FAD-BB93-EAD5B0F4AC68}" type="slidenum">
               <a:t>&lt;#&gt;</a:t>
             </a:fld>
           </a:p>
@@ -1665,7 +1666,7 @@
         <p:txBody>
           <a:bodyPr/>
           <a:p>
-            <a:fld id="{AEBB2566-3956-4482-AB78-EABAA6FA32EC}" type="slidenum">
+            <a:fld id="{60ED0590-8A9C-44E2-B3D7-42285DC0E9EF}" type="slidenum">
               <a:t>&lt;#&gt;</a:t>
             </a:fld>
           </a:p>
@@ -1887,7 +1888,7 @@
         <p:txBody>
           <a:bodyPr/>
           <a:p>
-            <a:fld id="{4F42B833-136A-401C-B0D2-16DC029BFD97}" type="slidenum">
+            <a:fld id="{00C823B3-336A-4EF1-B707-E06650EEEC8E}" type="slidenum">
               <a:t>&lt;#&gt;</a:t>
             </a:fld>
           </a:p>
@@ -2044,7 +2045,7 @@
         <p:txBody>
           <a:bodyPr/>
           <a:p>
-            <a:fld id="{C1AE0FAD-1AFC-49C3-B86D-52E8BA1DF6E6}" type="slidenum">
+            <a:fld id="{45AB3DC9-ED29-4D83-BEE0-94427530FA00}" type="slidenum">
               <a:t>&lt;#&gt;</a:t>
             </a:fld>
           </a:p>
@@ -2266,7 +2267,7 @@
         <p:txBody>
           <a:bodyPr/>
           <a:p>
-            <a:fld id="{B36628F9-5C76-4A9A-A077-EE1B6185F2CB}" type="slidenum">
+            <a:fld id="{6E237011-7625-482F-B529-31B9822A7D24}" type="slidenum">
               <a:t>&lt;#&gt;</a:t>
             </a:fld>
           </a:p>
@@ -2488,7 +2489,7 @@
         <p:txBody>
           <a:bodyPr/>
           <a:p>
-            <a:fld id="{D48C63DE-91A6-46AD-97F7-C207FA25E951}" type="slidenum">
+            <a:fld id="{2697ADB9-F9A6-4DD0-A478-1886ED596428}" type="slidenum">
               <a:t>&lt;#&gt;</a:t>
             </a:fld>
           </a:p>
@@ -2676,7 +2677,7 @@
         <p:txBody>
           <a:bodyPr/>
           <a:p>
-            <a:fld id="{064D8CEF-92BE-4CB9-AB78-81CCB7DA7EE2}" type="slidenum">
+            <a:fld id="{BD02B553-BDD9-4FE6-A104-4C7D15693057}" type="slidenum">
               <a:t>&lt;#&gt;</a:t>
             </a:fld>
           </a:p>
@@ -2932,7 +2933,7 @@
         <p:txBody>
           <a:bodyPr/>
           <a:p>
-            <a:fld id="{132DF38E-B9BF-41B2-82B5-03B65B0847F3}" type="slidenum">
+            <a:fld id="{02F9A561-E121-4166-975B-9E50327D49E8}" type="slidenum">
               <a:t>&lt;#&gt;</a:t>
             </a:fld>
           </a:p>
@@ -3256,7 +3257,7 @@
         <p:txBody>
           <a:bodyPr/>
           <a:p>
-            <a:fld id="{8BCACB27-698D-4EAD-AE98-565641E65CB1}" type="slidenum">
+            <a:fld id="{9F7C7EA3-9518-4864-BCAD-388F0853DA14}" type="slidenum">
               <a:t>&lt;#&gt;</a:t>
             </a:fld>
           </a:p>
@@ -3339,7 +3340,7 @@
         <p:txBody>
           <a:bodyPr/>
           <a:p>
-            <a:fld id="{D8131FDB-3107-4E9A-AE07-D395EBE4E803}" type="slidenum">
+            <a:fld id="{473914F8-761B-4772-B113-CA8F7C3BF32B}" type="slidenum">
               <a:t>&lt;#&gt;</a:t>
             </a:fld>
           </a:p>
@@ -3496,7 +3497,7 @@
         <p:txBody>
           <a:bodyPr/>
           <a:p>
-            <a:fld id="{83103077-168B-4501-BBA7-05C1BA77438E}" type="slidenum">
+            <a:fld id="{A4419BB9-0181-489A-B5B3-FA2122217B7C}" type="slidenum">
               <a:t>&lt;#&gt;</a:t>
             </a:fld>
           </a:p>
@@ -3650,7 +3651,7 @@
         <p:txBody>
           <a:bodyPr/>
           <a:p>
-            <a:fld id="{D6A0E245-0C2D-4AAD-8454-864248821A00}" type="slidenum">
+            <a:fld id="{CFA4555D-51A5-4B79-8FBA-86EF851879F9}" type="slidenum">
               <a:t>&lt;#&gt;</a:t>
             </a:fld>
           </a:p>
@@ -3838,7 +3839,7 @@
         <p:txBody>
           <a:bodyPr/>
           <a:p>
-            <a:fld id="{B7F6C8FB-9288-41F5-9C5F-604B0FA4765F}" type="slidenum">
+            <a:fld id="{C9DC04C8-E22A-4BE0-8C6A-2A3C6C0EEAD1}" type="slidenum">
               <a:t>&lt;#&gt;</a:t>
             </a:fld>
           </a:p>
@@ -3958,7 +3959,7 @@
         <p:txBody>
           <a:bodyPr/>
           <a:p>
-            <a:fld id="{7ED841A7-418D-47E9-9371-F3104A40F248}" type="slidenum">
+            <a:fld id="{E6CE451E-DEFB-4099-8CD2-7E585B8DFEB2}" type="slidenum">
               <a:t>&lt;#&gt;</a:t>
             </a:fld>
           </a:p>
@@ -4112,7 +4113,7 @@
         <p:txBody>
           <a:bodyPr/>
           <a:p>
-            <a:fld id="{2CFCB510-486B-4B6A-99F0-A6FC80DA50AD}" type="slidenum">
+            <a:fld id="{442C208C-1EBD-45B4-9BD6-AF53A6C29630}" type="slidenum">
               <a:t>&lt;#&gt;</a:t>
             </a:fld>
           </a:p>
@@ -4232,7 +4233,7 @@
         <p:txBody>
           <a:bodyPr/>
           <a:p>
-            <a:fld id="{B910DC7B-F431-4336-93D1-647F9900233D}" type="slidenum">
+            <a:fld id="{5E60E329-1D8E-417D-B0AC-BD933FFEAFF5}" type="slidenum">
               <a:t>&lt;#&gt;</a:t>
             </a:fld>
           </a:p>
@@ -4454,7 +4455,7 @@
         <p:txBody>
           <a:bodyPr/>
           <a:p>
-            <a:fld id="{6BFF4CCB-AC8F-4C41-9CEB-F839F1C5A3AA}" type="slidenum">
+            <a:fld id="{9A062E26-CA86-47A0-A180-952D33233896}" type="slidenum">
               <a:t>&lt;#&gt;</a:t>
             </a:fld>
           </a:p>
@@ -4676,7 +4677,7 @@
         <p:txBody>
           <a:bodyPr/>
           <a:p>
-            <a:fld id="{8D195F8B-50BD-42EA-84DB-BBF80B9091C3}" type="slidenum">
+            <a:fld id="{89F047E1-F19C-42CA-BE50-355693DD59F5}" type="slidenum">
               <a:t>&lt;#&gt;</a:t>
             </a:fld>
           </a:p>
@@ -4898,7 +4899,7 @@
         <p:txBody>
           <a:bodyPr/>
           <a:p>
-            <a:fld id="{9F1549E0-22DF-4D6D-980C-E5825286411F}" type="slidenum">
+            <a:fld id="{5CAE7444-61BB-4999-BA08-86707BC42648}" type="slidenum">
               <a:t>&lt;#&gt;</a:t>
             </a:fld>
           </a:p>
@@ -5086,7 +5087,7 @@
         <p:txBody>
           <a:bodyPr/>
           <a:p>
-            <a:fld id="{A9D9309A-595E-413F-86B1-F2C0DFDD8F60}" type="slidenum">
+            <a:fld id="{1BC06A45-F8CF-4A7C-8C1F-CCCA09232CE3}" type="slidenum">
               <a:t>&lt;#&gt;</a:t>
             </a:fld>
           </a:p>
@@ -5342,7 +5343,7 @@
         <p:txBody>
           <a:bodyPr/>
           <a:p>
-            <a:fld id="{F5CC820D-05F7-41AE-8111-B97656439D6A}" type="slidenum">
+            <a:fld id="{06380499-B7BA-474E-9967-FBE6A7F8ABA2}" type="slidenum">
               <a:t>&lt;#&gt;</a:t>
             </a:fld>
           </a:p>
@@ -5666,7 +5667,7 @@
         <p:txBody>
           <a:bodyPr/>
           <a:p>
-            <a:fld id="{F97B58E1-C882-478D-A326-47A7AC9F3577}" type="slidenum">
+            <a:fld id="{5DC72AA2-DDDA-44E3-89AD-4A47B74A437E}" type="slidenum">
               <a:t>&lt;#&gt;</a:t>
             </a:fld>
           </a:p>
@@ -5854,7 +5855,7 @@
         <p:txBody>
           <a:bodyPr/>
           <a:p>
-            <a:fld id="{D3FB035B-BF3A-46FD-8F41-B1273770507F}" type="slidenum">
+            <a:fld id="{EB3F2999-9EEA-4141-BD7D-840417346742}" type="slidenum">
               <a:t>&lt;#&gt;</a:t>
             </a:fld>
           </a:p>
@@ -5974,7 +5975,7 @@
         <p:txBody>
           <a:bodyPr/>
           <a:p>
-            <a:fld id="{ED7C2DB4-05D6-4AAC-9DBB-48BC79573AB2}" type="slidenum">
+            <a:fld id="{C16C13DF-75F3-406B-8CC7-5257084ACEA6}" type="slidenum">
               <a:t>&lt;#&gt;</a:t>
             </a:fld>
           </a:p>
@@ -6094,7 +6095,7 @@
         <p:txBody>
           <a:bodyPr/>
           <a:p>
-            <a:fld id="{67EC3626-84D8-46A6-B361-BFF4785B1928}" type="slidenum">
+            <a:fld id="{11D530BC-CD10-4E13-8854-292AB977CF51}" type="slidenum">
               <a:t>&lt;#&gt;</a:t>
             </a:fld>
           </a:p>
@@ -6316,7 +6317,7 @@
         <p:txBody>
           <a:bodyPr/>
           <a:p>
-            <a:fld id="{8E84A8FF-7298-463C-8346-B525642C7614}" type="slidenum">
+            <a:fld id="{28610F44-F9B3-4577-BA33-F5E256AB3119}" type="slidenum">
               <a:t>&lt;#&gt;</a:t>
             </a:fld>
           </a:p>
@@ -6538,7 +6539,7 @@
         <p:txBody>
           <a:bodyPr/>
           <a:p>
-            <a:fld id="{33A86283-99E5-4BF5-ACC7-1AD1431A0840}" type="slidenum">
+            <a:fld id="{1286CD59-8F35-47EE-9859-FF5F5C563041}" type="slidenum">
               <a:t>&lt;#&gt;</a:t>
             </a:fld>
           </a:p>
@@ -6760,7 +6761,7 @@
         <p:txBody>
           <a:bodyPr/>
           <a:p>
-            <a:fld id="{31EA19DA-5FB0-4915-8571-23D1E252063C}" type="slidenum">
+            <a:fld id="{80B1C3EC-B8E5-4FB8-B2C3-ED06CB2ECF23}" type="slidenum">
               <a:t>&lt;#&gt;</a:t>
             </a:fld>
           </a:p>
@@ -6823,236 +6824,13 @@
             <a:spLocks noGrp="1"/>
           </p:cNvSpPr>
           <p:nvPr>
-            <p:ph type="title"/>
-          </p:nvPr>
-        </p:nvSpPr>
-        <p:spPr>
-          <a:xfrm>
-            <a:off x="609480" y="273600"/>
-            <a:ext cx="10972080" cy="1144440"/>
-          </a:xfrm>
-          <a:prstGeom prst="rect">
-            <a:avLst/>
-          </a:prstGeom>
-          <a:noFill/>
-          <a:ln w="0">
-            <a:noFill/>
-          </a:ln>
-        </p:spPr>
-        <p:txBody>
-          <a:bodyPr lIns="0" rIns="0" tIns="0" bIns="0" anchor="ctr">
-            <a:noAutofit/>
-          </a:bodyPr>
-          <a:p>
-            <a:r>
-              <a:rPr b="0" lang="en-US" sz="1800" spc="-1" strike="noStrike">
-                <a:latin typeface="Arial"/>
-              </a:rPr>
-              <a:t>Click to edit the title text format</a:t>
-            </a:r>
-            <a:endParaRPr b="0" lang="en-US" sz="1800" spc="-1" strike="noStrike">
-              <a:latin typeface="Arial"/>
-            </a:endParaRPr>
-          </a:p>
-        </p:txBody>
-      </p:sp>
-      <p:sp>
-        <p:nvSpPr>
-          <p:cNvPr id="1" name="PlaceHolder 2"/>
-          <p:cNvSpPr>
-            <a:spLocks noGrp="1"/>
-          </p:cNvSpPr>
-          <p:nvPr>
-            <p:ph type="body"/>
-          </p:nvPr>
-        </p:nvSpPr>
-        <p:spPr>
-          <a:xfrm>
-            <a:off x="609480" y="1604520"/>
-            <a:ext cx="10972080" cy="3976920"/>
-          </a:xfrm>
-          <a:prstGeom prst="rect">
-            <a:avLst/>
-          </a:prstGeom>
-          <a:noFill/>
-          <a:ln w="0">
-            <a:noFill/>
-          </a:ln>
-        </p:spPr>
-        <p:txBody>
-          <a:bodyPr lIns="0" rIns="0" tIns="0" bIns="0" anchor="t">
-            <a:normAutofit/>
-          </a:bodyPr>
-          <a:p>
-            <a:pPr marL="432000" indent="-324000">
-              <a:spcBef>
-                <a:spcPts val="1417"/>
-              </a:spcBef>
-              <a:buClr>
-                <a:srgbClr val="000000"/>
-              </a:buClr>
-              <a:buSzPct val="45000"/>
-              <a:buFont typeface="Wingdings" charset="2"/>
-              <a:buChar char=""/>
-            </a:pPr>
-            <a:r>
-              <a:rPr b="0" lang="en-US" sz="1800" spc="-1" strike="noStrike">
-                <a:latin typeface="Arial"/>
-              </a:rPr>
-              <a:t>Click to edit the outline text format</a:t>
-            </a:r>
-            <a:endParaRPr b="0" lang="en-US" sz="1800" spc="-1" strike="noStrike">
-              <a:latin typeface="Arial"/>
-            </a:endParaRPr>
-          </a:p>
-          <a:p>
-            <a:pPr lvl="1" marL="864000" indent="-324000">
-              <a:spcBef>
-                <a:spcPts val="1134"/>
-              </a:spcBef>
-              <a:buClr>
-                <a:srgbClr val="000000"/>
-              </a:buClr>
-              <a:buSzPct val="75000"/>
-              <a:buFont typeface="Symbol" charset="2"/>
-              <a:buChar char=""/>
-            </a:pPr>
-            <a:r>
-              <a:rPr b="0" lang="en-US" sz="1800" spc="-1" strike="noStrike">
-                <a:latin typeface="Arial"/>
-              </a:rPr>
-              <a:t>Second Outline Level</a:t>
-            </a:r>
-            <a:endParaRPr b="0" lang="en-US" sz="1800" spc="-1" strike="noStrike">
-              <a:latin typeface="Arial"/>
-            </a:endParaRPr>
-          </a:p>
-          <a:p>
-            <a:pPr lvl="2" marL="1296000" indent="-288000">
-              <a:spcBef>
-                <a:spcPts val="850"/>
-              </a:spcBef>
-              <a:buClr>
-                <a:srgbClr val="000000"/>
-              </a:buClr>
-              <a:buSzPct val="45000"/>
-              <a:buFont typeface="Wingdings" charset="2"/>
-              <a:buChar char=""/>
-            </a:pPr>
-            <a:r>
-              <a:rPr b="0" lang="en-US" sz="1800" spc="-1" strike="noStrike">
-                <a:latin typeface="Arial"/>
-              </a:rPr>
-              <a:t>Third Outline Level</a:t>
-            </a:r>
-            <a:endParaRPr b="0" lang="en-US" sz="1800" spc="-1" strike="noStrike">
-              <a:latin typeface="Arial"/>
-            </a:endParaRPr>
-          </a:p>
-          <a:p>
-            <a:pPr lvl="3" marL="1728000" indent="-216000">
-              <a:spcBef>
-                <a:spcPts val="567"/>
-              </a:spcBef>
-              <a:buClr>
-                <a:srgbClr val="000000"/>
-              </a:buClr>
-              <a:buSzPct val="75000"/>
-              <a:buFont typeface="Symbol" charset="2"/>
-              <a:buChar char=""/>
-            </a:pPr>
-            <a:r>
-              <a:rPr b="0" lang="en-US" sz="1800" spc="-1" strike="noStrike">
-                <a:latin typeface="Arial"/>
-              </a:rPr>
-              <a:t>Fourth Outline Level</a:t>
-            </a:r>
-            <a:endParaRPr b="0" lang="en-US" sz="1800" spc="-1" strike="noStrike">
-              <a:latin typeface="Arial"/>
-            </a:endParaRPr>
-          </a:p>
-          <a:p>
-            <a:pPr lvl="4" marL="2160000" indent="-216000">
-              <a:spcBef>
-                <a:spcPts val="283"/>
-              </a:spcBef>
-              <a:buClr>
-                <a:srgbClr val="000000"/>
-              </a:buClr>
-              <a:buSzPct val="45000"/>
-              <a:buFont typeface="Wingdings" charset="2"/>
-              <a:buChar char=""/>
-            </a:pPr>
-            <a:r>
-              <a:rPr b="0" lang="en-US" sz="1800" spc="-1" strike="noStrike">
-                <a:latin typeface="Arial"/>
-              </a:rPr>
-              <a:t>Fifth Outline Level</a:t>
-            </a:r>
-            <a:endParaRPr b="0" lang="en-US" sz="1800" spc="-1" strike="noStrike">
-              <a:latin typeface="Arial"/>
-            </a:endParaRPr>
-          </a:p>
-          <a:p>
-            <a:pPr lvl="5" marL="2592000" indent="-216000">
-              <a:spcBef>
-                <a:spcPts val="283"/>
-              </a:spcBef>
-              <a:buClr>
-                <a:srgbClr val="000000"/>
-              </a:buClr>
-              <a:buSzPct val="45000"/>
-              <a:buFont typeface="Wingdings" charset="2"/>
-              <a:buChar char=""/>
-            </a:pPr>
-            <a:r>
-              <a:rPr b="0" lang="en-US" sz="1800" spc="-1" strike="noStrike">
-                <a:latin typeface="Arial"/>
-              </a:rPr>
-              <a:t>Sixth Outline Level</a:t>
-            </a:r>
-            <a:endParaRPr b="0" lang="en-US" sz="1800" spc="-1" strike="noStrike">
-              <a:latin typeface="Arial"/>
-            </a:endParaRPr>
-          </a:p>
-          <a:p>
-            <a:pPr lvl="6" marL="3024000" indent="-216000">
-              <a:spcBef>
-                <a:spcPts val="283"/>
-              </a:spcBef>
-              <a:buClr>
-                <a:srgbClr val="000000"/>
-              </a:buClr>
-              <a:buSzPct val="45000"/>
-              <a:buFont typeface="Wingdings" charset="2"/>
-              <a:buChar char=""/>
-            </a:pPr>
-            <a:r>
-              <a:rPr b="0" lang="en-US" sz="1800" spc="-1" strike="noStrike">
-                <a:latin typeface="Arial"/>
-              </a:rPr>
-              <a:t>Seventh Outline Level</a:t>
-            </a:r>
-            <a:endParaRPr b="0" lang="en-US" sz="1800" spc="-1" strike="noStrike">
-              <a:latin typeface="Arial"/>
-            </a:endParaRPr>
-          </a:p>
-        </p:txBody>
-      </p:sp>
-      <p:sp>
-        <p:nvSpPr>
-          <p:cNvPr id="2" name="PlaceHolder 3"/>
-          <p:cNvSpPr>
-            <a:spLocks noGrp="1"/>
-          </p:cNvSpPr>
-          <p:nvPr>
             <p:ph type="ftr" idx="1"/>
           </p:nvPr>
         </p:nvSpPr>
         <p:spPr>
           <a:xfrm>
             <a:off x="4038480" y="6356520"/>
-            <a:ext cx="4113720" cy="363960"/>
+            <a:ext cx="4113360" cy="363600"/>
           </a:xfrm>
           <a:prstGeom prst="rect">
             <a:avLst/>
@@ -7088,7 +6866,7 @@
               <a:rPr b="0" lang="en-US" sz="1400" spc="-1" strike="noStrike">
                 <a:latin typeface="Times New Roman"/>
               </a:rPr>
-              <a:t>&lt;footer&gt;</a:t>
+              <a:t> </a:t>
             </a:r>
             <a:endParaRPr b="0" lang="en-US" sz="1400" spc="-1" strike="noStrike">
               <a:latin typeface="Times New Roman"/>
@@ -7098,7 +6876,7 @@
       </p:sp>
       <p:sp>
         <p:nvSpPr>
-          <p:cNvPr id="3" name="PlaceHolder 4"/>
+          <p:cNvPr id="1" name="PlaceHolder 2"/>
           <p:cNvSpPr>
             <a:spLocks noGrp="1"/>
           </p:cNvSpPr>
@@ -7109,7 +6887,7 @@
         <p:spPr>
           <a:xfrm>
             <a:off x="8610480" y="6356520"/>
-            <a:ext cx="2742120" cy="363960"/>
+            <a:ext cx="2741760" cy="363600"/>
           </a:xfrm>
           <a:prstGeom prst="rect">
             <a:avLst/>
@@ -7141,11 +6919,11 @@
               </a:lnSpc>
               <a:buNone/>
             </a:pPr>
-            <a:fld id="{934392AB-DC1C-4E3E-93FB-C51F1565DE30}" type="slidenum">
+            <a:fld id="{9402764F-1776-458A-AE38-7217E78CB35D}" type="slidenum">
               <a:rPr b="0" lang="en-US" sz="2400" spc="-1" strike="noStrike">
                 <a:latin typeface="Times New Roman"/>
               </a:rPr>
-              <a:t>&lt;number&gt;</a:t>
+              <a:t>7</a:t>
             </a:fld>
             <a:endParaRPr b="0" lang="en-US" sz="2400" spc="-1" strike="noStrike">
               <a:latin typeface="Times New Roman"/>
@@ -7155,7 +6933,7 @@
       </p:sp>
       <p:sp>
         <p:nvSpPr>
-          <p:cNvPr id="4" name="PlaceHolder 5"/>
+          <p:cNvPr id="2" name="PlaceHolder 3"/>
           <p:cNvSpPr>
             <a:spLocks noGrp="1"/>
           </p:cNvSpPr>
@@ -7166,7 +6944,7 @@
         <p:spPr>
           <a:xfrm>
             <a:off x="838080" y="6356520"/>
-            <a:ext cx="2742120" cy="363960"/>
+            <a:ext cx="2741760" cy="363600"/>
           </a:xfrm>
           <a:prstGeom prst="rect">
             <a:avLst/>
@@ -7192,10 +6970,248 @@
               <a:rPr b="0" lang="en-US" sz="1400" spc="-1" strike="noStrike">
                 <a:latin typeface="Times New Roman"/>
               </a:rPr>
-              <a:t>&lt;date/time&gt;</a:t>
+              <a:t> </a:t>
             </a:r>
             <a:endParaRPr b="0" lang="en-US" sz="1400" spc="-1" strike="noStrike">
               <a:latin typeface="Times New Roman"/>
+            </a:endParaRPr>
+          </a:p>
+        </p:txBody>
+      </p:sp>
+      <p:sp>
+        <p:nvSpPr>
+          <p:cNvPr id="3" name="PlaceHolder 4"/>
+          <p:cNvSpPr>
+            <a:spLocks noGrp="1"/>
+          </p:cNvSpPr>
+          <p:nvPr>
+            <p:ph type="title"/>
+          </p:nvPr>
+        </p:nvSpPr>
+        <p:spPr>
+          <a:xfrm>
+            <a:off x="609480" y="273600"/>
+            <a:ext cx="10972440" cy="1144800"/>
+          </a:xfrm>
+          <a:prstGeom prst="rect">
+            <a:avLst/>
+          </a:prstGeom>
+          <a:noFill/>
+          <a:ln w="0">
+            <a:noFill/>
+          </a:ln>
+        </p:spPr>
+        <p:txBody>
+          <a:bodyPr lIns="0" rIns="0" tIns="0" bIns="0" anchor="ctr">
+            <a:noAutofit/>
+          </a:bodyPr>
+          <a:p>
+            <a:pPr algn="ctr">
+              <a:buNone/>
+            </a:pPr>
+            <a:r>
+              <a:rPr b="0" lang="en-US" sz="4400" spc="-1" strike="noStrike">
+                <a:latin typeface="Arial"/>
+              </a:rPr>
+              <a:t>Click to edit </a:t>
+            </a:r>
+            <a:r>
+              <a:rPr b="0" lang="en-US" sz="4400" spc="-1" strike="noStrike">
+                <a:latin typeface="Arial"/>
+              </a:rPr>
+              <a:t>the title text </a:t>
+            </a:r>
+            <a:r>
+              <a:rPr b="0" lang="en-US" sz="4400" spc="-1" strike="noStrike">
+                <a:latin typeface="Arial"/>
+              </a:rPr>
+              <a:t>format</a:t>
+            </a:r>
+            <a:endParaRPr b="0" lang="en-US" sz="4400" spc="-1" strike="noStrike">
+              <a:latin typeface="Arial"/>
+            </a:endParaRPr>
+          </a:p>
+        </p:txBody>
+      </p:sp>
+      <p:sp>
+        <p:nvSpPr>
+          <p:cNvPr id="4" name="PlaceHolder 5"/>
+          <p:cNvSpPr>
+            <a:spLocks noGrp="1"/>
+          </p:cNvSpPr>
+          <p:nvPr>
+            <p:ph type="body"/>
+          </p:nvPr>
+        </p:nvSpPr>
+        <p:spPr>
+          <a:xfrm>
+            <a:off x="609480" y="1604520"/>
+            <a:ext cx="10972440" cy="3977280"/>
+          </a:xfrm>
+          <a:prstGeom prst="rect">
+            <a:avLst/>
+          </a:prstGeom>
+          <a:noFill/>
+          <a:ln w="0">
+            <a:noFill/>
+          </a:ln>
+        </p:spPr>
+        <p:txBody>
+          <a:bodyPr lIns="0" rIns="0" tIns="0" bIns="0" anchor="t">
+            <a:normAutofit/>
+          </a:bodyPr>
+          <a:p>
+            <a:pPr marL="432000" indent="-324000">
+              <a:spcBef>
+                <a:spcPts val="1417"/>
+              </a:spcBef>
+              <a:buClr>
+                <a:srgbClr val="000000"/>
+              </a:buClr>
+              <a:buSzPct val="45000"/>
+              <a:buFont typeface="Wingdings" charset="2"/>
+              <a:buChar char=""/>
+            </a:pPr>
+            <a:r>
+              <a:rPr b="0" lang="en-US" sz="3200" spc="-1" strike="noStrike">
+                <a:latin typeface="Arial"/>
+              </a:rPr>
+              <a:t>Click to edit the outline text format</a:t>
+            </a:r>
+            <a:endParaRPr b="0" lang="en-US" sz="3200" spc="-1" strike="noStrike">
+              <a:latin typeface="Arial"/>
+            </a:endParaRPr>
+          </a:p>
+          <a:p>
+            <a:pPr lvl="1" marL="864000" indent="-324000">
+              <a:spcBef>
+                <a:spcPts val="1134"/>
+              </a:spcBef>
+              <a:buClr>
+                <a:srgbClr val="000000"/>
+              </a:buClr>
+              <a:buSzPct val="75000"/>
+              <a:buFont typeface="Symbol" charset="2"/>
+              <a:buChar char=""/>
+            </a:pPr>
+            <a:r>
+              <a:rPr b="0" lang="en-US" sz="2800" spc="-1" strike="noStrike">
+                <a:latin typeface="Arial"/>
+              </a:rPr>
+              <a:t>Second Outline Level</a:t>
+            </a:r>
+            <a:endParaRPr b="0" lang="en-US" sz="2800" spc="-1" strike="noStrike">
+              <a:latin typeface="Arial"/>
+            </a:endParaRPr>
+          </a:p>
+          <a:p>
+            <a:pPr lvl="2" marL="1296000" indent="-288000">
+              <a:spcBef>
+                <a:spcPts val="850"/>
+              </a:spcBef>
+              <a:buClr>
+                <a:srgbClr val="000000"/>
+              </a:buClr>
+              <a:buSzPct val="45000"/>
+              <a:buFont typeface="Wingdings" charset="2"/>
+              <a:buChar char=""/>
+            </a:pPr>
+            <a:r>
+              <a:rPr b="0" lang="en-US" sz="2400" spc="-1" strike="noStrike">
+                <a:latin typeface="Arial"/>
+              </a:rPr>
+              <a:t>Third Outline Level</a:t>
+            </a:r>
+            <a:endParaRPr b="0" lang="en-US" sz="2400" spc="-1" strike="noStrike">
+              <a:latin typeface="Arial"/>
+            </a:endParaRPr>
+          </a:p>
+          <a:p>
+            <a:pPr lvl="3" marL="1728000" indent="-216000">
+              <a:spcBef>
+                <a:spcPts val="567"/>
+              </a:spcBef>
+              <a:buClr>
+                <a:srgbClr val="000000"/>
+              </a:buClr>
+              <a:buSzPct val="75000"/>
+              <a:buFont typeface="Symbol" charset="2"/>
+              <a:buChar char=""/>
+            </a:pPr>
+            <a:r>
+              <a:rPr b="0" lang="en-US" sz="2000" spc="-1" strike="noStrike">
+                <a:latin typeface="Arial"/>
+              </a:rPr>
+              <a:t>Fourth Outline Level</a:t>
+            </a:r>
+            <a:endParaRPr b="0" lang="en-US" sz="2000" spc="-1" strike="noStrike">
+              <a:latin typeface="Arial"/>
+            </a:endParaRPr>
+          </a:p>
+          <a:p>
+            <a:pPr lvl="4" marL="2160000" indent="-216000">
+              <a:spcBef>
+                <a:spcPts val="283"/>
+              </a:spcBef>
+              <a:buClr>
+                <a:srgbClr val="000000"/>
+              </a:buClr>
+              <a:buSzPct val="45000"/>
+              <a:buFont typeface="Wingdings" charset="2"/>
+              <a:buChar char=""/>
+            </a:pPr>
+            <a:r>
+              <a:rPr b="0" lang="en-US" sz="2000" spc="-1" strike="noStrike">
+                <a:latin typeface="Arial"/>
+              </a:rPr>
+              <a:t>Fifth Outline Level</a:t>
+            </a:r>
+            <a:endParaRPr b="0" lang="en-US" sz="2000" spc="-1" strike="noStrike">
+              <a:latin typeface="Arial"/>
+            </a:endParaRPr>
+          </a:p>
+          <a:p>
+            <a:pPr lvl="5" marL="2592000" indent="-216000">
+              <a:spcBef>
+                <a:spcPts val="283"/>
+              </a:spcBef>
+              <a:buClr>
+                <a:srgbClr val="000000"/>
+              </a:buClr>
+              <a:buSzPct val="45000"/>
+              <a:buFont typeface="Wingdings" charset="2"/>
+              <a:buChar char=""/>
+            </a:pPr>
+            <a:r>
+              <a:rPr b="0" lang="en-US" sz="2000" spc="-1" strike="noStrike">
+                <a:latin typeface="Arial"/>
+              </a:rPr>
+              <a:t>Sixth Outline Level</a:t>
+            </a:r>
+            <a:endParaRPr b="0" lang="en-US" sz="2000" spc="-1" strike="noStrike">
+              <a:latin typeface="Arial"/>
+            </a:endParaRPr>
+          </a:p>
+          <a:p>
+            <a:pPr lvl="6" marL="3024000" indent="-216000">
+              <a:spcBef>
+                <a:spcPts val="283"/>
+              </a:spcBef>
+              <a:buClr>
+                <a:srgbClr val="000000"/>
+              </a:buClr>
+              <a:buSzPct val="45000"/>
+              <a:buFont typeface="Wingdings" charset="2"/>
+              <a:buChar char=""/>
+            </a:pPr>
+            <a:r>
+              <a:rPr b="0" lang="en-US" sz="2000" spc="-1" strike="noStrike">
+                <a:latin typeface="Arial"/>
+              </a:rPr>
+              <a:t>Seventh Outline Level</a:t>
+            </a:r>
+            <a:endParaRPr b="0" lang="en-US" sz="2000" spc="-1" strike="noStrike">
+              <a:latin typeface="Arial"/>
             </a:endParaRPr>
           </a:p>
         </p:txBody>
@@ -7297,7 +7313,7 @@
         <p:spPr>
           <a:xfrm>
             <a:off x="4038480" y="6356520"/>
-            <a:ext cx="4113720" cy="363960"/>
+            <a:ext cx="4113360" cy="363600"/>
           </a:xfrm>
           <a:prstGeom prst="rect">
             <a:avLst/>
@@ -7354,7 +7370,7 @@
         <p:spPr>
           <a:xfrm>
             <a:off x="8610480" y="6356520"/>
-            <a:ext cx="2742120" cy="363960"/>
+            <a:ext cx="2741760" cy="363600"/>
           </a:xfrm>
           <a:prstGeom prst="rect">
             <a:avLst/>
@@ -7386,7 +7402,7 @@
               </a:lnSpc>
               <a:buNone/>
             </a:pPr>
-            <a:fld id="{CCEE4AD7-434A-4EB7-B26D-8FFC15164E6C}" type="slidenum">
+            <a:fld id="{D16520B3-8EB2-4B03-9DB8-3AA4F91959D2}" type="slidenum">
               <a:rPr b="0" lang="en-US" sz="2400" spc="-1" strike="noStrike">
                 <a:latin typeface="Times New Roman"/>
               </a:rPr>
@@ -7411,7 +7427,7 @@
         <p:spPr>
           <a:xfrm>
             <a:off x="838080" y="6356520"/>
-            <a:ext cx="2742120" cy="363960"/>
+            <a:ext cx="2741760" cy="363600"/>
           </a:xfrm>
           <a:prstGeom prst="rect">
             <a:avLst/>
@@ -7685,7 +7701,7 @@
         <p:spPr>
           <a:xfrm>
             <a:off x="4038480" y="6356520"/>
-            <a:ext cx="4113720" cy="363960"/>
+            <a:ext cx="4113360" cy="363600"/>
           </a:xfrm>
           <a:prstGeom prst="rect">
             <a:avLst/>
@@ -7742,7 +7758,7 @@
         <p:spPr>
           <a:xfrm>
             <a:off x="8610480" y="6356520"/>
-            <a:ext cx="2742120" cy="363960"/>
+            <a:ext cx="2741760" cy="363600"/>
           </a:xfrm>
           <a:prstGeom prst="rect">
             <a:avLst/>
@@ -7774,7 +7790,7 @@
               </a:lnSpc>
               <a:buNone/>
             </a:pPr>
-            <a:fld id="{CB4EF108-77C1-4F6B-8FED-F16898574357}" type="slidenum">
+            <a:fld id="{AA375B34-D9B8-4A0D-815C-3E3A1529F21A}" type="slidenum">
               <a:rPr b="0" lang="en-US" sz="2400" spc="-1" strike="noStrike">
                 <a:latin typeface="Times New Roman"/>
               </a:rPr>
@@ -7799,7 +7815,7 @@
         <p:spPr>
           <a:xfrm>
             <a:off x="838080" y="6356520"/>
-            <a:ext cx="2742120" cy="363960"/>
+            <a:ext cx="2741760" cy="363600"/>
           </a:xfrm>
           <a:prstGeom prst="rect">
             <a:avLst/>
@@ -8121,7 +8137,7 @@
         <p:spPr>
           <a:xfrm>
             <a:off x="3171960" y="821160"/>
-            <a:ext cx="8437320" cy="1710360"/>
+            <a:ext cx="8436960" cy="1710000"/>
           </a:xfrm>
           <a:prstGeom prst="rect">
             <a:avLst/>
@@ -8191,7 +8207,7 @@
         <p:spPr>
           <a:xfrm>
             <a:off x="581760" y="5360760"/>
-            <a:ext cx="11026800" cy="884880"/>
+            <a:ext cx="11026440" cy="884520"/>
           </a:xfrm>
           <a:prstGeom prst="rect">
             <a:avLst/>
@@ -8264,7 +8280,7 @@
         <p:spPr>
           <a:xfrm>
             <a:off x="8610480" y="6356520"/>
-            <a:ext cx="2742120" cy="363960"/>
+            <a:ext cx="2741760" cy="363600"/>
           </a:xfrm>
           <a:prstGeom prst="rect">
             <a:avLst/>
@@ -8321,7 +8337,7 @@
         <p:spPr>
           <a:xfrm>
             <a:off x="19080" y="457200"/>
-            <a:ext cx="3356640" cy="3356640"/>
+            <a:ext cx="3356280" cy="3356280"/>
           </a:xfrm>
           <a:prstGeom prst="rect">
             <a:avLst/>
@@ -8363,14 +8379,14 @@
       </p:grpSpPr>
       <p:sp>
         <p:nvSpPr>
-          <p:cNvPr id="163" name="Titre 2"/>
+          <p:cNvPr id="167" name="Titre 1"/>
           <p:cNvSpPr/>
           <p:nvPr/>
         </p:nvSpPr>
         <p:spPr>
           <a:xfrm>
             <a:off x="838080" y="365040"/>
-            <a:ext cx="10514520" cy="761400"/>
+            <a:ext cx="10514160" cy="761040"/>
           </a:xfrm>
           <a:prstGeom prst="rect">
             <a:avLst/>
@@ -8405,30 +8421,8 @@
                 <a:latin typeface="Verdana Pro Black"/>
                 <a:ea typeface="Verdana"/>
               </a:rPr>
-              <a:t>Step 5: Avoid Overfitting</a:t>
-            </a:r>
-            <a:endParaRPr b="0" lang="en-US" sz="3600" spc="-1" strike="noStrike">
-              <a:latin typeface="Arial"/>
-            </a:endParaRPr>
-          </a:p>
-          <a:p>
-            <a:pPr>
-              <a:lnSpc>
-                <a:spcPct val="90000"/>
-              </a:lnSpc>
-              <a:buNone/>
-            </a:pPr>
-            <a:endParaRPr b="0" lang="en-US" sz="3600" spc="-1" strike="noStrike">
-              <a:latin typeface="Arial"/>
-            </a:endParaRPr>
-          </a:p>
-          <a:p>
-            <a:pPr>
-              <a:lnSpc>
-                <a:spcPct val="90000"/>
-              </a:lnSpc>
-              <a:buNone/>
-            </a:pPr>
+              <a:t>Step 4: Apply your model</a:t>
+            </a:r>
             <a:endParaRPr b="0" lang="en-US" sz="3600" spc="-1" strike="noStrike">
               <a:latin typeface="Arial"/>
             </a:endParaRPr>
@@ -8437,12 +8431,12 @@
       </p:sp>
       <p:graphicFrame>
         <p:nvGraphicFramePr>
-          <p:cNvPr id="164" name=""/>
+          <p:cNvPr id="168" name=""/>
           <p:cNvGraphicFramePr/>
           <p:nvPr/>
         </p:nvGraphicFramePr>
         <p:xfrm>
-          <a:off x="1767600" y="2048760"/>
+          <a:off x="1371600" y="1292760"/>
           <a:ext cx="8457840" cy="4319280"/>
         </p:xfrm>
         <a:graphic>
@@ -8455,6 +8449,32 @@
               </a:tblGrid>
               <a:tr h="719640">
                 <a:tc>
+                  <a:txBody>
+                    <a:bodyPr anchor="t">
+                      <a:noAutofit/>
+                    </a:bodyPr>
+                    <a:p>
+                      <a:pPr algn="ctr">
+                        <a:lnSpc>
+                          <a:spcPct val="100000"/>
+                        </a:lnSpc>
+                        <a:buNone/>
+                      </a:pPr>
+                      <a:r>
+                        <a:rPr b="1" lang="fr-BE" sz="2000" spc="-1" strike="noStrike">
+                          <a:solidFill>
+                            <a:srgbClr val="ffffff"/>
+                          </a:solidFill>
+                          <a:latin typeface="Verdana"/>
+                          <a:ea typeface="Verdana"/>
+                        </a:rPr>
+                        <a:t>Model</a:t>
+                      </a:r>
+                      <a:endParaRPr b="0" lang="en-US" sz="2000" spc="-1" strike="noStrike">
+                        <a:latin typeface="Arial"/>
+                      </a:endParaRPr>
+                    </a:p>
+                  </a:txBody>
                   <a:tcPr anchor="t" marL="91440" marR="91440">
                     <a:lnL w="12240">
                       <a:solidFill>
@@ -8501,10 +8521,10 @@
                           <a:latin typeface="Verdana"/>
                           <a:ea typeface="Verdana"/>
                         </a:rPr>
-                        <a:t>ROC_AUC</a:t>
+                        <a:t>Accuracy Score</a:t>
                       </a:r>
                       <a:endParaRPr b="0" lang="en-US" sz="2000" spc="-1" strike="noStrike">
-                        <a:latin typeface="Times New Roman"/>
+                        <a:latin typeface="Arial"/>
                       </a:endParaRPr>
                     </a:p>
                   </a:txBody>
@@ -8543,16 +8563,26 @@
                     </a:bodyPr>
                     <a:p>
                       <a:pPr algn="ctr">
+                        <a:lnSpc>
+                          <a:spcPct val="100000"/>
+                        </a:lnSpc>
                         <a:buNone/>
+                        <a:tabLst>
+                          <a:tab algn="l" pos="0"/>
+                        </a:tabLst>
                       </a:pPr>
                       <a:r>
-                        <a:rPr b="0" lang="en-US" sz="2400" spc="-1" strike="noStrike">
-                          <a:latin typeface="Times New Roman"/>
+                        <a:rPr b="0" lang="fr-BE" sz="2000" spc="-1" strike="noStrike">
+                          <a:solidFill>
+                            <a:srgbClr val="000000"/>
+                          </a:solidFill>
+                          <a:latin typeface="Verdana"/>
+                          <a:ea typeface="Verdana"/>
                         </a:rPr>
-                        <a:t>Train set</a:t>
+                        <a:t>Ensemble</a:t>
                       </a:r>
-                      <a:endParaRPr b="0" lang="en-US" sz="2400" spc="-1" strike="noStrike">
-                        <a:latin typeface="Times New Roman"/>
+                      <a:endParaRPr b="0" lang="en-US" sz="2000" spc="-1" strike="noStrike">
+                        <a:latin typeface="Arial"/>
                       </a:endParaRPr>
                     </a:p>
                   </a:txBody>
@@ -8589,16 +8619,23 @@
                     </a:bodyPr>
                     <a:p>
                       <a:pPr algn="ctr">
+                        <a:lnSpc>
+                          <a:spcPct val="100000"/>
+                        </a:lnSpc>
                         <a:buNone/>
                       </a:pPr>
                       <a:r>
-                        <a:rPr b="0" lang="en-US" sz="2400" spc="-1" strike="noStrike">
-                          <a:latin typeface="Times New Roman"/>
+                        <a:rPr b="0" lang="fr-BE" sz="2000" spc="-1" strike="noStrike">
+                          <a:solidFill>
+                            <a:srgbClr val="000000"/>
+                          </a:solidFill>
+                          <a:latin typeface="Verdana"/>
+                          <a:ea typeface="Verdana"/>
                         </a:rPr>
-                        <a:t>0.9211</a:t>
+                        <a:t>0.7356</a:t>
                       </a:r>
-                      <a:endParaRPr b="0" lang="en-US" sz="2400" spc="-1" strike="noStrike">
-                        <a:latin typeface="Times New Roman"/>
+                      <a:endParaRPr b="0" lang="en-US" sz="2000" spc="-1" strike="noStrike">
+                        <a:latin typeface="Arial"/>
                       </a:endParaRPr>
                     </a:p>
                   </a:txBody>
@@ -8637,16 +8674,26 @@
                     </a:bodyPr>
                     <a:p>
                       <a:pPr algn="ctr">
+                        <a:lnSpc>
+                          <a:spcPct val="100000"/>
+                        </a:lnSpc>
                         <a:buNone/>
+                        <a:tabLst>
+                          <a:tab algn="l" pos="0"/>
+                        </a:tabLst>
                       </a:pPr>
                       <a:r>
-                        <a:rPr b="0" lang="en-US" sz="2400" spc="-1" strike="noStrike">
-                          <a:latin typeface="Times New Roman"/>
+                        <a:rPr b="0" lang="fr-BE" sz="2000" spc="-1" strike="noStrike">
+                          <a:solidFill>
+                            <a:srgbClr val="000000"/>
+                          </a:solidFill>
+                          <a:latin typeface="Verdana"/>
+                          <a:ea typeface="Verdana"/>
                         </a:rPr>
-                        <a:t>Validation set</a:t>
+                        <a:t>Random Forest</a:t>
                       </a:r>
-                      <a:endParaRPr b="0" lang="en-US" sz="2400" spc="-1" strike="noStrike">
-                        <a:latin typeface="Times New Roman"/>
+                      <a:endParaRPr b="0" lang="en-US" sz="2000" spc="-1" strike="noStrike">
+                        <a:latin typeface="Arial"/>
                       </a:endParaRPr>
                     </a:p>
                   </a:txBody>
@@ -8683,75 +8730,26 @@
                     </a:bodyPr>
                     <a:p>
                       <a:pPr algn="ctr">
+                        <a:lnSpc>
+                          <a:spcPct val="100000"/>
+                        </a:lnSpc>
                         <a:buNone/>
                       </a:pPr>
                       <a:r>
-                        <a:rPr b="0" lang="en-US" sz="2400" spc="-1" strike="noStrike">
-                          <a:latin typeface="Times New Roman"/>
+                        <a:rPr b="0" lang="fr-BE" sz="2000" spc="-1" strike="noStrike">
+                          <a:solidFill>
+                            <a:srgbClr val="000000"/>
+                          </a:solidFill>
+                          <a:latin typeface="Verdana"/>
+                          <a:ea typeface="Verdana"/>
                         </a:rPr>
-                        <a:t>0.8364</a:t>
+                        <a:t>0.6957</a:t>
                       </a:r>
-                      <a:endParaRPr b="0" lang="en-US" sz="2400" spc="-1" strike="noStrike">
-                        <a:latin typeface="Times New Roman"/>
+                      <a:endParaRPr b="0" lang="en-US" sz="2000" spc="-1" strike="noStrike">
+                        <a:latin typeface="Arial"/>
                       </a:endParaRPr>
                     </a:p>
                   </a:txBody>
-                  <a:tcPr anchor="t" marL="91440" marR="91440">
-                    <a:lnL w="12240">
-                      <a:solidFill>
-                        <a:srgbClr val="ffffff"/>
-                      </a:solidFill>
-                    </a:lnL>
-                    <a:lnR w="12240">
-                      <a:solidFill>
-                        <a:srgbClr val="ffffff"/>
-                      </a:solidFill>
-                    </a:lnR>
-                    <a:lnT w="12240">
-                      <a:solidFill>
-                        <a:srgbClr val="ffffff"/>
-                      </a:solidFill>
-                    </a:lnT>
-                    <a:lnB w="12240">
-                      <a:solidFill>
-                        <a:srgbClr val="ffffff"/>
-                      </a:solidFill>
-                    </a:lnB>
-                    <a:solidFill>
-                      <a:srgbClr val="cfd5e9"/>
-                    </a:solidFill>
-                  </a:tcPr>
-                </a:tc>
-              </a:tr>
-              <a:tr h="719640">
-                <a:tc>
-                  <a:tcPr anchor="t" marL="91440" marR="91440">
-                    <a:lnL w="12240">
-                      <a:solidFill>
-                        <a:srgbClr val="ffffff"/>
-                      </a:solidFill>
-                    </a:lnL>
-                    <a:lnR w="12240">
-                      <a:solidFill>
-                        <a:srgbClr val="ffffff"/>
-                      </a:solidFill>
-                    </a:lnR>
-                    <a:lnT w="12240">
-                      <a:solidFill>
-                        <a:srgbClr val="ffffff"/>
-                      </a:solidFill>
-                    </a:lnT>
-                    <a:lnB w="12240">
-                      <a:solidFill>
-                        <a:srgbClr val="ffffff"/>
-                      </a:solidFill>
-                    </a:lnB>
-                    <a:solidFill>
-                      <a:srgbClr val="cfd5e9"/>
-                    </a:solidFill>
-                  </a:tcPr>
-                </a:tc>
-                <a:tc>
                   <a:tcPr anchor="t" marL="91440" marR="91440">
                     <a:lnL w="12240">
                       <a:solidFill>
@@ -8787,16 +8785,26 @@
                     </a:bodyPr>
                     <a:p>
                       <a:pPr algn="ctr">
+                        <a:lnSpc>
+                          <a:spcPct val="100000"/>
+                        </a:lnSpc>
                         <a:buNone/>
+                        <a:tabLst>
+                          <a:tab algn="l" pos="0"/>
+                        </a:tabLst>
                       </a:pPr>
                       <a:r>
-                        <a:rPr b="0" lang="en-US" sz="2400" spc="-1" strike="noStrike">
-                          <a:latin typeface="Times New Roman"/>
+                        <a:rPr b="0" lang="fr-BE" sz="2000" spc="-1" strike="noStrike">
+                          <a:solidFill>
+                            <a:srgbClr val="000000"/>
+                          </a:solidFill>
+                          <a:latin typeface="Verdana"/>
+                          <a:ea typeface="Verdana"/>
                         </a:rPr>
-                        <a:t>Train set</a:t>
+                        <a:t>AdaBoosting</a:t>
                       </a:r>
-                      <a:endParaRPr b="0" lang="en-US" sz="2400" spc="-1" strike="noStrike">
-                        <a:latin typeface="Times New Roman"/>
+                      <a:endParaRPr b="0" lang="en-US" sz="2000" spc="-1" strike="noStrike">
+                        <a:latin typeface="Arial"/>
                       </a:endParaRPr>
                     </a:p>
                   </a:txBody>
@@ -8833,16 +8841,133 @@
                     </a:bodyPr>
                     <a:p>
                       <a:pPr algn="ctr">
+                        <a:lnSpc>
+                          <a:spcPct val="100000"/>
+                        </a:lnSpc>
                         <a:buNone/>
                       </a:pPr>
                       <a:r>
-                        <a:rPr b="0" lang="en-US" sz="2400" spc="-1" strike="noStrike">
-                          <a:latin typeface="Times New Roman"/>
+                        <a:rPr b="0" lang="fr-BE" sz="2000" spc="-1" strike="noStrike">
+                          <a:solidFill>
+                            <a:srgbClr val="000000"/>
+                          </a:solidFill>
+                          <a:latin typeface="Verdana"/>
+                          <a:ea typeface="Verdana"/>
                         </a:rPr>
-                        <a:t>0.8604</a:t>
+                        <a:t>0.7304</a:t>
                       </a:r>
-                      <a:endParaRPr b="0" lang="en-US" sz="2400" spc="-1" strike="noStrike">
-                        <a:latin typeface="Times New Roman"/>
+                      <a:endParaRPr b="0" lang="en-US" sz="2000" spc="-1" strike="noStrike">
+                        <a:latin typeface="Arial"/>
+                      </a:endParaRPr>
+                    </a:p>
+                  </a:txBody>
+                  <a:tcPr anchor="t" marL="91440" marR="91440">
+                    <a:lnL w="12240">
+                      <a:solidFill>
+                        <a:srgbClr val="ffffff"/>
+                      </a:solidFill>
+                    </a:lnL>
+                    <a:lnR w="12240">
+                      <a:solidFill>
+                        <a:srgbClr val="ffffff"/>
+                      </a:solidFill>
+                    </a:lnR>
+                    <a:lnT w="12240">
+                      <a:solidFill>
+                        <a:srgbClr val="ffffff"/>
+                      </a:solidFill>
+                    </a:lnT>
+                    <a:lnB w="12240">
+                      <a:solidFill>
+                        <a:srgbClr val="ffffff"/>
+                      </a:solidFill>
+                    </a:lnB>
+                    <a:solidFill>
+                      <a:srgbClr val="cfd5e9"/>
+                    </a:solidFill>
+                  </a:tcPr>
+                </a:tc>
+              </a:tr>
+              <a:tr h="719640">
+                <a:tc>
+                  <a:txBody>
+                    <a:bodyPr anchor="t">
+                      <a:noAutofit/>
+                    </a:bodyPr>
+                    <a:p>
+                      <a:pPr algn="ctr">
+                        <a:lnSpc>
+                          <a:spcPct val="100000"/>
+                        </a:lnSpc>
+                        <a:buNone/>
+                        <a:tabLst>
+                          <a:tab algn="l" pos="0"/>
+                        </a:tabLst>
+                      </a:pPr>
+                      <a:r>
+                        <a:rPr b="0" lang="fr-BE" sz="2000" spc="-1" strike="noStrike">
+                          <a:solidFill>
+                            <a:srgbClr val="000000"/>
+                          </a:solidFill>
+                          <a:latin typeface="Verdana"/>
+                        </a:rPr>
+                        <a:t>Stochastic GradientBoosting</a:t>
+                      </a:r>
+                      <a:endParaRPr b="0" lang="en-US" sz="2000" spc="-1" strike="noStrike">
+                        <a:latin typeface="Arial"/>
+                      </a:endParaRPr>
+                    </a:p>
+                  </a:txBody>
+                  <a:tcPr anchor="t" marL="91440" marR="91440">
+                    <a:lnL w="12240">
+                      <a:solidFill>
+                        <a:srgbClr val="ffffff"/>
+                      </a:solidFill>
+                    </a:lnL>
+                    <a:lnR w="12240">
+                      <a:solidFill>
+                        <a:srgbClr val="ffffff"/>
+                      </a:solidFill>
+                    </a:lnR>
+                    <a:lnT w="12240">
+                      <a:solidFill>
+                        <a:srgbClr val="ffffff"/>
+                      </a:solidFill>
+                    </a:lnT>
+                    <a:lnB w="12240">
+                      <a:solidFill>
+                        <a:srgbClr val="ffffff"/>
+                      </a:solidFill>
+                    </a:lnB>
+                    <a:solidFill>
+                      <a:srgbClr val="cfd5e9"/>
+                    </a:solidFill>
+                  </a:tcPr>
+                </a:tc>
+                <a:tc>
+                  <a:txBody>
+                    <a:bodyPr anchor="t">
+                      <a:noAutofit/>
+                    </a:bodyPr>
+                    <a:p>
+                      <a:pPr algn="ctr">
+                        <a:lnSpc>
+                          <a:spcPct val="100000"/>
+                        </a:lnSpc>
+                        <a:buNone/>
+                      </a:pPr>
+                      <a:r>
+                        <a:rPr b="0" lang="fr-BE" sz="2000" spc="-1" strike="noStrike">
+                          <a:solidFill>
+                            <a:srgbClr val="000000"/>
+                          </a:solidFill>
+                          <a:latin typeface="Verdana"/>
+                          <a:ea typeface="Verdana"/>
+                        </a:rPr>
+                        <a:t>0.7750</a:t>
+                      </a:r>
+                      <a:endParaRPr b="0" lang="en-US" sz="2000" spc="-1" strike="noStrike">
+                        <a:latin typeface="Arial"/>
                       </a:endParaRPr>
                     </a:p>
                   </a:txBody>
@@ -8881,16 +9006,25 @@
                     </a:bodyPr>
                     <a:p>
                       <a:pPr algn="ctr">
+                        <a:lnSpc>
+                          <a:spcPct val="100000"/>
+                        </a:lnSpc>
                         <a:buNone/>
+                        <a:tabLst>
+                          <a:tab algn="l" pos="0"/>
+                        </a:tabLst>
                       </a:pPr>
                       <a:r>
-                        <a:rPr b="0" lang="en-US" sz="2400" spc="-1" strike="noStrike">
-                          <a:latin typeface="Times New Roman"/>
+                        <a:rPr b="0" lang="fr-BE" sz="2000" spc="-1" strike="noStrike">
+                          <a:solidFill>
+                            <a:srgbClr val="000000"/>
+                          </a:solidFill>
+                          <a:latin typeface="Verdana"/>
                         </a:rPr>
-                        <a:t>Validation set</a:t>
+                        <a:t>Multi-layer Perception</a:t>
                       </a:r>
-                      <a:endParaRPr b="0" lang="en-US" sz="2400" spc="-1" strike="noStrike">
-                        <a:latin typeface="Times New Roman"/>
+                      <a:endParaRPr b="0" lang="en-US" sz="2000" spc="-1" strike="noStrike">
+                        <a:latin typeface="Arial"/>
                       </a:endParaRPr>
                     </a:p>
                   </a:txBody>
@@ -8927,16 +9061,23 @@
                     </a:bodyPr>
                     <a:p>
                       <a:pPr algn="ctr">
+                        <a:lnSpc>
+                          <a:spcPct val="100000"/>
+                        </a:lnSpc>
                         <a:buNone/>
                       </a:pPr>
                       <a:r>
-                        <a:rPr b="0" lang="en-US" sz="2400" spc="-1" strike="noStrike">
-                          <a:latin typeface="Times New Roman"/>
+                        <a:rPr b="0" lang="fr-BE" sz="2000" spc="-1" strike="noStrike">
+                          <a:solidFill>
+                            <a:srgbClr val="000000"/>
+                          </a:solidFill>
+                          <a:latin typeface="Verdana"/>
+                          <a:ea typeface="Verdana"/>
                         </a:rPr>
-                        <a:t>0.8364</a:t>
+                        <a:t>0.7394</a:t>
                       </a:r>
-                      <a:endParaRPr b="0" lang="en-US" sz="2400" spc="-1" strike="noStrike">
-                        <a:latin typeface="Times New Roman"/>
+                      <a:endParaRPr b="0" lang="en-US" sz="2000" spc="-1" strike="noStrike">
+                        <a:latin typeface="Arial"/>
                       </a:endParaRPr>
                     </a:p>
                   </a:txBody>
@@ -8973,70 +9114,6 @@
       </p:graphicFrame>
       <p:sp>
         <p:nvSpPr>
-          <p:cNvPr id="165" name="Rectangle : coins arrondis 2"/>
-          <p:cNvSpPr/>
-          <p:nvPr/>
-        </p:nvSpPr>
-        <p:spPr>
-          <a:xfrm>
-            <a:off x="838080" y="1237680"/>
-            <a:ext cx="10514520" cy="591120"/>
-          </a:xfrm>
-          <a:prstGeom prst="roundRect">
-            <a:avLst>
-              <a:gd name="adj" fmla="val 16667"/>
-            </a:avLst>
-          </a:prstGeom>
-          <a:noFill/>
-          <a:ln>
-            <a:solidFill>
-              <a:srgbClr val="325490"/>
-            </a:solidFill>
-          </a:ln>
-        </p:spPr>
-        <p:style>
-          <a:lnRef idx="2">
-            <a:schemeClr val="accent1">
-              <a:shade val="50000"/>
-            </a:schemeClr>
-          </a:lnRef>
-          <a:fillRef idx="1">
-            <a:schemeClr val="accent1"/>
-          </a:fillRef>
-          <a:effectRef idx="0">
-            <a:schemeClr val="accent1"/>
-          </a:effectRef>
-          <a:fontRef idx="minor"/>
-        </p:style>
-        <p:txBody>
-          <a:bodyPr lIns="90000" rIns="90000" tIns="45000" bIns="45000" anchor="ctr">
-            <a:noAutofit/>
-          </a:bodyPr>
-          <a:p>
-            <a:pPr algn="ctr">
-              <a:lnSpc>
-                <a:spcPct val="100000"/>
-              </a:lnSpc>
-              <a:buNone/>
-            </a:pPr>
-            <a:r>
-              <a:rPr b="0" lang="en-US" sz="3200" spc="-1" strike="noStrike">
-                <a:solidFill>
-                  <a:srgbClr val="000000"/>
-                </a:solidFill>
-                <a:latin typeface="Verdana Pro Black"/>
-                <a:ea typeface="Verdana"/>
-              </a:rPr>
-              <a:t>Check ROC_AUC value to make sure no overfitting</a:t>
-            </a:r>
-            <a:endParaRPr b="0" lang="en-US" sz="3200" spc="-1" strike="noStrike">
-              <a:latin typeface="Arial"/>
-            </a:endParaRPr>
-          </a:p>
-        </p:txBody>
-      </p:sp>
-      <p:sp>
-        <p:nvSpPr>
           <p:cNvPr id="2" name="PlaceHolder 1"/>
           <p:cNvSpPr>
             <a:spLocks noGrp="1"/>
@@ -9049,7 +9126,7 @@
         <p:txBody>
           <a:bodyPr/>
           <a:p>
-            <a:fld id="{1EAB80A6-305D-48B1-A9AF-8C82E658BABD}" type="slidenum">
+            <a:fld id="{90F240B6-D098-4537-A09A-451E93F26AF2}" type="slidenum">
               <a:t>10</a:t>
             </a:fld>
           </a:p>
@@ -9087,14 +9164,762 @@
       </p:grpSpPr>
       <p:sp>
         <p:nvSpPr>
-          <p:cNvPr id="166" name="Titre 1"/>
+          <p:cNvPr id="169" name="Titre 2"/>
           <p:cNvSpPr/>
           <p:nvPr/>
         </p:nvSpPr>
         <p:spPr>
           <a:xfrm>
             <a:off x="838080" y="365040"/>
-            <a:ext cx="10514520" cy="761400"/>
+            <a:ext cx="10514160" cy="761040"/>
+          </a:xfrm>
+          <a:prstGeom prst="rect">
+            <a:avLst/>
+          </a:prstGeom>
+          <a:noFill/>
+          <a:ln w="0">
+            <a:noFill/>
+          </a:ln>
+        </p:spPr>
+        <p:style>
+          <a:lnRef idx="0"/>
+          <a:fillRef idx="0"/>
+          <a:effectRef idx="0"/>
+          <a:fontRef idx="minor"/>
+        </p:style>
+        <p:txBody>
+          <a:bodyPr lIns="90000" rIns="90000" tIns="45000" bIns="45000" anchor="t">
+            <a:normAutofit/>
+          </a:bodyPr>
+          <a:p>
+            <a:pPr>
+              <a:lnSpc>
+                <a:spcPct val="90000"/>
+              </a:lnSpc>
+              <a:buNone/>
+            </a:pPr>
+            <a:r>
+              <a:rPr b="1" lang="en-US" sz="3600" spc="-1" strike="noStrike">
+                <a:solidFill>
+                  <a:srgbClr val="000000"/>
+                </a:solidFill>
+                <a:latin typeface="Verdana Pro Black"/>
+                <a:ea typeface="Verdana"/>
+              </a:rPr>
+              <a:t>Step 5: Avoid Overfitting</a:t>
+            </a:r>
+            <a:endParaRPr b="0" lang="en-US" sz="3600" spc="-1" strike="noStrike">
+              <a:latin typeface="Arial"/>
+            </a:endParaRPr>
+          </a:p>
+          <a:p>
+            <a:pPr>
+              <a:lnSpc>
+                <a:spcPct val="90000"/>
+              </a:lnSpc>
+              <a:buNone/>
+            </a:pPr>
+            <a:endParaRPr b="0" lang="en-US" sz="3600" spc="-1" strike="noStrike">
+              <a:latin typeface="Arial"/>
+            </a:endParaRPr>
+          </a:p>
+          <a:p>
+            <a:pPr>
+              <a:lnSpc>
+                <a:spcPct val="90000"/>
+              </a:lnSpc>
+              <a:buNone/>
+            </a:pPr>
+            <a:endParaRPr b="0" lang="en-US" sz="3600" spc="-1" strike="noStrike">
+              <a:latin typeface="Arial"/>
+            </a:endParaRPr>
+          </a:p>
+        </p:txBody>
+      </p:sp>
+      <p:graphicFrame>
+        <p:nvGraphicFramePr>
+          <p:cNvPr id="170" name=""/>
+          <p:cNvGraphicFramePr/>
+          <p:nvPr/>
+        </p:nvGraphicFramePr>
+        <p:xfrm>
+          <a:off x="1767600" y="2048760"/>
+          <a:ext cx="8457840" cy="4319280"/>
+        </p:xfrm>
+        <a:graphic>
+          <a:graphicData uri="http://schemas.openxmlformats.org/drawingml/2006/table">
+            <a:tbl>
+              <a:tblPr/>
+              <a:tblGrid>
+                <a:gridCol w="4228200"/>
+                <a:gridCol w="4230000"/>
+              </a:tblGrid>
+              <a:tr h="719640">
+                <a:tc>
+                  <a:tcPr anchor="t" marL="91440" marR="91440">
+                    <a:lnL w="12240">
+                      <a:solidFill>
+                        <a:srgbClr val="ffffff"/>
+                      </a:solidFill>
+                    </a:lnL>
+                    <a:lnR w="12240">
+                      <a:solidFill>
+                        <a:srgbClr val="ffffff"/>
+                      </a:solidFill>
+                    </a:lnR>
+                    <a:lnT w="12240">
+                      <a:solidFill>
+                        <a:srgbClr val="ffffff"/>
+                      </a:solidFill>
+                    </a:lnT>
+                    <a:lnB w="38160">
+                      <a:solidFill>
+                        <a:srgbClr val="ffffff"/>
+                      </a:solidFill>
+                    </a:lnB>
+                    <a:solidFill>
+                      <a:srgbClr val="4472c4"/>
+                    </a:solidFill>
+                  </a:tcPr>
+                </a:tc>
+                <a:tc>
+                  <a:txBody>
+                    <a:bodyPr anchor="t">
+                      <a:noAutofit/>
+                    </a:bodyPr>
+                    <a:p>
+                      <a:pPr algn="ctr">
+                        <a:lnSpc>
+                          <a:spcPct val="100000"/>
+                        </a:lnSpc>
+                        <a:buNone/>
+                      </a:pPr>
+                      <a:r>
+                        <a:rPr b="1" lang="fr-BE" sz="2000" spc="-1" strike="noStrike">
+                          <a:solidFill>
+                            <a:srgbClr val="ffffff"/>
+                          </a:solidFill>
+                          <a:latin typeface="Verdana"/>
+                          <a:ea typeface="Verdana"/>
+                        </a:rPr>
+                        <a:t>ROC_AUC</a:t>
+                      </a:r>
+                      <a:endParaRPr b="0" lang="en-US" sz="2000" spc="-1" strike="noStrike">
+                        <a:latin typeface="Arial"/>
+                      </a:endParaRPr>
+                    </a:p>
+                  </a:txBody>
+                  <a:tcPr anchor="t" marL="91440" marR="91440">
+                    <a:lnL w="12240">
+                      <a:solidFill>
+                        <a:srgbClr val="ffffff"/>
+                      </a:solidFill>
+                    </a:lnL>
+                    <a:lnR w="12240">
+                      <a:solidFill>
+                        <a:srgbClr val="ffffff"/>
+                      </a:solidFill>
+                    </a:lnR>
+                    <a:lnT w="12240">
+                      <a:solidFill>
+                        <a:srgbClr val="ffffff"/>
+                      </a:solidFill>
+                    </a:lnT>
+                    <a:lnB w="38160">
+                      <a:solidFill>
+                        <a:srgbClr val="ffffff"/>
+                      </a:solidFill>
+                    </a:lnB>
+                    <a:solidFill>
+                      <a:srgbClr val="4472c4"/>
+                    </a:solidFill>
+                  </a:tcPr>
+                </a:tc>
+              </a:tr>
+              <a:tr h="719640">
+                <a:tc>
+                  <a:txBody>
+                    <a:bodyPr anchor="t">
+                      <a:noAutofit/>
+                    </a:bodyPr>
+                    <a:p>
+                      <a:pPr algn="ctr">
+                        <a:lnSpc>
+                          <a:spcPct val="100000"/>
+                        </a:lnSpc>
+                        <a:buNone/>
+                      </a:pPr>
+                      <a:r>
+                        <a:rPr b="0" lang="en-US" sz="2400" spc="-1" strike="noStrike">
+                          <a:latin typeface="Times New Roman"/>
+                        </a:rPr>
+                        <a:t>Train set</a:t>
+                      </a:r>
+                      <a:endParaRPr b="0" lang="en-US" sz="2400" spc="-1" strike="noStrike">
+                        <a:latin typeface="Arial"/>
+                      </a:endParaRPr>
+                    </a:p>
+                  </a:txBody>
+                  <a:tcPr anchor="t" marL="91440" marR="91440">
+                    <a:lnL w="12240">
+                      <a:solidFill>
+                        <a:srgbClr val="ffffff"/>
+                      </a:solidFill>
+                    </a:lnL>
+                    <a:lnR w="12240">
+                      <a:solidFill>
+                        <a:srgbClr val="ffffff"/>
+                      </a:solidFill>
+                    </a:lnR>
+                    <a:lnT w="12240">
+                      <a:solidFill>
+                        <a:srgbClr val="ffffff"/>
+                      </a:solidFill>
+                    </a:lnT>
+                    <a:lnB w="12240">
+                      <a:solidFill>
+                        <a:srgbClr val="ffffff"/>
+                      </a:solidFill>
+                    </a:lnB>
+                    <a:solidFill>
+                      <a:srgbClr val="cfd5e9"/>
+                    </a:solidFill>
+                  </a:tcPr>
+                </a:tc>
+                <a:tc>
+                  <a:txBody>
+                    <a:bodyPr anchor="t">
+                      <a:noAutofit/>
+                    </a:bodyPr>
+                    <a:p>
+                      <a:pPr algn="ctr">
+                        <a:lnSpc>
+                          <a:spcPct val="100000"/>
+                        </a:lnSpc>
+                        <a:buNone/>
+                      </a:pPr>
+                      <a:r>
+                        <a:rPr b="0" lang="en-US" sz="2400" spc="-1" strike="noStrike">
+                          <a:latin typeface="Times New Roman"/>
+                        </a:rPr>
+                        <a:t>0.9211</a:t>
+                      </a:r>
+                      <a:endParaRPr b="0" lang="en-US" sz="2400" spc="-1" strike="noStrike">
+                        <a:latin typeface="Arial"/>
+                      </a:endParaRPr>
+                    </a:p>
+                  </a:txBody>
+                  <a:tcPr anchor="t" marL="91440" marR="91440">
+                    <a:lnL w="12240">
+                      <a:solidFill>
+                        <a:srgbClr val="ffffff"/>
+                      </a:solidFill>
+                    </a:lnL>
+                    <a:lnR w="12240">
+                      <a:solidFill>
+                        <a:srgbClr val="ffffff"/>
+                      </a:solidFill>
+                    </a:lnR>
+                    <a:lnT w="12240">
+                      <a:solidFill>
+                        <a:srgbClr val="ffffff"/>
+                      </a:solidFill>
+                    </a:lnT>
+                    <a:lnB w="12240">
+                      <a:solidFill>
+                        <a:srgbClr val="ffffff"/>
+                      </a:solidFill>
+                    </a:lnB>
+                    <a:solidFill>
+                      <a:srgbClr val="cfd5e9"/>
+                    </a:solidFill>
+                  </a:tcPr>
+                </a:tc>
+              </a:tr>
+              <a:tr h="719640">
+                <a:tc>
+                  <a:txBody>
+                    <a:bodyPr anchor="t">
+                      <a:noAutofit/>
+                    </a:bodyPr>
+                    <a:p>
+                      <a:pPr algn="ctr">
+                        <a:lnSpc>
+                          <a:spcPct val="100000"/>
+                        </a:lnSpc>
+                        <a:buNone/>
+                      </a:pPr>
+                      <a:r>
+                        <a:rPr b="0" lang="en-US" sz="2400" spc="-1" strike="noStrike">
+                          <a:latin typeface="Times New Roman"/>
+                        </a:rPr>
+                        <a:t>Validation set</a:t>
+                      </a:r>
+                      <a:endParaRPr b="0" lang="en-US" sz="2400" spc="-1" strike="noStrike">
+                        <a:latin typeface="Arial"/>
+                      </a:endParaRPr>
+                    </a:p>
+                  </a:txBody>
+                  <a:tcPr anchor="t" marL="91440" marR="91440">
+                    <a:lnL w="12240">
+                      <a:solidFill>
+                        <a:srgbClr val="ffffff"/>
+                      </a:solidFill>
+                    </a:lnL>
+                    <a:lnR w="12240">
+                      <a:solidFill>
+                        <a:srgbClr val="ffffff"/>
+                      </a:solidFill>
+                    </a:lnR>
+                    <a:lnT w="12240">
+                      <a:solidFill>
+                        <a:srgbClr val="ffffff"/>
+                      </a:solidFill>
+                    </a:lnT>
+                    <a:lnB w="12240">
+                      <a:solidFill>
+                        <a:srgbClr val="ffffff"/>
+                      </a:solidFill>
+                    </a:lnB>
+                    <a:solidFill>
+                      <a:srgbClr val="cfd5e9"/>
+                    </a:solidFill>
+                  </a:tcPr>
+                </a:tc>
+                <a:tc>
+                  <a:txBody>
+                    <a:bodyPr anchor="t">
+                      <a:noAutofit/>
+                    </a:bodyPr>
+                    <a:p>
+                      <a:pPr algn="ctr">
+                        <a:lnSpc>
+                          <a:spcPct val="100000"/>
+                        </a:lnSpc>
+                        <a:buNone/>
+                      </a:pPr>
+                      <a:r>
+                        <a:rPr b="0" lang="en-US" sz="2400" spc="-1" strike="noStrike">
+                          <a:latin typeface="Times New Roman"/>
+                        </a:rPr>
+                        <a:t>0.8364</a:t>
+                      </a:r>
+                      <a:endParaRPr b="0" lang="en-US" sz="2400" spc="-1" strike="noStrike">
+                        <a:latin typeface="Arial"/>
+                      </a:endParaRPr>
+                    </a:p>
+                  </a:txBody>
+                  <a:tcPr anchor="t" marL="91440" marR="91440">
+                    <a:lnL w="12240">
+                      <a:solidFill>
+                        <a:srgbClr val="ffffff"/>
+                      </a:solidFill>
+                    </a:lnL>
+                    <a:lnR w="12240">
+                      <a:solidFill>
+                        <a:srgbClr val="ffffff"/>
+                      </a:solidFill>
+                    </a:lnR>
+                    <a:lnT w="12240">
+                      <a:solidFill>
+                        <a:srgbClr val="ffffff"/>
+                      </a:solidFill>
+                    </a:lnT>
+                    <a:lnB w="12240">
+                      <a:solidFill>
+                        <a:srgbClr val="ffffff"/>
+                      </a:solidFill>
+                    </a:lnB>
+                    <a:solidFill>
+                      <a:srgbClr val="cfd5e9"/>
+                    </a:solidFill>
+                  </a:tcPr>
+                </a:tc>
+              </a:tr>
+              <a:tr h="719640">
+                <a:tc>
+                  <a:tcPr anchor="t" marL="91440" marR="91440">
+                    <a:lnL w="12240">
+                      <a:solidFill>
+                        <a:srgbClr val="ffffff"/>
+                      </a:solidFill>
+                    </a:lnL>
+                    <a:lnR w="12240">
+                      <a:solidFill>
+                        <a:srgbClr val="ffffff"/>
+                      </a:solidFill>
+                    </a:lnR>
+                    <a:lnT w="12240">
+                      <a:solidFill>
+                        <a:srgbClr val="ffffff"/>
+                      </a:solidFill>
+                    </a:lnT>
+                    <a:lnB w="12240">
+                      <a:solidFill>
+                        <a:srgbClr val="ffffff"/>
+                      </a:solidFill>
+                    </a:lnB>
+                    <a:solidFill>
+                      <a:srgbClr val="cfd5e9"/>
+                    </a:solidFill>
+                  </a:tcPr>
+                </a:tc>
+                <a:tc>
+                  <a:tcPr anchor="t" marL="91440" marR="91440">
+                    <a:lnL w="12240">
+                      <a:solidFill>
+                        <a:srgbClr val="ffffff"/>
+                      </a:solidFill>
+                    </a:lnL>
+                    <a:lnR w="12240">
+                      <a:solidFill>
+                        <a:srgbClr val="ffffff"/>
+                      </a:solidFill>
+                    </a:lnR>
+                    <a:lnT w="12240">
+                      <a:solidFill>
+                        <a:srgbClr val="ffffff"/>
+                      </a:solidFill>
+                    </a:lnT>
+                    <a:lnB w="12240">
+                      <a:solidFill>
+                        <a:srgbClr val="ffffff"/>
+                      </a:solidFill>
+                    </a:lnB>
+                    <a:solidFill>
+                      <a:srgbClr val="cfd5e9"/>
+                    </a:solidFill>
+                  </a:tcPr>
+                </a:tc>
+              </a:tr>
+              <a:tr h="719640">
+                <a:tc>
+                  <a:txBody>
+                    <a:bodyPr anchor="t">
+                      <a:noAutofit/>
+                    </a:bodyPr>
+                    <a:p>
+                      <a:pPr algn="ctr">
+                        <a:lnSpc>
+                          <a:spcPct val="100000"/>
+                        </a:lnSpc>
+                        <a:buNone/>
+                      </a:pPr>
+                      <a:r>
+                        <a:rPr b="0" lang="en-US" sz="2400" spc="-1" strike="noStrike">
+                          <a:latin typeface="Times New Roman"/>
+                        </a:rPr>
+                        <a:t>Train set</a:t>
+                      </a:r>
+                      <a:endParaRPr b="0" lang="en-US" sz="2400" spc="-1" strike="noStrike">
+                        <a:latin typeface="Arial"/>
+                      </a:endParaRPr>
+                    </a:p>
+                  </a:txBody>
+                  <a:tcPr anchor="t" marL="91440" marR="91440">
+                    <a:lnL w="12240">
+                      <a:solidFill>
+                        <a:srgbClr val="ffffff"/>
+                      </a:solidFill>
+                    </a:lnL>
+                    <a:lnR w="12240">
+                      <a:solidFill>
+                        <a:srgbClr val="ffffff"/>
+                      </a:solidFill>
+                    </a:lnR>
+                    <a:lnT w="12240">
+                      <a:solidFill>
+                        <a:srgbClr val="ffffff"/>
+                      </a:solidFill>
+                    </a:lnT>
+                    <a:lnB w="12240">
+                      <a:solidFill>
+                        <a:srgbClr val="ffffff"/>
+                      </a:solidFill>
+                    </a:lnB>
+                    <a:solidFill>
+                      <a:srgbClr val="cfd5e9"/>
+                    </a:solidFill>
+                  </a:tcPr>
+                </a:tc>
+                <a:tc>
+                  <a:txBody>
+                    <a:bodyPr anchor="t">
+                      <a:noAutofit/>
+                    </a:bodyPr>
+                    <a:p>
+                      <a:pPr algn="ctr">
+                        <a:lnSpc>
+                          <a:spcPct val="100000"/>
+                        </a:lnSpc>
+                        <a:buNone/>
+                      </a:pPr>
+                      <a:r>
+                        <a:rPr b="0" lang="en-US" sz="2400" spc="-1" strike="noStrike">
+                          <a:latin typeface="Times New Roman"/>
+                        </a:rPr>
+                        <a:t>0.8604</a:t>
+                      </a:r>
+                      <a:endParaRPr b="0" lang="en-US" sz="2400" spc="-1" strike="noStrike">
+                        <a:latin typeface="Arial"/>
+                      </a:endParaRPr>
+                    </a:p>
+                  </a:txBody>
+                  <a:tcPr anchor="t" marL="91440" marR="91440">
+                    <a:lnL w="12240">
+                      <a:solidFill>
+                        <a:srgbClr val="ffffff"/>
+                      </a:solidFill>
+                    </a:lnL>
+                    <a:lnR w="12240">
+                      <a:solidFill>
+                        <a:srgbClr val="ffffff"/>
+                      </a:solidFill>
+                    </a:lnR>
+                    <a:lnT w="12240">
+                      <a:solidFill>
+                        <a:srgbClr val="ffffff"/>
+                      </a:solidFill>
+                    </a:lnT>
+                    <a:lnB w="12240">
+                      <a:solidFill>
+                        <a:srgbClr val="ffffff"/>
+                      </a:solidFill>
+                    </a:lnB>
+                    <a:solidFill>
+                      <a:srgbClr val="cfd5e9"/>
+                    </a:solidFill>
+                  </a:tcPr>
+                </a:tc>
+              </a:tr>
+              <a:tr h="721440">
+                <a:tc>
+                  <a:txBody>
+                    <a:bodyPr anchor="t">
+                      <a:noAutofit/>
+                    </a:bodyPr>
+                    <a:p>
+                      <a:pPr algn="ctr">
+                        <a:lnSpc>
+                          <a:spcPct val="100000"/>
+                        </a:lnSpc>
+                        <a:buNone/>
+                      </a:pPr>
+                      <a:r>
+                        <a:rPr b="0" lang="en-US" sz="2400" spc="-1" strike="noStrike">
+                          <a:latin typeface="Times New Roman"/>
+                        </a:rPr>
+                        <a:t>Validation set</a:t>
+                      </a:r>
+                      <a:endParaRPr b="0" lang="en-US" sz="2400" spc="-1" strike="noStrike">
+                        <a:latin typeface="Arial"/>
+                      </a:endParaRPr>
+                    </a:p>
+                  </a:txBody>
+                  <a:tcPr anchor="t" marL="91440" marR="91440">
+                    <a:lnL w="12240">
+                      <a:solidFill>
+                        <a:srgbClr val="ffffff"/>
+                      </a:solidFill>
+                    </a:lnL>
+                    <a:lnR w="12240">
+                      <a:solidFill>
+                        <a:srgbClr val="ffffff"/>
+                      </a:solidFill>
+                    </a:lnR>
+                    <a:lnT w="12240">
+                      <a:solidFill>
+                        <a:srgbClr val="ffffff"/>
+                      </a:solidFill>
+                    </a:lnT>
+                    <a:lnB w="12240">
+                      <a:solidFill>
+                        <a:srgbClr val="ffffff"/>
+                      </a:solidFill>
+                    </a:lnB>
+                    <a:solidFill>
+                      <a:srgbClr val="cfd5e9"/>
+                    </a:solidFill>
+                  </a:tcPr>
+                </a:tc>
+                <a:tc>
+                  <a:txBody>
+                    <a:bodyPr anchor="t">
+                      <a:noAutofit/>
+                    </a:bodyPr>
+                    <a:p>
+                      <a:pPr algn="ctr">
+                        <a:lnSpc>
+                          <a:spcPct val="100000"/>
+                        </a:lnSpc>
+                        <a:buNone/>
+                      </a:pPr>
+                      <a:r>
+                        <a:rPr b="0" lang="en-US" sz="2400" spc="-1" strike="noStrike">
+                          <a:latin typeface="Times New Roman"/>
+                        </a:rPr>
+                        <a:t>0.8364</a:t>
+                      </a:r>
+                      <a:endParaRPr b="0" lang="en-US" sz="2400" spc="-1" strike="noStrike">
+                        <a:latin typeface="Arial"/>
+                      </a:endParaRPr>
+                    </a:p>
+                  </a:txBody>
+                  <a:tcPr anchor="t" marL="91440" marR="91440">
+                    <a:lnL w="12240">
+                      <a:solidFill>
+                        <a:srgbClr val="ffffff"/>
+                      </a:solidFill>
+                    </a:lnL>
+                    <a:lnR w="12240">
+                      <a:solidFill>
+                        <a:srgbClr val="ffffff"/>
+                      </a:solidFill>
+                    </a:lnR>
+                    <a:lnT w="12240">
+                      <a:solidFill>
+                        <a:srgbClr val="ffffff"/>
+                      </a:solidFill>
+                    </a:lnT>
+                    <a:lnB w="12240">
+                      <a:solidFill>
+                        <a:srgbClr val="ffffff"/>
+                      </a:solidFill>
+                    </a:lnB>
+                    <a:solidFill>
+                      <a:srgbClr val="cfd5e9"/>
+                    </a:solidFill>
+                  </a:tcPr>
+                </a:tc>
+              </a:tr>
+            </a:tbl>
+          </a:graphicData>
+        </a:graphic>
+      </p:graphicFrame>
+      <p:sp>
+        <p:nvSpPr>
+          <p:cNvPr id="171" name="Rectangle : coins arrondis 2"/>
+          <p:cNvSpPr/>
+          <p:nvPr/>
+        </p:nvSpPr>
+        <p:spPr>
+          <a:xfrm>
+            <a:off x="838080" y="1237680"/>
+            <a:ext cx="10514160" cy="590760"/>
+          </a:xfrm>
+          <a:prstGeom prst="roundRect">
+            <a:avLst>
+              <a:gd name="adj" fmla="val 16667"/>
+            </a:avLst>
+          </a:prstGeom>
+          <a:noFill/>
+          <a:ln>
+            <a:solidFill>
+              <a:srgbClr val="325490"/>
+            </a:solidFill>
+          </a:ln>
+        </p:spPr>
+        <p:style>
+          <a:lnRef idx="2">
+            <a:schemeClr val="accent1">
+              <a:shade val="50000"/>
+            </a:schemeClr>
+          </a:lnRef>
+          <a:fillRef idx="1">
+            <a:schemeClr val="accent1"/>
+          </a:fillRef>
+          <a:effectRef idx="0">
+            <a:schemeClr val="accent1"/>
+          </a:effectRef>
+          <a:fontRef idx="minor"/>
+        </p:style>
+        <p:txBody>
+          <a:bodyPr lIns="90000" rIns="90000" tIns="45000" bIns="45000" anchor="ctr">
+            <a:noAutofit/>
+          </a:bodyPr>
+          <a:p>
+            <a:pPr algn="ctr">
+              <a:lnSpc>
+                <a:spcPct val="100000"/>
+              </a:lnSpc>
+              <a:buNone/>
+            </a:pPr>
+            <a:r>
+              <a:rPr b="0" lang="en-US" sz="3200" spc="-1" strike="noStrike">
+                <a:solidFill>
+                  <a:srgbClr val="000000"/>
+                </a:solidFill>
+                <a:latin typeface="Verdana Pro Black"/>
+                <a:ea typeface="Verdana"/>
+              </a:rPr>
+              <a:t>Check ROC_AUC value to make sure no overfitting</a:t>
+            </a:r>
+            <a:endParaRPr b="0" lang="en-US" sz="3200" spc="-1" strike="noStrike">
+              <a:latin typeface="Arial"/>
+            </a:endParaRPr>
+          </a:p>
+        </p:txBody>
+      </p:sp>
+      <p:sp>
+        <p:nvSpPr>
+          <p:cNvPr id="2" name="PlaceHolder 1"/>
+          <p:cNvSpPr>
+            <a:spLocks noGrp="1"/>
+          </p:cNvSpPr>
+          <p:nvPr>
+            <p:ph type="sldNum" idx="8"/>
+          </p:nvPr>
+        </p:nvSpPr>
+        <p:spPr/>
+        <p:txBody>
+          <a:bodyPr/>
+          <a:p>
+            <a:fld id="{ED5E3B46-E86D-411E-8124-8921FEC33061}" type="slidenum">
+              <a:t>11</a:t>
+            </a:fld>
+          </a:p>
+        </p:txBody>
+      </p:sp>
+    </p:spTree>
+  </p:cSld>
+  <mc:AlternateContent>
+    <mc:Choice Requires="p14">
+      <p:transition spd="slow" p14:dur="2000"/>
+    </mc:Choice>
+    <mc:Fallback>
+      <p:transition spd="slow"/>
+    </mc:Fallback>
+  </mc:AlternateContent>
+</p:sld>
+</file>
+
+<file path=ppt/slides/slide12.xml><?xml version="1.0" encoding="utf-8"?>
+<p:sld xmlns:a="http://schemas.openxmlformats.org/drawingml/2006/main" xmlns:p="http://schemas.openxmlformats.org/presentationml/2006/main" xmlns:r="http://schemas.openxmlformats.org/officeDocument/2006/relationships" xmlns:p14="http://schemas.microsoft.com/office/powerpoint/2010/main" xmlns:p15="http://schemas.microsoft.com/office/powerpoint/2012/main" xmlns:mc="http://schemas.openxmlformats.org/markup-compatibility/2006">
+  <p:cSld>
+    <p:spTree>
+      <p:nvGrpSpPr>
+        <p:cNvPr id="1" name=""/>
+        <p:cNvGrpSpPr/>
+        <p:nvPr/>
+      </p:nvGrpSpPr>
+      <p:grpSpPr>
+        <a:xfrm>
+          <a:off x="0" y="0"/>
+          <a:ext cx="0" cy="0"/>
+          <a:chOff x="0" y="0"/>
+          <a:chExt cx="0" cy="0"/>
+        </a:xfrm>
+      </p:grpSpPr>
+      <p:sp>
+        <p:nvSpPr>
+          <p:cNvPr id="172" name="Titre 1"/>
+          <p:cNvSpPr/>
+          <p:nvPr/>
+        </p:nvSpPr>
+        <p:spPr>
+          <a:xfrm>
+            <a:off x="838080" y="365040"/>
+            <a:ext cx="10514160" cy="761040"/>
           </a:xfrm>
           <a:prstGeom prst="rect">
             <a:avLst/>
@@ -9139,14 +9964,14 @@
       </p:sp>
       <p:sp>
         <p:nvSpPr>
-          <p:cNvPr id="167" name=""/>
+          <p:cNvPr id="173" name=""/>
           <p:cNvSpPr/>
           <p:nvPr/>
         </p:nvSpPr>
         <p:spPr>
           <a:xfrm>
             <a:off x="377640" y="2514960"/>
-            <a:ext cx="11502000" cy="2574360"/>
+            <a:ext cx="11501640" cy="2574000"/>
           </a:xfrm>
           <a:prstGeom prst="rect">
             <a:avLst/>
@@ -9539,8 +10364,8 @@
         <p:txBody>
           <a:bodyPr/>
           <a:p>
-            <a:fld id="{92AA710C-E82B-41AB-AB12-F9B8C4715172}" type="slidenum">
-              <a:t>11</a:t>
+            <a:fld id="{6A852A6D-004A-4F01-9BD7-539D55365D3B}" type="slidenum">
+              <a:t>12</a:t>
             </a:fld>
           </a:p>
         </p:txBody>
@@ -9588,7 +10413,7 @@
         <p:spPr>
           <a:xfrm>
             <a:off x="838080" y="365040"/>
-            <a:ext cx="10514520" cy="761400"/>
+            <a:ext cx="10514160" cy="761040"/>
           </a:xfrm>
           <a:prstGeom prst="rect">
             <a:avLst/>
@@ -9617,7 +10442,27 @@
                 <a:latin typeface="Verdana Pro Black"/>
                 <a:ea typeface="Verdana"/>
               </a:rPr>
-              <a:t>Mission &amp; initial dataset</a:t>
+              <a:t>Mission &amp; </a:t>
+            </a:r>
+            <a:r>
+              <a:rPr b="1" lang="fr-FR" sz="3600" spc="-1" strike="noStrike">
+                <a:solidFill>
+                  <a:srgbClr val="000000"/>
+                </a:solidFill>
+                <a:latin typeface="Verdana Pro Black"/>
+                <a:ea typeface="Verdana"/>
+              </a:rPr>
+              <a:t>initial </a:t>
+            </a:r>
+            <a:r>
+              <a:rPr b="1" lang="fr-FR" sz="3600" spc="-1" strike="noStrike">
+                <a:solidFill>
+                  <a:srgbClr val="000000"/>
+                </a:solidFill>
+                <a:latin typeface="Verdana Pro Black"/>
+                <a:ea typeface="Verdana"/>
+              </a:rPr>
+              <a:t>dataset</a:t>
             </a:r>
             <a:endParaRPr b="0" lang="en-US" sz="3600" spc="-1" strike="noStrike">
               <a:latin typeface="Arial"/>
@@ -9638,7 +10483,7 @@
         <p:spPr>
           <a:xfrm>
             <a:off x="8610480" y="6356520"/>
-            <a:ext cx="2742120" cy="363960"/>
+            <a:ext cx="2741760" cy="363600"/>
           </a:xfrm>
           <a:prstGeom prst="rect">
             <a:avLst/>
@@ -9691,7 +10536,7 @@
         <p:spPr>
           <a:xfrm>
             <a:off x="838080" y="1237680"/>
-            <a:ext cx="10514520" cy="2315160"/>
+            <a:ext cx="10514160" cy="2314800"/>
           </a:xfrm>
           <a:prstGeom prst="roundRect">
             <a:avLst>
@@ -9755,7 +10600,7 @@
         <p:spPr>
           <a:xfrm>
             <a:off x="852120" y="3858120"/>
-            <a:ext cx="10514520" cy="2496960"/>
+            <a:ext cx="10514160" cy="2496600"/>
           </a:xfrm>
           <a:prstGeom prst="roundRect">
             <a:avLst>
@@ -9875,7 +10720,7 @@
         <p:spPr>
           <a:xfrm>
             <a:off x="8323920" y="4835880"/>
-            <a:ext cx="2840400" cy="1271880"/>
+            <a:ext cx="2840040" cy="1271520"/>
           </a:xfrm>
           <a:prstGeom prst="roundRect">
             <a:avLst>
@@ -10025,7 +10870,7 @@
         <p:spPr>
           <a:xfrm>
             <a:off x="8610480" y="6544800"/>
-            <a:ext cx="2742120" cy="363960"/>
+            <a:ext cx="2741760" cy="363600"/>
           </a:xfrm>
           <a:prstGeom prst="rect">
             <a:avLst/>
@@ -10062,7 +10907,7 @@
         <p:spPr>
           <a:xfrm>
             <a:off x="838080" y="365040"/>
-            <a:ext cx="10514520" cy="761400"/>
+            <a:ext cx="10514160" cy="761040"/>
           </a:xfrm>
           <a:prstGeom prst="rect">
             <a:avLst/>
@@ -10114,7 +10959,7 @@
         <p:spPr>
           <a:xfrm>
             <a:off x="388080" y="1108440"/>
-            <a:ext cx="2986560" cy="941040"/>
+            <a:ext cx="2986200" cy="940680"/>
           </a:xfrm>
           <a:prstGeom prst="roundRect">
             <a:avLst>
@@ -10178,7 +11023,7 @@
         <p:spPr>
           <a:xfrm>
             <a:off x="388080" y="5612040"/>
-            <a:ext cx="2986560" cy="941040"/>
+            <a:ext cx="2986200" cy="940680"/>
           </a:xfrm>
           <a:prstGeom prst="roundRect">
             <a:avLst>
@@ -10242,7 +11087,7 @@
         <p:spPr>
           <a:xfrm>
             <a:off x="388080" y="4484520"/>
-            <a:ext cx="2986560" cy="941040"/>
+            <a:ext cx="2986200" cy="940680"/>
           </a:xfrm>
           <a:prstGeom prst="roundRect">
             <a:avLst>
@@ -10306,7 +11151,7 @@
         <p:spPr>
           <a:xfrm>
             <a:off x="388080" y="3357000"/>
-            <a:ext cx="2986560" cy="941040"/>
+            <a:ext cx="2986200" cy="940680"/>
           </a:xfrm>
           <a:prstGeom prst="roundRect">
             <a:avLst>
@@ -10370,7 +11215,7 @@
         <p:spPr>
           <a:xfrm>
             <a:off x="388080" y="2229480"/>
-            <a:ext cx="2986560" cy="941040"/>
+            <a:ext cx="2986200" cy="940680"/>
           </a:xfrm>
           <a:prstGeom prst="roundRect">
             <a:avLst>
@@ -10434,7 +11279,7 @@
         <p:spPr>
           <a:xfrm>
             <a:off x="3502080" y="1108440"/>
-            <a:ext cx="7850880" cy="941040"/>
+            <a:ext cx="7850520" cy="940680"/>
           </a:xfrm>
           <a:prstGeom prst="rect">
             <a:avLst/>
@@ -10493,7 +11338,7 @@
         <p:spPr>
           <a:xfrm>
             <a:off x="3502080" y="2229480"/>
-            <a:ext cx="7850880" cy="941040"/>
+            <a:ext cx="7850520" cy="940680"/>
           </a:xfrm>
           <a:prstGeom prst="rect">
             <a:avLst/>
@@ -10519,7 +11364,7 @@
         <p:spPr>
           <a:xfrm>
             <a:off x="3502080" y="3357000"/>
-            <a:ext cx="7850880" cy="941040"/>
+            <a:ext cx="7850520" cy="940680"/>
           </a:xfrm>
           <a:prstGeom prst="rect">
             <a:avLst/>
@@ -10578,7 +11423,7 @@
         <p:spPr>
           <a:xfrm>
             <a:off x="3502080" y="4484520"/>
-            <a:ext cx="7850880" cy="941040"/>
+            <a:ext cx="7850520" cy="940680"/>
           </a:xfrm>
           <a:prstGeom prst="rect">
             <a:avLst/>
@@ -10637,7 +11482,7 @@
         <p:spPr>
           <a:xfrm>
             <a:off x="3502080" y="5612040"/>
-            <a:ext cx="7850880" cy="941040"/>
+            <a:ext cx="7850520" cy="940680"/>
           </a:xfrm>
           <a:prstGeom prst="rect">
             <a:avLst/>
@@ -10730,7 +11575,7 @@
         <p:spPr>
           <a:xfrm>
             <a:off x="1980000" y="18720"/>
-            <a:ext cx="8296920" cy="6856920"/>
+            <a:ext cx="8296560" cy="6856560"/>
           </a:xfrm>
           <a:prstGeom prst="rect">
             <a:avLst/>
@@ -10783,7 +11628,7 @@
         <p:spPr>
           <a:xfrm>
             <a:off x="1980000" y="360"/>
-            <a:ext cx="8296920" cy="6856920"/>
+            <a:ext cx="8296560" cy="6856560"/>
           </a:xfrm>
           <a:prstGeom prst="rect">
             <a:avLst/>
@@ -12572,14 +13417,254 @@
       </p:grpSpPr>
       <p:sp>
         <p:nvSpPr>
-          <p:cNvPr id="147" name="Titre 1"/>
+          <p:cNvPr id="147" name="Titre 3"/>
           <p:cNvSpPr/>
           <p:nvPr/>
         </p:nvSpPr>
         <p:spPr>
           <a:xfrm>
             <a:off x="838080" y="365040"/>
-            <a:ext cx="10514520" cy="761400"/>
+            <a:ext cx="10514160" cy="761040"/>
+          </a:xfrm>
+          <a:prstGeom prst="rect">
+            <a:avLst/>
+          </a:prstGeom>
+          <a:noFill/>
+          <a:ln w="0">
+            <a:noFill/>
+          </a:ln>
+        </p:spPr>
+        <p:style>
+          <a:lnRef idx="0"/>
+          <a:fillRef idx="0"/>
+          <a:effectRef idx="0"/>
+          <a:fontRef idx="minor"/>
+        </p:style>
+        <p:txBody>
+          <a:bodyPr lIns="90000" rIns="90000" tIns="45000" bIns="45000" anchor="t">
+            <a:normAutofit/>
+          </a:bodyPr>
+          <a:p>
+            <a:pPr>
+              <a:lnSpc>
+                <a:spcPct val="90000"/>
+              </a:lnSpc>
+              <a:buNone/>
+            </a:pPr>
+            <a:r>
+              <a:rPr b="1" lang="fr-FR" sz="3600" spc="-1" strike="noStrike">
+                <a:solidFill>
+                  <a:srgbClr val="000000"/>
+                </a:solidFill>
+                <a:latin typeface="Verdana Pro Black"/>
+                <a:ea typeface="Verdana"/>
+              </a:rPr>
+              <a:t>Principal </a:t>
+            </a:r>
+            <a:r>
+              <a:rPr b="1" lang="fr-FR" sz="3600" spc="-1" strike="noStrike">
+                <a:solidFill>
+                  <a:srgbClr val="000000"/>
+                </a:solidFill>
+                <a:latin typeface="Verdana Pro Black"/>
+                <a:ea typeface="Verdana"/>
+              </a:rPr>
+              <a:t>Component </a:t>
+            </a:r>
+            <a:r>
+              <a:rPr b="1" lang="fr-FR" sz="3600" spc="-1" strike="noStrike">
+                <a:solidFill>
+                  <a:srgbClr val="000000"/>
+                </a:solidFill>
+                <a:latin typeface="Verdana Pro Black"/>
+                <a:ea typeface="Verdana"/>
+              </a:rPr>
+              <a:t>Analysis</a:t>
+            </a:r>
+            <a:endParaRPr b="0" lang="en-US" sz="3600" spc="-1" strike="noStrike">
+              <a:latin typeface="Arial"/>
+            </a:endParaRPr>
+          </a:p>
+        </p:txBody>
+      </p:sp>
+      <p:sp>
+        <p:nvSpPr>
+          <p:cNvPr id="148" name="Espace réservé du contenu 3"/>
+          <p:cNvSpPr/>
+          <p:nvPr/>
+        </p:nvSpPr>
+        <p:spPr>
+          <a:xfrm>
+            <a:off x="838080" y="1886760"/>
+            <a:ext cx="10514160" cy="2667960"/>
+          </a:xfrm>
+          <a:prstGeom prst="rect">
+            <a:avLst/>
+          </a:prstGeom>
+          <a:noFill/>
+          <a:ln w="0">
+            <a:noFill/>
+          </a:ln>
+        </p:spPr>
+        <p:style>
+          <a:lnRef idx="0"/>
+          <a:fillRef idx="0"/>
+          <a:effectRef idx="0"/>
+          <a:fontRef idx="minor"/>
+        </p:style>
+      </p:sp>
+      <p:pic>
+        <p:nvPicPr>
+          <p:cNvPr id="149" name="" descr=""/>
+          <p:cNvPicPr/>
+          <p:nvPr/>
+        </p:nvPicPr>
+        <p:blipFill>
+          <a:blip r:embed="rId1"/>
+          <a:stretch/>
+        </p:blipFill>
+        <p:spPr>
+          <a:xfrm>
+            <a:off x="6791760" y="1248120"/>
+            <a:ext cx="5400360" cy="3781080"/>
+          </a:xfrm>
+          <a:prstGeom prst="rect">
+            <a:avLst/>
+          </a:prstGeom>
+          <a:ln w="0">
+            <a:noFill/>
+          </a:ln>
+        </p:spPr>
+      </p:pic>
+      <p:pic>
+        <p:nvPicPr>
+          <p:cNvPr id="150" name="" descr=""/>
+          <p:cNvPicPr/>
+          <p:nvPr/>
+        </p:nvPicPr>
+        <p:blipFill>
+          <a:blip r:embed="rId2"/>
+          <a:stretch/>
+        </p:blipFill>
+        <p:spPr>
+          <a:xfrm>
+            <a:off x="1838520" y="5391360"/>
+            <a:ext cx="3876480" cy="1009440"/>
+          </a:xfrm>
+          <a:prstGeom prst="rect">
+            <a:avLst/>
+          </a:prstGeom>
+          <a:ln w="0">
+            <a:noFill/>
+          </a:ln>
+        </p:spPr>
+      </p:pic>
+      <p:pic>
+        <p:nvPicPr>
+          <p:cNvPr id="151" name="" descr=""/>
+          <p:cNvPicPr/>
+          <p:nvPr/>
+        </p:nvPicPr>
+        <p:blipFill>
+          <a:blip r:embed="rId3"/>
+          <a:stretch/>
+        </p:blipFill>
+        <p:spPr>
+          <a:xfrm>
+            <a:off x="6505920" y="5229720"/>
+            <a:ext cx="4009680" cy="1171080"/>
+          </a:xfrm>
+          <a:prstGeom prst="rect">
+            <a:avLst/>
+          </a:prstGeom>
+          <a:ln w="0">
+            <a:noFill/>
+          </a:ln>
+        </p:spPr>
+      </p:pic>
+      <p:pic>
+        <p:nvPicPr>
+          <p:cNvPr id="152" name="" descr=""/>
+          <p:cNvPicPr/>
+          <p:nvPr/>
+        </p:nvPicPr>
+        <p:blipFill>
+          <a:blip r:embed="rId4"/>
+          <a:stretch/>
+        </p:blipFill>
+        <p:spPr>
+          <a:xfrm>
+            <a:off x="1800720" y="2257920"/>
+            <a:ext cx="4142880" cy="1856880"/>
+          </a:xfrm>
+          <a:prstGeom prst="rect">
+            <a:avLst/>
+          </a:prstGeom>
+          <a:ln w="0">
+            <a:noFill/>
+          </a:ln>
+        </p:spPr>
+      </p:pic>
+      <p:sp>
+        <p:nvSpPr>
+          <p:cNvPr id="2" name="PlaceHolder 1"/>
+          <p:cNvSpPr>
+            <a:spLocks noGrp="1"/>
+          </p:cNvSpPr>
+          <p:nvPr>
+            <p:ph type="sldNum" idx="8"/>
+          </p:nvPr>
+        </p:nvSpPr>
+        <p:spPr/>
+        <p:txBody>
+          <a:bodyPr/>
+          <a:p>
+            <a:fld id="{DCC37D35-4575-4B12-99CD-211A4BF15D00}" type="slidenum">
+              <a:t>7</a:t>
+            </a:fld>
+          </a:p>
+        </p:txBody>
+      </p:sp>
+    </p:spTree>
+  </p:cSld>
+  <mc:AlternateContent>
+    <mc:Choice Requires="p14">
+      <p:transition spd="slow" p14:dur="2000"/>
+    </mc:Choice>
+    <mc:Fallback>
+      <p:transition spd="slow"/>
+    </mc:Fallback>
+  </mc:AlternateContent>
+</p:sld>
+</file>
+
+<file path=ppt/slides/slide8.xml><?xml version="1.0" encoding="utf-8"?>
+<p:sld xmlns:a="http://schemas.openxmlformats.org/drawingml/2006/main" xmlns:p="http://schemas.openxmlformats.org/presentationml/2006/main" xmlns:r="http://schemas.openxmlformats.org/officeDocument/2006/relationships" xmlns:p14="http://schemas.microsoft.com/office/powerpoint/2010/main" xmlns:p15="http://schemas.microsoft.com/office/powerpoint/2012/main" xmlns:mc="http://schemas.openxmlformats.org/markup-compatibility/2006">
+  <p:cSld>
+    <p:spTree>
+      <p:nvGrpSpPr>
+        <p:cNvPr id="1" name=""/>
+        <p:cNvGrpSpPr/>
+        <p:nvPr/>
+      </p:nvGrpSpPr>
+      <p:grpSpPr>
+        <a:xfrm>
+          <a:off x="0" y="0"/>
+          <a:ext cx="0" cy="0"/>
+          <a:chOff x="0" y="0"/>
+          <a:chExt cx="0" cy="0"/>
+        </a:xfrm>
+      </p:grpSpPr>
+      <p:sp>
+        <p:nvSpPr>
+          <p:cNvPr id="153" name="Titre 1"/>
+          <p:cNvSpPr/>
+          <p:nvPr/>
+        </p:nvSpPr>
+        <p:spPr>
+          <a:xfrm>
+            <a:off x="838080" y="365040"/>
+            <a:ext cx="10514160" cy="761040"/>
           </a:xfrm>
           <a:prstGeom prst="rect">
             <a:avLst/>
@@ -12624,14 +13709,14 @@
       </p:sp>
       <p:sp>
         <p:nvSpPr>
-          <p:cNvPr id="148" name="Espace réservé du contenu 2"/>
+          <p:cNvPr id="154" name="Espace réservé du contenu 2"/>
           <p:cNvSpPr/>
           <p:nvPr/>
         </p:nvSpPr>
         <p:spPr>
           <a:xfrm>
             <a:off x="838080" y="1357560"/>
-            <a:ext cx="10514520" cy="1997280"/>
+            <a:ext cx="10514160" cy="1996920"/>
           </a:xfrm>
           <a:prstGeom prst="rect">
             <a:avLst/>
@@ -12650,28 +13735,28 @@
       </p:sp>
       <p:grpSp>
         <p:nvGrpSpPr>
-          <p:cNvPr id="149" name="Group 13"/>
+          <p:cNvPr id="155" name="Group 13"/>
           <p:cNvGrpSpPr/>
           <p:nvPr/>
         </p:nvGrpSpPr>
         <p:grpSpPr>
           <a:xfrm>
             <a:off x="383400" y="1854000"/>
-            <a:ext cx="11539800" cy="4556160"/>
+            <a:ext cx="11539440" cy="4555800"/>
             <a:chOff x="383400" y="1854000"/>
-            <a:chExt cx="11539800" cy="4556160"/>
+            <a:chExt cx="11539440" cy="4555800"/>
           </a:xfrm>
         </p:grpSpPr>
         <p:sp>
           <p:nvSpPr>
-            <p:cNvPr id="150" name="Rectangle : coins arrondis 3"/>
+            <p:cNvPr id="156" name="Rectangle : coins arrondis 3"/>
             <p:cNvSpPr/>
             <p:nvPr/>
           </p:nvSpPr>
           <p:spPr>
             <a:xfrm>
               <a:off x="383400" y="3327840"/>
-              <a:ext cx="5217480" cy="941040"/>
+              <a:ext cx="5217120" cy="940680"/>
             </a:xfrm>
             <a:prstGeom prst="roundRect">
               <a:avLst>
@@ -12728,14 +13813,14 @@
         </p:sp>
         <p:sp>
           <p:nvSpPr>
-            <p:cNvPr id="151" name="Rectangle : coins arrondis 4"/>
+            <p:cNvPr id="157" name="Rectangle : coins arrondis 4"/>
             <p:cNvSpPr/>
             <p:nvPr/>
           </p:nvSpPr>
           <p:spPr>
             <a:xfrm>
               <a:off x="6705720" y="4920120"/>
-              <a:ext cx="5217480" cy="941040"/>
+              <a:ext cx="5217120" cy="940680"/>
             </a:xfrm>
             <a:prstGeom prst="roundRect">
               <a:avLst>
@@ -12792,14 +13877,14 @@
         </p:sp>
         <p:sp>
           <p:nvSpPr>
-            <p:cNvPr id="152" name="Connecteur : en angle 24"/>
+            <p:cNvPr id="158" name="Connecteur : en angle 24"/>
             <p:cNvSpPr/>
             <p:nvPr/>
           </p:nvSpPr>
           <p:spPr>
             <a:xfrm>
               <a:off x="5601960" y="3682800"/>
-              <a:ext cx="1102680" cy="1815120"/>
+              <a:ext cx="1102320" cy="1814760"/>
             </a:xfrm>
             <a:prstGeom prst="bentConnector3">
               <a:avLst>
@@ -12829,14 +13914,14 @@
         </p:sp>
         <p:sp>
           <p:nvSpPr>
-            <p:cNvPr id="153" name="Rectangle : coins arrondis 15"/>
+            <p:cNvPr id="159" name="Rectangle : coins arrondis 15"/>
             <p:cNvSpPr/>
             <p:nvPr/>
           </p:nvSpPr>
           <p:spPr>
             <a:xfrm>
               <a:off x="6705720" y="1854000"/>
-              <a:ext cx="5217480" cy="941040"/>
+              <a:ext cx="5217120" cy="940680"/>
             </a:xfrm>
             <a:prstGeom prst="roundRect">
               <a:avLst>
@@ -12893,14 +13978,14 @@
         </p:sp>
         <p:sp>
           <p:nvSpPr>
-            <p:cNvPr id="154" name="Connecteur : en angle 22"/>
+            <p:cNvPr id="160" name="Connecteur : en angle 22"/>
             <p:cNvSpPr/>
             <p:nvPr/>
           </p:nvSpPr>
           <p:spPr>
             <a:xfrm flipV="1">
-              <a:off x="5602320" y="2310480"/>
-              <a:ext cx="1102680" cy="1370880"/>
+              <a:off x="5602320" y="2309760"/>
+              <a:ext cx="1102320" cy="1370520"/>
             </a:xfrm>
             <a:prstGeom prst="bentConnector3">
               <a:avLst>
@@ -12930,14 +14015,14 @@
         </p:sp>
         <p:sp>
           <p:nvSpPr>
-            <p:cNvPr id="155" name="Espace réservé du contenu 2"/>
+            <p:cNvPr id="161" name="Espace réservé du contenu 2"/>
             <p:cNvSpPr/>
             <p:nvPr/>
           </p:nvSpPr>
           <p:spPr>
             <a:xfrm>
               <a:off x="7851960" y="5754240"/>
-              <a:ext cx="2742120" cy="655920"/>
+              <a:ext cx="2741760" cy="655560"/>
             </a:xfrm>
             <a:prstGeom prst="rect">
               <a:avLst/>
@@ -12988,14 +14073,14 @@
         </p:sp>
         <p:sp>
           <p:nvSpPr>
-            <p:cNvPr id="156" name="Espace réservé du contenu 2"/>
+            <p:cNvPr id="162" name="Espace réservé du contenu 2"/>
             <p:cNvSpPr/>
             <p:nvPr/>
           </p:nvSpPr>
           <p:spPr>
             <a:xfrm>
               <a:off x="7851960" y="2668680"/>
-              <a:ext cx="2742120" cy="655920"/>
+              <a:ext cx="2741760" cy="655560"/>
             </a:xfrm>
             <a:prstGeom prst="rect">
               <a:avLst/>
@@ -13046,14 +14131,14 @@
         </p:sp>
         <p:sp>
           <p:nvSpPr>
-            <p:cNvPr id="157" name="Rectangle : coins arrondis 1"/>
+            <p:cNvPr id="163" name="Rectangle : coins arrondis 1"/>
             <p:cNvSpPr/>
             <p:nvPr/>
           </p:nvSpPr>
           <p:spPr>
             <a:xfrm>
               <a:off x="6705360" y="3330360"/>
-              <a:ext cx="5217480" cy="941040"/>
+              <a:ext cx="5217120" cy="940680"/>
             </a:xfrm>
             <a:prstGeom prst="roundRect">
               <a:avLst>
@@ -13110,14 +14195,14 @@
         </p:sp>
         <p:sp>
           <p:nvSpPr>
-            <p:cNvPr id="158" name="Espace réservé du contenu 1"/>
+            <p:cNvPr id="164" name="Espace réservé du contenu 1"/>
             <p:cNvSpPr/>
             <p:nvPr/>
           </p:nvSpPr>
           <p:spPr>
             <a:xfrm>
               <a:off x="6858000" y="4180680"/>
-              <a:ext cx="5028480" cy="655920"/>
+              <a:ext cx="5028120" cy="655560"/>
             </a:xfrm>
             <a:prstGeom prst="rect">
               <a:avLst/>
@@ -13181,310 +14266,7 @@
         <p:txBody>
           <a:bodyPr/>
           <a:p>
-            <a:fld id="{AD1C4215-E1F9-428E-B29F-B592412AB5D2}" type="slidenum">
-              <a:t>7</a:t>
-            </a:fld>
-          </a:p>
-        </p:txBody>
-      </p:sp>
-    </p:spTree>
-  </p:cSld>
-  <mc:AlternateContent>
-    <mc:Choice Requires="p14">
-      <p:transition spd="slow" p14:dur="2000"/>
-    </mc:Choice>
-    <mc:Fallback>
-      <p:transition spd="slow"/>
-    </mc:Fallback>
-  </mc:AlternateContent>
-</p:sld>
-</file>
-
-<file path=ppt/slides/slide8.xml><?xml version="1.0" encoding="utf-8"?>
-<p:sld xmlns:a="http://schemas.openxmlformats.org/drawingml/2006/main" xmlns:p="http://schemas.openxmlformats.org/presentationml/2006/main" xmlns:r="http://schemas.openxmlformats.org/officeDocument/2006/relationships" xmlns:p14="http://schemas.microsoft.com/office/powerpoint/2010/main" xmlns:p15="http://schemas.microsoft.com/office/powerpoint/2012/main" xmlns:mc="http://schemas.openxmlformats.org/markup-compatibility/2006">
-  <p:cSld>
-    <p:spTree>
-      <p:nvGrpSpPr>
-        <p:cNvPr id="1" name=""/>
-        <p:cNvGrpSpPr/>
-        <p:nvPr/>
-      </p:nvGrpSpPr>
-      <p:grpSpPr>
-        <a:xfrm>
-          <a:off x="0" y="0"/>
-          <a:ext cx="0" cy="0"/>
-          <a:chOff x="0" y="0"/>
-          <a:chExt cx="0" cy="0"/>
-        </a:xfrm>
-      </p:grpSpPr>
-      <p:sp>
-        <p:nvSpPr>
-          <p:cNvPr id="159" name="Titre 1"/>
-          <p:cNvSpPr/>
-          <p:nvPr/>
-        </p:nvSpPr>
-        <p:spPr>
-          <a:xfrm>
-            <a:off x="838080" y="365040"/>
-            <a:ext cx="10514520" cy="761400"/>
-          </a:xfrm>
-          <a:prstGeom prst="rect">
-            <a:avLst/>
-          </a:prstGeom>
-          <a:noFill/>
-          <a:ln w="0">
-            <a:noFill/>
-          </a:ln>
-        </p:spPr>
-        <p:style>
-          <a:lnRef idx="0"/>
-          <a:fillRef idx="0"/>
-          <a:effectRef idx="0"/>
-          <a:fontRef idx="minor"/>
-        </p:style>
-        <p:txBody>
-          <a:bodyPr lIns="90000" rIns="90000" tIns="45000" bIns="45000" anchor="t">
-            <a:normAutofit/>
-          </a:bodyPr>
-          <a:p>
-            <a:pPr>
-              <a:lnSpc>
-                <a:spcPct val="90000"/>
-              </a:lnSpc>
-              <a:buNone/>
-            </a:pPr>
-            <a:r>
-              <a:rPr b="1" lang="fr-FR" sz="3600" spc="-1" strike="noStrike">
-                <a:solidFill>
-                  <a:srgbClr val="000000"/>
-                </a:solidFill>
-                <a:latin typeface="Verdana Pro Black"/>
-                <a:ea typeface="Verdana"/>
-              </a:rPr>
-              <a:t>Step 3: Model selection</a:t>
-            </a:r>
-            <a:endParaRPr b="0" lang="en-US" sz="3600" spc="-1" strike="noStrike">
-              <a:latin typeface="Arial"/>
-            </a:endParaRPr>
-          </a:p>
-        </p:txBody>
-      </p:sp>
-      <p:sp>
-        <p:nvSpPr>
-          <p:cNvPr id="160" name="Espace réservé du contenu 2"/>
-          <p:cNvSpPr/>
-          <p:nvPr/>
-        </p:nvSpPr>
-        <p:spPr>
-          <a:xfrm>
-            <a:off x="838080" y="1886760"/>
-            <a:ext cx="10514520" cy="2668320"/>
-          </a:xfrm>
-          <a:prstGeom prst="rect">
-            <a:avLst/>
-          </a:prstGeom>
-          <a:noFill/>
-          <a:ln w="0">
-            <a:noFill/>
-          </a:ln>
-        </p:spPr>
-        <p:style>
-          <a:lnRef idx="0"/>
-          <a:fillRef idx="0"/>
-          <a:effectRef idx="0"/>
-          <a:fontRef idx="minor"/>
-        </p:style>
-        <p:txBody>
-          <a:bodyPr lIns="90000" rIns="90000" tIns="45000" bIns="45000" anchor="t">
-            <a:noAutofit/>
-          </a:bodyPr>
-          <a:p>
-            <a:pPr marL="228600" indent="-228600">
-              <a:lnSpc>
-                <a:spcPct val="150000"/>
-              </a:lnSpc>
-              <a:spcBef>
-                <a:spcPts val="1001"/>
-              </a:spcBef>
-              <a:buClr>
-                <a:srgbClr val="000000"/>
-              </a:buClr>
-              <a:buFont typeface="Wingdings" charset="2"/>
-              <a:buChar char=""/>
-            </a:pPr>
-            <a:r>
-              <a:rPr b="0" lang="en-US" sz="2400" spc="-1" strike="noStrike">
-                <a:solidFill>
-                  <a:srgbClr val="000000"/>
-                </a:solidFill>
-                <a:latin typeface="Verdana Pro Black"/>
-                <a:ea typeface="Verdana"/>
-              </a:rPr>
-              <a:t> </a:t>
-            </a:r>
-            <a:r>
-              <a:rPr b="0" lang="en-US" sz="2400" spc="-1" strike="noStrike">
-                <a:solidFill>
-                  <a:srgbClr val="000000"/>
-                </a:solidFill>
-                <a:latin typeface="Verdana Pro Black"/>
-                <a:ea typeface="Verdana"/>
-              </a:rPr>
-              <a:t>Ensemble (Logistic Regression, K Nearest Neighbours, Classification Tree)</a:t>
-            </a:r>
-            <a:endParaRPr b="0" lang="en-US" sz="2400" spc="-1" strike="noStrike">
-              <a:latin typeface="Arial"/>
-            </a:endParaRPr>
-          </a:p>
-          <a:p>
-            <a:pPr marL="228600" indent="-228600">
-              <a:lnSpc>
-                <a:spcPct val="150000"/>
-              </a:lnSpc>
-              <a:spcBef>
-                <a:spcPts val="1001"/>
-              </a:spcBef>
-              <a:buClr>
-                <a:srgbClr val="000000"/>
-              </a:buClr>
-              <a:buFont typeface="Wingdings" charset="2"/>
-              <a:buChar char=""/>
-            </a:pPr>
-            <a:r>
-              <a:rPr b="0" lang="en-US" sz="2400" spc="-1" strike="noStrike">
-                <a:solidFill>
-                  <a:srgbClr val="000000"/>
-                </a:solidFill>
-                <a:latin typeface="Verdana Pro Black"/>
-                <a:ea typeface="Verdana"/>
-              </a:rPr>
-              <a:t> </a:t>
-            </a:r>
-            <a:r>
-              <a:rPr b="0" lang="en-US" sz="2400" spc="-1" strike="noStrike">
-                <a:solidFill>
-                  <a:srgbClr val="000000"/>
-                </a:solidFill>
-                <a:latin typeface="Verdana Pro Black"/>
-                <a:ea typeface="Verdana"/>
-              </a:rPr>
-              <a:t>Random forests</a:t>
-            </a:r>
-            <a:endParaRPr b="0" lang="en-US" sz="2400" spc="-1" strike="noStrike">
-              <a:latin typeface="Arial"/>
-            </a:endParaRPr>
-          </a:p>
-          <a:p>
-            <a:pPr marL="228600" indent="-228600">
-              <a:lnSpc>
-                <a:spcPct val="150000"/>
-              </a:lnSpc>
-              <a:spcBef>
-                <a:spcPts val="1001"/>
-              </a:spcBef>
-              <a:buClr>
-                <a:srgbClr val="000000"/>
-              </a:buClr>
-              <a:buFont typeface="Wingdings" charset="2"/>
-              <a:buChar char=""/>
-            </a:pPr>
-            <a:r>
-              <a:rPr b="0" lang="en-US" sz="2400" spc="-1" strike="noStrike">
-                <a:solidFill>
-                  <a:srgbClr val="000000"/>
-                </a:solidFill>
-                <a:latin typeface="Verdana Pro Black"/>
-                <a:ea typeface="Verdana"/>
-              </a:rPr>
-              <a:t> </a:t>
-            </a:r>
-            <a:r>
-              <a:rPr b="0" lang="en-US" sz="2400" spc="-1" strike="noStrike">
-                <a:solidFill>
-                  <a:srgbClr val="000000"/>
-                </a:solidFill>
-                <a:latin typeface="Verdana Pro Black"/>
-                <a:ea typeface="Verdana"/>
-              </a:rPr>
-              <a:t>AdaBoosting</a:t>
-            </a:r>
-            <a:endParaRPr b="0" lang="en-US" sz="2400" spc="-1" strike="noStrike">
-              <a:latin typeface="Arial"/>
-            </a:endParaRPr>
-          </a:p>
-          <a:p>
-            <a:pPr marL="228600" indent="-228600">
-              <a:lnSpc>
-                <a:spcPct val="150000"/>
-              </a:lnSpc>
-              <a:spcBef>
-                <a:spcPts val="1001"/>
-              </a:spcBef>
-              <a:buClr>
-                <a:srgbClr val="000000"/>
-              </a:buClr>
-              <a:buFont typeface="Wingdings" charset="2"/>
-              <a:buChar char=""/>
-            </a:pPr>
-            <a:r>
-              <a:rPr b="0" lang="en-US" sz="2400" spc="-1" strike="noStrike">
-                <a:solidFill>
-                  <a:srgbClr val="000000"/>
-                </a:solidFill>
-                <a:latin typeface="Verdana Pro Black"/>
-                <a:ea typeface="Verdana"/>
-              </a:rPr>
-              <a:t>Stochastic GradientBoosting</a:t>
-            </a:r>
-            <a:endParaRPr b="0" lang="en-US" sz="2400" spc="-1" strike="noStrike">
-              <a:latin typeface="Arial"/>
-            </a:endParaRPr>
-          </a:p>
-          <a:p>
-            <a:pPr marL="228600" indent="-228600">
-              <a:lnSpc>
-                <a:spcPct val="150000"/>
-              </a:lnSpc>
-              <a:spcBef>
-                <a:spcPts val="1001"/>
-              </a:spcBef>
-              <a:buClr>
-                <a:srgbClr val="000000"/>
-              </a:buClr>
-              <a:buFont typeface="Wingdings" charset="2"/>
-              <a:buChar char=""/>
-            </a:pPr>
-            <a:r>
-              <a:rPr b="0" lang="en-US" sz="2400" spc="-1" strike="noStrike">
-                <a:solidFill>
-                  <a:srgbClr val="000000"/>
-                </a:solidFill>
-                <a:latin typeface="Verdana Pro Black"/>
-                <a:ea typeface="Verdana"/>
-              </a:rPr>
-              <a:t>Multi-layer Perception</a:t>
-            </a:r>
-            <a:endParaRPr b="0" lang="en-US" sz="2400" spc="-1" strike="noStrike">
-              <a:latin typeface="Arial"/>
-            </a:endParaRPr>
-          </a:p>
-        </p:txBody>
-      </p:sp>
-      <p:sp>
-        <p:nvSpPr>
-          <p:cNvPr id="2" name="PlaceHolder 1"/>
-          <p:cNvSpPr>
-            <a:spLocks noGrp="1"/>
-          </p:cNvSpPr>
-          <p:nvPr>
-            <p:ph type="sldNum" idx="8"/>
-          </p:nvPr>
-        </p:nvSpPr>
-        <p:spPr/>
-        <p:txBody>
-          <a:bodyPr/>
-          <a:p>
-            <a:fld id="{22EADBF0-A341-4413-A348-233099678C0B}" type="slidenum">
+            <a:fld id="{4BBD6BD9-27E6-4BD1-A24C-2D367759FEB6}" type="slidenum">
               <a:t>8</a:t>
             </a:fld>
           </a:p>
@@ -13522,14 +14304,14 @@
       </p:grpSpPr>
       <p:sp>
         <p:nvSpPr>
-          <p:cNvPr id="161" name="Titre 1"/>
+          <p:cNvPr id="165" name="Titre 1"/>
           <p:cNvSpPr/>
           <p:nvPr/>
         </p:nvSpPr>
         <p:spPr>
           <a:xfrm>
             <a:off x="838080" y="365040"/>
-            <a:ext cx="10514520" cy="761400"/>
+            <a:ext cx="10514160" cy="761040"/>
           </a:xfrm>
           <a:prstGeom prst="rect">
             <a:avLst/>
@@ -13557,14 +14339,14 @@
               <a:buNone/>
             </a:pPr>
             <a:r>
-              <a:rPr b="1" lang="en-US" sz="3600" spc="-1" strike="noStrike">
+              <a:rPr b="1" lang="fr-FR" sz="3600" spc="-1" strike="noStrike">
                 <a:solidFill>
                   <a:srgbClr val="000000"/>
                 </a:solidFill>
                 <a:latin typeface="Verdana Pro Black"/>
                 <a:ea typeface="Verdana"/>
               </a:rPr>
-              <a:t>Step 4: Apply your model</a:t>
+              <a:t>Step 3: Model selection</a:t>
             </a:r>
             <a:endParaRPr b="0" lang="en-US" sz="3600" spc="-1" strike="noStrike">
               <a:latin typeface="Arial"/>
@@ -13572,689 +14354,207 @@
           </a:p>
         </p:txBody>
       </p:sp>
-      <p:graphicFrame>
-        <p:nvGraphicFramePr>
-          <p:cNvPr id="162" name=""/>
-          <p:cNvGraphicFramePr/>
+      <p:sp>
+        <p:nvSpPr>
+          <p:cNvPr id="166" name="Espace réservé du contenu 2"/>
+          <p:cNvSpPr/>
           <p:nvPr/>
-        </p:nvGraphicFramePr>
-        <p:xfrm>
-          <a:off x="1371600" y="1292760"/>
-          <a:ext cx="8457840" cy="4319280"/>
-        </p:xfrm>
-        <a:graphic>
-          <a:graphicData uri="http://schemas.openxmlformats.org/drawingml/2006/table">
-            <a:tbl>
-              <a:tblPr/>
-              <a:tblGrid>
-                <a:gridCol w="4228200"/>
-                <a:gridCol w="4230000"/>
-              </a:tblGrid>
-              <a:tr h="719640">
-                <a:tc>
-                  <a:txBody>
-                    <a:bodyPr anchor="t">
-                      <a:noAutofit/>
-                    </a:bodyPr>
-                    <a:p>
-                      <a:pPr algn="ctr">
-                        <a:lnSpc>
-                          <a:spcPct val="100000"/>
-                        </a:lnSpc>
-                        <a:buNone/>
-                      </a:pPr>
-                      <a:r>
-                        <a:rPr b="1" lang="fr-BE" sz="2000" spc="-1" strike="noStrike">
-                          <a:solidFill>
-                            <a:srgbClr val="ffffff"/>
-                          </a:solidFill>
-                          <a:latin typeface="Verdana"/>
-                          <a:ea typeface="Verdana"/>
-                        </a:rPr>
-                        <a:t>Model</a:t>
-                      </a:r>
-                      <a:endParaRPr b="0" lang="en-US" sz="2000" spc="-1" strike="noStrike">
-                        <a:latin typeface="Arial"/>
-                      </a:endParaRPr>
-                    </a:p>
-                  </a:txBody>
-                  <a:tcPr anchor="t" marL="91440" marR="91440">
-                    <a:lnL w="12240">
-                      <a:solidFill>
-                        <a:srgbClr val="ffffff"/>
-                      </a:solidFill>
-                    </a:lnL>
-                    <a:lnR w="12240">
-                      <a:solidFill>
-                        <a:srgbClr val="ffffff"/>
-                      </a:solidFill>
-                    </a:lnR>
-                    <a:lnT w="12240">
-                      <a:solidFill>
-                        <a:srgbClr val="ffffff"/>
-                      </a:solidFill>
-                    </a:lnT>
-                    <a:lnB w="38160">
-                      <a:solidFill>
-                        <a:srgbClr val="ffffff"/>
-                      </a:solidFill>
-                    </a:lnB>
-                    <a:solidFill>
-                      <a:srgbClr val="4472c4"/>
-                    </a:solidFill>
-                  </a:tcPr>
-                </a:tc>
-                <a:tc>
-                  <a:txBody>
-                    <a:bodyPr anchor="t">
-                      <a:noAutofit/>
-                    </a:bodyPr>
-                    <a:p>
-                      <a:pPr algn="ctr">
-                        <a:lnSpc>
-                          <a:spcPct val="100000"/>
-                        </a:lnSpc>
-                        <a:buNone/>
-                      </a:pPr>
-                      <a:r>
-                        <a:rPr b="1" lang="fr-BE" sz="2000" spc="-1" strike="noStrike">
-                          <a:solidFill>
-                            <a:srgbClr val="ffffff"/>
-                          </a:solidFill>
-                          <a:latin typeface="Verdana"/>
-                          <a:ea typeface="Verdana"/>
-                        </a:rPr>
-                        <a:t>Accuracy Score</a:t>
-                      </a:r>
-                      <a:endParaRPr b="0" lang="en-US" sz="2000" spc="-1" strike="noStrike">
-                        <a:latin typeface="Arial"/>
-                      </a:endParaRPr>
-                    </a:p>
-                  </a:txBody>
-                  <a:tcPr anchor="t" marL="91440" marR="91440">
-                    <a:lnL w="12240">
-                      <a:solidFill>
-                        <a:srgbClr val="ffffff"/>
-                      </a:solidFill>
-                    </a:lnL>
-                    <a:lnR w="12240">
-                      <a:solidFill>
-                        <a:srgbClr val="ffffff"/>
-                      </a:solidFill>
-                    </a:lnR>
-                    <a:lnT w="12240">
-                      <a:solidFill>
-                        <a:srgbClr val="ffffff"/>
-                      </a:solidFill>
-                    </a:lnT>
-                    <a:lnB w="38160">
-                      <a:solidFill>
-                        <a:srgbClr val="ffffff"/>
-                      </a:solidFill>
-                    </a:lnB>
-                    <a:solidFill>
-                      <a:srgbClr val="4472c4"/>
-                    </a:solidFill>
-                  </a:tcPr>
-                </a:tc>
-              </a:tr>
-              <a:tr h="719640">
-                <a:tc>
-                  <a:txBody>
-                    <a:bodyPr anchor="t">
-                      <a:noAutofit/>
-                    </a:bodyPr>
-                    <a:p>
-                      <a:pPr algn="ctr">
-                        <a:lnSpc>
-                          <a:spcPct val="100000"/>
-                        </a:lnSpc>
-                        <a:buNone/>
-                        <a:tabLst>
-                          <a:tab algn="l" pos="0"/>
-                        </a:tabLst>
-                      </a:pPr>
-                      <a:r>
-                        <a:rPr b="0" lang="fr-BE" sz="2000" spc="-1" strike="noStrike">
-                          <a:solidFill>
-                            <a:srgbClr val="000000"/>
-                          </a:solidFill>
-                          <a:latin typeface="Verdana"/>
-                          <a:ea typeface="Verdana"/>
-                        </a:rPr>
-                        <a:t>Ensemble</a:t>
-                      </a:r>
-                      <a:endParaRPr b="0" lang="en-US" sz="2000" spc="-1" strike="noStrike">
-                        <a:latin typeface="Arial"/>
-                      </a:endParaRPr>
-                    </a:p>
-                  </a:txBody>
-                  <a:tcPr anchor="t" marL="91440" marR="91440">
-                    <a:lnL w="12240">
-                      <a:solidFill>
-                        <a:srgbClr val="ffffff"/>
-                      </a:solidFill>
-                    </a:lnL>
-                    <a:lnR w="12240">
-                      <a:solidFill>
-                        <a:srgbClr val="ffffff"/>
-                      </a:solidFill>
-                    </a:lnR>
-                    <a:lnT w="12240">
-                      <a:solidFill>
-                        <a:srgbClr val="ffffff"/>
-                      </a:solidFill>
-                    </a:lnT>
-                    <a:lnB w="12240">
-                      <a:solidFill>
-                        <a:srgbClr val="ffffff"/>
-                      </a:solidFill>
-                    </a:lnB>
-                    <a:solidFill>
-                      <a:srgbClr val="cfd5e9"/>
-                    </a:solidFill>
-                  </a:tcPr>
-                </a:tc>
-                <a:tc>
-                  <a:txBody>
-                    <a:bodyPr anchor="t">
-                      <a:noAutofit/>
-                    </a:bodyPr>
-                    <a:p>
-                      <a:pPr algn="ctr">
-                        <a:lnSpc>
-                          <a:spcPct val="100000"/>
-                        </a:lnSpc>
-                        <a:buNone/>
-                      </a:pPr>
-                      <a:r>
-                        <a:rPr b="0" lang="fr-BE" sz="2000" spc="-1" strike="noStrike">
-                          <a:solidFill>
-                            <a:srgbClr val="000000"/>
-                          </a:solidFill>
-                          <a:latin typeface="Verdana"/>
-                          <a:ea typeface="Verdana"/>
-                        </a:rPr>
-                        <a:t>0.7356</a:t>
-                      </a:r>
-                      <a:endParaRPr b="0" lang="en-US" sz="2000" spc="-1" strike="noStrike">
-                        <a:latin typeface="Arial"/>
-                      </a:endParaRPr>
-                    </a:p>
-                  </a:txBody>
-                  <a:tcPr anchor="t" marL="91440" marR="91440">
-                    <a:lnL w="12240">
-                      <a:solidFill>
-                        <a:srgbClr val="ffffff"/>
-                      </a:solidFill>
-                    </a:lnL>
-                    <a:lnR w="12240">
-                      <a:solidFill>
-                        <a:srgbClr val="ffffff"/>
-                      </a:solidFill>
-                    </a:lnR>
-                    <a:lnT w="12240">
-                      <a:solidFill>
-                        <a:srgbClr val="ffffff"/>
-                      </a:solidFill>
-                    </a:lnT>
-                    <a:lnB w="12240">
-                      <a:solidFill>
-                        <a:srgbClr val="ffffff"/>
-                      </a:solidFill>
-                    </a:lnB>
-                    <a:solidFill>
-                      <a:srgbClr val="cfd5e9"/>
-                    </a:solidFill>
-                  </a:tcPr>
-                </a:tc>
-              </a:tr>
-              <a:tr h="719640">
-                <a:tc>
-                  <a:txBody>
-                    <a:bodyPr anchor="t">
-                      <a:noAutofit/>
-                    </a:bodyPr>
-                    <a:p>
-                      <a:pPr algn="ctr">
-                        <a:lnSpc>
-                          <a:spcPct val="100000"/>
-                        </a:lnSpc>
-                        <a:buNone/>
-                        <a:tabLst>
-                          <a:tab algn="l" pos="0"/>
-                        </a:tabLst>
-                      </a:pPr>
-                      <a:r>
-                        <a:rPr b="0" lang="fr-BE" sz="2000" spc="-1" strike="noStrike">
-                          <a:solidFill>
-                            <a:srgbClr val="000000"/>
-                          </a:solidFill>
-                          <a:latin typeface="Verdana"/>
-                          <a:ea typeface="Verdana"/>
-                        </a:rPr>
-                        <a:t>Random Forest</a:t>
-                      </a:r>
-                      <a:endParaRPr b="0" lang="en-US" sz="2000" spc="-1" strike="noStrike">
-                        <a:latin typeface="Arial"/>
-                      </a:endParaRPr>
-                    </a:p>
-                  </a:txBody>
-                  <a:tcPr anchor="t" marL="91440" marR="91440">
-                    <a:lnL w="12240">
-                      <a:solidFill>
-                        <a:srgbClr val="ffffff"/>
-                      </a:solidFill>
-                    </a:lnL>
-                    <a:lnR w="12240">
-                      <a:solidFill>
-                        <a:srgbClr val="ffffff"/>
-                      </a:solidFill>
-                    </a:lnR>
-                    <a:lnT w="12240">
-                      <a:solidFill>
-                        <a:srgbClr val="ffffff"/>
-                      </a:solidFill>
-                    </a:lnT>
-                    <a:lnB w="12240">
-                      <a:solidFill>
-                        <a:srgbClr val="ffffff"/>
-                      </a:solidFill>
-                    </a:lnB>
-                    <a:solidFill>
-                      <a:srgbClr val="cfd5e9"/>
-                    </a:solidFill>
-                  </a:tcPr>
-                </a:tc>
-                <a:tc>
-                  <a:txBody>
-                    <a:bodyPr anchor="t">
-                      <a:noAutofit/>
-                    </a:bodyPr>
-                    <a:p>
-                      <a:pPr algn="ctr">
-                        <a:lnSpc>
-                          <a:spcPct val="100000"/>
-                        </a:lnSpc>
-                        <a:buNone/>
-                      </a:pPr>
-                      <a:r>
-                        <a:rPr b="0" lang="fr-BE" sz="2000" spc="-1" strike="noStrike">
-                          <a:solidFill>
-                            <a:srgbClr val="000000"/>
-                          </a:solidFill>
-                          <a:latin typeface="Verdana"/>
-                          <a:ea typeface="Verdana"/>
-                        </a:rPr>
-                        <a:t>0.6957</a:t>
-                      </a:r>
-                      <a:endParaRPr b="0" lang="en-US" sz="2000" spc="-1" strike="noStrike">
-                        <a:latin typeface="Arial"/>
-                      </a:endParaRPr>
-                    </a:p>
-                  </a:txBody>
-                  <a:tcPr anchor="t" marL="91440" marR="91440">
-                    <a:lnL w="12240">
-                      <a:solidFill>
-                        <a:srgbClr val="ffffff"/>
-                      </a:solidFill>
-                    </a:lnL>
-                    <a:lnR w="12240">
-                      <a:solidFill>
-                        <a:srgbClr val="ffffff"/>
-                      </a:solidFill>
-                    </a:lnR>
-                    <a:lnT w="12240">
-                      <a:solidFill>
-                        <a:srgbClr val="ffffff"/>
-                      </a:solidFill>
-                    </a:lnT>
-                    <a:lnB w="12240">
-                      <a:solidFill>
-                        <a:srgbClr val="ffffff"/>
-                      </a:solidFill>
-                    </a:lnB>
-                    <a:solidFill>
-                      <a:srgbClr val="cfd5e9"/>
-                    </a:solidFill>
-                  </a:tcPr>
-                </a:tc>
-              </a:tr>
-              <a:tr h="719640">
-                <a:tc>
-                  <a:txBody>
-                    <a:bodyPr anchor="t">
-                      <a:noAutofit/>
-                    </a:bodyPr>
-                    <a:p>
-                      <a:pPr algn="ctr">
-                        <a:lnSpc>
-                          <a:spcPct val="100000"/>
-                        </a:lnSpc>
-                        <a:buNone/>
-                        <a:tabLst>
-                          <a:tab algn="l" pos="0"/>
-                        </a:tabLst>
-                      </a:pPr>
-                      <a:r>
-                        <a:rPr b="0" lang="fr-BE" sz="2000" spc="-1" strike="noStrike">
-                          <a:solidFill>
-                            <a:srgbClr val="000000"/>
-                          </a:solidFill>
-                          <a:latin typeface="Verdana"/>
-                          <a:ea typeface="Verdana"/>
-                        </a:rPr>
-                        <a:t>AdaBoosting</a:t>
-                      </a:r>
-                      <a:endParaRPr b="0" lang="en-US" sz="2000" spc="-1" strike="noStrike">
-                        <a:latin typeface="Arial"/>
-                      </a:endParaRPr>
-                    </a:p>
-                  </a:txBody>
-                  <a:tcPr anchor="t" marL="91440" marR="91440">
-                    <a:lnL w="12240">
-                      <a:solidFill>
-                        <a:srgbClr val="ffffff"/>
-                      </a:solidFill>
-                    </a:lnL>
-                    <a:lnR w="12240">
-                      <a:solidFill>
-                        <a:srgbClr val="ffffff"/>
-                      </a:solidFill>
-                    </a:lnR>
-                    <a:lnT w="12240">
-                      <a:solidFill>
-                        <a:srgbClr val="ffffff"/>
-                      </a:solidFill>
-                    </a:lnT>
-                    <a:lnB w="12240">
-                      <a:solidFill>
-                        <a:srgbClr val="ffffff"/>
-                      </a:solidFill>
-                    </a:lnB>
-                    <a:solidFill>
-                      <a:srgbClr val="cfd5e9"/>
-                    </a:solidFill>
-                  </a:tcPr>
-                </a:tc>
-                <a:tc>
-                  <a:txBody>
-                    <a:bodyPr anchor="t">
-                      <a:noAutofit/>
-                    </a:bodyPr>
-                    <a:p>
-                      <a:pPr algn="ctr">
-                        <a:lnSpc>
-                          <a:spcPct val="100000"/>
-                        </a:lnSpc>
-                        <a:buNone/>
-                      </a:pPr>
-                      <a:r>
-                        <a:rPr b="0" lang="fr-BE" sz="2000" spc="-1" strike="noStrike">
-                          <a:solidFill>
-                            <a:srgbClr val="000000"/>
-                          </a:solidFill>
-                          <a:latin typeface="Verdana"/>
-                          <a:ea typeface="Verdana"/>
-                        </a:rPr>
-                        <a:t>0.7304</a:t>
-                      </a:r>
-                      <a:endParaRPr b="0" lang="en-US" sz="2000" spc="-1" strike="noStrike">
-                        <a:latin typeface="Arial"/>
-                      </a:endParaRPr>
-                    </a:p>
-                  </a:txBody>
-                  <a:tcPr anchor="t" marL="91440" marR="91440">
-                    <a:lnL w="12240">
-                      <a:solidFill>
-                        <a:srgbClr val="ffffff"/>
-                      </a:solidFill>
-                    </a:lnL>
-                    <a:lnR w="12240">
-                      <a:solidFill>
-                        <a:srgbClr val="ffffff"/>
-                      </a:solidFill>
-                    </a:lnR>
-                    <a:lnT w="12240">
-                      <a:solidFill>
-                        <a:srgbClr val="ffffff"/>
-                      </a:solidFill>
-                    </a:lnT>
-                    <a:lnB w="12240">
-                      <a:solidFill>
-                        <a:srgbClr val="ffffff"/>
-                      </a:solidFill>
-                    </a:lnB>
-                    <a:solidFill>
-                      <a:srgbClr val="cfd5e9"/>
-                    </a:solidFill>
-                  </a:tcPr>
-                </a:tc>
-              </a:tr>
-              <a:tr h="719640">
-                <a:tc>
-                  <a:txBody>
-                    <a:bodyPr anchor="t">
-                      <a:noAutofit/>
-                    </a:bodyPr>
-                    <a:p>
-                      <a:pPr algn="ctr">
-                        <a:lnSpc>
-                          <a:spcPct val="100000"/>
-                        </a:lnSpc>
-                        <a:buNone/>
-                        <a:tabLst>
-                          <a:tab algn="l" pos="0"/>
-                        </a:tabLst>
-                      </a:pPr>
-                      <a:r>
-                        <a:rPr b="0" lang="fr-BE" sz="2000" spc="-1" strike="noStrike">
-                          <a:solidFill>
-                            <a:srgbClr val="000000"/>
-                          </a:solidFill>
-                          <a:latin typeface="Verdana"/>
-                        </a:rPr>
-                        <a:t>Stochastic GradientBoosting</a:t>
-                      </a:r>
-                      <a:endParaRPr b="0" lang="en-US" sz="2000" spc="-1" strike="noStrike">
-                        <a:latin typeface="Arial"/>
-                      </a:endParaRPr>
-                    </a:p>
-                  </a:txBody>
-                  <a:tcPr anchor="t" marL="91440" marR="91440">
-                    <a:lnL w="12240">
-                      <a:solidFill>
-                        <a:srgbClr val="ffffff"/>
-                      </a:solidFill>
-                    </a:lnL>
-                    <a:lnR w="12240">
-                      <a:solidFill>
-                        <a:srgbClr val="ffffff"/>
-                      </a:solidFill>
-                    </a:lnR>
-                    <a:lnT w="12240">
-                      <a:solidFill>
-                        <a:srgbClr val="ffffff"/>
-                      </a:solidFill>
-                    </a:lnT>
-                    <a:lnB w="12240">
-                      <a:solidFill>
-                        <a:srgbClr val="ffffff"/>
-                      </a:solidFill>
-                    </a:lnB>
-                    <a:solidFill>
-                      <a:srgbClr val="cfd5e9"/>
-                    </a:solidFill>
-                  </a:tcPr>
-                </a:tc>
-                <a:tc>
-                  <a:txBody>
-                    <a:bodyPr anchor="t">
-                      <a:noAutofit/>
-                    </a:bodyPr>
-                    <a:p>
-                      <a:pPr algn="ctr">
-                        <a:lnSpc>
-                          <a:spcPct val="100000"/>
-                        </a:lnSpc>
-                        <a:buNone/>
-                      </a:pPr>
-                      <a:r>
-                        <a:rPr b="0" lang="fr-BE" sz="2000" spc="-1" strike="noStrike">
-                          <a:solidFill>
-                            <a:srgbClr val="000000"/>
-                          </a:solidFill>
-                          <a:latin typeface="Verdana"/>
-                          <a:ea typeface="Verdana"/>
-                        </a:rPr>
-                        <a:t>0.7750</a:t>
-                      </a:r>
-                      <a:endParaRPr b="0" lang="en-US" sz="2000" spc="-1" strike="noStrike">
-                        <a:latin typeface="Arial"/>
-                      </a:endParaRPr>
-                    </a:p>
-                  </a:txBody>
-                  <a:tcPr anchor="t" marL="91440" marR="91440">
-                    <a:lnL w="12240">
-                      <a:solidFill>
-                        <a:srgbClr val="ffffff"/>
-                      </a:solidFill>
-                    </a:lnL>
-                    <a:lnR w="12240">
-                      <a:solidFill>
-                        <a:srgbClr val="ffffff"/>
-                      </a:solidFill>
-                    </a:lnR>
-                    <a:lnT w="12240">
-                      <a:solidFill>
-                        <a:srgbClr val="ffffff"/>
-                      </a:solidFill>
-                    </a:lnT>
-                    <a:lnB w="12240">
-                      <a:solidFill>
-                        <a:srgbClr val="ffffff"/>
-                      </a:solidFill>
-                    </a:lnB>
-                    <a:solidFill>
-                      <a:srgbClr val="cfd5e9"/>
-                    </a:solidFill>
-                  </a:tcPr>
-                </a:tc>
-              </a:tr>
-              <a:tr h="721440">
-                <a:tc>
-                  <a:txBody>
-                    <a:bodyPr anchor="t">
-                      <a:noAutofit/>
-                    </a:bodyPr>
-                    <a:p>
-                      <a:pPr algn="ctr">
-                        <a:lnSpc>
-                          <a:spcPct val="100000"/>
-                        </a:lnSpc>
-                        <a:buNone/>
-                        <a:tabLst>
-                          <a:tab algn="l" pos="0"/>
-                        </a:tabLst>
-                      </a:pPr>
-                      <a:r>
-                        <a:rPr b="0" lang="fr-BE" sz="2000" spc="-1" strike="noStrike">
-                          <a:solidFill>
-                            <a:srgbClr val="000000"/>
-                          </a:solidFill>
-                          <a:latin typeface="Verdana"/>
-                        </a:rPr>
-                        <a:t>Multi-layer Perception</a:t>
-                      </a:r>
-                      <a:endParaRPr b="0" lang="en-US" sz="2000" spc="-1" strike="noStrike">
-                        <a:latin typeface="Arial"/>
-                      </a:endParaRPr>
-                    </a:p>
-                  </a:txBody>
-                  <a:tcPr anchor="t" marL="91440" marR="91440">
-                    <a:lnL w="12240">
-                      <a:solidFill>
-                        <a:srgbClr val="ffffff"/>
-                      </a:solidFill>
-                    </a:lnL>
-                    <a:lnR w="12240">
-                      <a:solidFill>
-                        <a:srgbClr val="ffffff"/>
-                      </a:solidFill>
-                    </a:lnR>
-                    <a:lnT w="12240">
-                      <a:solidFill>
-                        <a:srgbClr val="ffffff"/>
-                      </a:solidFill>
-                    </a:lnT>
-                    <a:lnB w="12240">
-                      <a:solidFill>
-                        <a:srgbClr val="ffffff"/>
-                      </a:solidFill>
-                    </a:lnB>
-                    <a:solidFill>
-                      <a:srgbClr val="cfd5e9"/>
-                    </a:solidFill>
-                  </a:tcPr>
-                </a:tc>
-                <a:tc>
-                  <a:txBody>
-                    <a:bodyPr anchor="t">
-                      <a:noAutofit/>
-                    </a:bodyPr>
-                    <a:p>
-                      <a:pPr algn="ctr">
-                        <a:lnSpc>
-                          <a:spcPct val="100000"/>
-                        </a:lnSpc>
-                        <a:buNone/>
-                      </a:pPr>
-                      <a:r>
-                        <a:rPr b="0" lang="fr-BE" sz="2000" spc="-1" strike="noStrike">
-                          <a:solidFill>
-                            <a:srgbClr val="000000"/>
-                          </a:solidFill>
-                          <a:latin typeface="Verdana"/>
-                          <a:ea typeface="Verdana"/>
-                        </a:rPr>
-                        <a:t>0.7394</a:t>
-                      </a:r>
-                      <a:endParaRPr b="0" lang="en-US" sz="2000" spc="-1" strike="noStrike">
-                        <a:latin typeface="Arial"/>
-                      </a:endParaRPr>
-                    </a:p>
-                  </a:txBody>
-                  <a:tcPr anchor="t" marL="91440" marR="91440">
-                    <a:lnL w="12240">
-                      <a:solidFill>
-                        <a:srgbClr val="ffffff"/>
-                      </a:solidFill>
-                    </a:lnL>
-                    <a:lnR w="12240">
-                      <a:solidFill>
-                        <a:srgbClr val="ffffff"/>
-                      </a:solidFill>
-                    </a:lnR>
-                    <a:lnT w="12240">
-                      <a:solidFill>
-                        <a:srgbClr val="ffffff"/>
-                      </a:solidFill>
-                    </a:lnT>
-                    <a:lnB w="12240">
-                      <a:solidFill>
-                        <a:srgbClr val="ffffff"/>
-                      </a:solidFill>
-                    </a:lnB>
-                    <a:solidFill>
-                      <a:srgbClr val="cfd5e9"/>
-                    </a:solidFill>
-                  </a:tcPr>
-                </a:tc>
-              </a:tr>
-            </a:tbl>
-          </a:graphicData>
-        </a:graphic>
-      </p:graphicFrame>
+        </p:nvSpPr>
+        <p:spPr>
+          <a:xfrm>
+            <a:off x="838080" y="1886760"/>
+            <a:ext cx="10514160" cy="2667960"/>
+          </a:xfrm>
+          <a:prstGeom prst="rect">
+            <a:avLst/>
+          </a:prstGeom>
+          <a:noFill/>
+          <a:ln w="0">
+            <a:noFill/>
+          </a:ln>
+        </p:spPr>
+        <p:style>
+          <a:lnRef idx="0"/>
+          <a:fillRef idx="0"/>
+          <a:effectRef idx="0"/>
+          <a:fontRef idx="minor"/>
+        </p:style>
+        <p:txBody>
+          <a:bodyPr lIns="90000" rIns="90000" tIns="45000" bIns="45000" anchor="t">
+            <a:noAutofit/>
+          </a:bodyPr>
+          <a:p>
+            <a:pPr marL="228600" indent="-228600">
+              <a:lnSpc>
+                <a:spcPct val="150000"/>
+              </a:lnSpc>
+              <a:spcBef>
+                <a:spcPts val="1001"/>
+              </a:spcBef>
+              <a:buClr>
+                <a:srgbClr val="000000"/>
+              </a:buClr>
+              <a:buFont typeface="Wingdings" charset="2"/>
+              <a:buChar char=""/>
+            </a:pPr>
+            <a:r>
+              <a:rPr b="0" lang="en-US" sz="2400" spc="-1" strike="noStrike">
+                <a:solidFill>
+                  <a:srgbClr val="000000"/>
+                </a:solidFill>
+                <a:latin typeface="Verdana Pro Black"/>
+                <a:ea typeface="Verdana"/>
+              </a:rPr>
+              <a:t> </a:t>
+            </a:r>
+            <a:r>
+              <a:rPr b="0" lang="en-US" sz="2400" spc="-1" strike="noStrike">
+                <a:solidFill>
+                  <a:srgbClr val="000000"/>
+                </a:solidFill>
+                <a:latin typeface="Verdana Pro Black"/>
+                <a:ea typeface="Verdana"/>
+              </a:rPr>
+              <a:t>Ensemble (Logistic Regression, K Nearest Neighbours, Classification Tree)</a:t>
+            </a:r>
+            <a:endParaRPr b="0" lang="en-US" sz="2400" spc="-1" strike="noStrike">
+              <a:latin typeface="Arial"/>
+            </a:endParaRPr>
+          </a:p>
+          <a:p>
+            <a:pPr marL="228600" indent="-228600">
+              <a:lnSpc>
+                <a:spcPct val="150000"/>
+              </a:lnSpc>
+              <a:spcBef>
+                <a:spcPts val="1001"/>
+              </a:spcBef>
+              <a:buClr>
+                <a:srgbClr val="000000"/>
+              </a:buClr>
+              <a:buFont typeface="Wingdings" charset="2"/>
+              <a:buChar char=""/>
+            </a:pPr>
+            <a:r>
+              <a:rPr b="0" lang="en-US" sz="2400" spc="-1" strike="noStrike">
+                <a:solidFill>
+                  <a:srgbClr val="000000"/>
+                </a:solidFill>
+                <a:latin typeface="Verdana Pro Black"/>
+                <a:ea typeface="Verdana"/>
+              </a:rPr>
+              <a:t> </a:t>
+            </a:r>
+            <a:r>
+              <a:rPr b="0" lang="en-US" sz="2400" spc="-1" strike="noStrike">
+                <a:solidFill>
+                  <a:srgbClr val="000000"/>
+                </a:solidFill>
+                <a:latin typeface="Verdana Pro Black"/>
+                <a:ea typeface="Verdana"/>
+              </a:rPr>
+              <a:t>Random forests</a:t>
+            </a:r>
+            <a:endParaRPr b="0" lang="en-US" sz="2400" spc="-1" strike="noStrike">
+              <a:latin typeface="Arial"/>
+            </a:endParaRPr>
+          </a:p>
+          <a:p>
+            <a:pPr marL="228600" indent="-228600">
+              <a:lnSpc>
+                <a:spcPct val="150000"/>
+              </a:lnSpc>
+              <a:spcBef>
+                <a:spcPts val="1001"/>
+              </a:spcBef>
+              <a:buClr>
+                <a:srgbClr val="000000"/>
+              </a:buClr>
+              <a:buFont typeface="Wingdings" charset="2"/>
+              <a:buChar char=""/>
+            </a:pPr>
+            <a:r>
+              <a:rPr b="0" lang="en-US" sz="2400" spc="-1" strike="noStrike">
+                <a:solidFill>
+                  <a:srgbClr val="000000"/>
+                </a:solidFill>
+                <a:latin typeface="Verdana Pro Black"/>
+                <a:ea typeface="Verdana"/>
+              </a:rPr>
+              <a:t> </a:t>
+            </a:r>
+            <a:r>
+              <a:rPr b="0" lang="en-US" sz="2400" spc="-1" strike="noStrike">
+                <a:solidFill>
+                  <a:srgbClr val="000000"/>
+                </a:solidFill>
+                <a:latin typeface="Verdana Pro Black"/>
+                <a:ea typeface="Verdana"/>
+              </a:rPr>
+              <a:t>AdaBoosting</a:t>
+            </a:r>
+            <a:endParaRPr b="0" lang="en-US" sz="2400" spc="-1" strike="noStrike">
+              <a:latin typeface="Arial"/>
+            </a:endParaRPr>
+          </a:p>
+          <a:p>
+            <a:pPr marL="228600" indent="-228600">
+              <a:lnSpc>
+                <a:spcPct val="150000"/>
+              </a:lnSpc>
+              <a:spcBef>
+                <a:spcPts val="1001"/>
+              </a:spcBef>
+              <a:buClr>
+                <a:srgbClr val="000000"/>
+              </a:buClr>
+              <a:buFont typeface="Wingdings" charset="2"/>
+              <a:buChar char=""/>
+            </a:pPr>
+            <a:r>
+              <a:rPr b="0" lang="en-US" sz="2400" spc="-1" strike="noStrike">
+                <a:solidFill>
+                  <a:srgbClr val="000000"/>
+                </a:solidFill>
+                <a:latin typeface="Verdana Pro Black"/>
+                <a:ea typeface="Verdana"/>
+              </a:rPr>
+              <a:t>Stochastic GradientBoosting</a:t>
+            </a:r>
+            <a:endParaRPr b="0" lang="en-US" sz="2400" spc="-1" strike="noStrike">
+              <a:latin typeface="Arial"/>
+            </a:endParaRPr>
+          </a:p>
+          <a:p>
+            <a:pPr marL="228600" indent="-228600">
+              <a:lnSpc>
+                <a:spcPct val="150000"/>
+              </a:lnSpc>
+              <a:spcBef>
+                <a:spcPts val="1001"/>
+              </a:spcBef>
+              <a:buClr>
+                <a:srgbClr val="000000"/>
+              </a:buClr>
+              <a:buFont typeface="Wingdings" charset="2"/>
+              <a:buChar char=""/>
+            </a:pPr>
+            <a:r>
+              <a:rPr b="0" lang="en-US" sz="2400" spc="-1" strike="noStrike">
+                <a:solidFill>
+                  <a:srgbClr val="000000"/>
+                </a:solidFill>
+                <a:latin typeface="Verdana Pro Black"/>
+                <a:ea typeface="Verdana"/>
+              </a:rPr>
+              <a:t>Multi-layer Perception</a:t>
+            </a:r>
+            <a:endParaRPr b="0" lang="en-US" sz="2400" spc="-1" strike="noStrike">
+              <a:latin typeface="Arial"/>
+            </a:endParaRPr>
+          </a:p>
+        </p:txBody>
+      </p:sp>
       <p:sp>
         <p:nvSpPr>
           <p:cNvPr id="2" name="PlaceHolder 1"/>
@@ -14269,7 +14569,7 @@
         <p:txBody>
           <a:bodyPr/>
           <a:p>
-            <a:fld id="{A85D6469-B9AE-4C16-A995-4D61CD7E1D9A}" type="slidenum">
+            <a:fld id="{5113EC4D-4C3D-4533-BAF0-7F6D4D8AD3DA}" type="slidenum">
               <a:t>9</a:t>
             </a:fld>
           </a:p>
